--- a/pub/Education/NCGS2009Syllabus/install.pptx
+++ b/pub/Education/NCGS2009Syllabus/install.pptx
@@ -5,43 +5,46 @@
     <p:sldMasterId id="2147484168" r:id="rId1"/>
   </p:sldMasterIdLst>
   <p:notesMasterIdLst>
-    <p:notesMasterId r:id="rId33"/>
+    <p:notesMasterId r:id="rId36"/>
   </p:notesMasterIdLst>
   <p:handoutMasterIdLst>
-    <p:handoutMasterId r:id="rId34"/>
+    <p:handoutMasterId r:id="rId37"/>
   </p:handoutMasterIdLst>
   <p:sldIdLst>
     <p:sldId id="310" r:id="rId2"/>
     <p:sldId id="257" r:id="rId3"/>
     <p:sldId id="258" r:id="rId4"/>
     <p:sldId id="259" r:id="rId5"/>
-    <p:sldId id="263" r:id="rId6"/>
-    <p:sldId id="264" r:id="rId7"/>
-    <p:sldId id="311" r:id="rId8"/>
-    <p:sldId id="275" r:id="rId9"/>
-    <p:sldId id="276" r:id="rId10"/>
-    <p:sldId id="314" r:id="rId11"/>
-    <p:sldId id="308" r:id="rId12"/>
-    <p:sldId id="277" r:id="rId13"/>
-    <p:sldId id="279" r:id="rId14"/>
-    <p:sldId id="280" r:id="rId15"/>
-    <p:sldId id="281" r:id="rId16"/>
-    <p:sldId id="282" r:id="rId17"/>
-    <p:sldId id="283" r:id="rId18"/>
-    <p:sldId id="286" r:id="rId19"/>
-    <p:sldId id="285" r:id="rId20"/>
-    <p:sldId id="290" r:id="rId21"/>
-    <p:sldId id="312" r:id="rId22"/>
-    <p:sldId id="295" r:id="rId23"/>
-    <p:sldId id="315" r:id="rId24"/>
-    <p:sldId id="317" r:id="rId25"/>
-    <p:sldId id="319" r:id="rId26"/>
-    <p:sldId id="318" r:id="rId27"/>
-    <p:sldId id="316" r:id="rId28"/>
-    <p:sldId id="304" r:id="rId29"/>
-    <p:sldId id="305" r:id="rId30"/>
-    <p:sldId id="313" r:id="rId31"/>
-    <p:sldId id="303" r:id="rId32"/>
+    <p:sldId id="322" r:id="rId6"/>
+    <p:sldId id="263" r:id="rId7"/>
+    <p:sldId id="264" r:id="rId8"/>
+    <p:sldId id="320" r:id="rId9"/>
+    <p:sldId id="321" r:id="rId10"/>
+    <p:sldId id="311" r:id="rId11"/>
+    <p:sldId id="275" r:id="rId12"/>
+    <p:sldId id="276" r:id="rId13"/>
+    <p:sldId id="314" r:id="rId14"/>
+    <p:sldId id="308" r:id="rId15"/>
+    <p:sldId id="277" r:id="rId16"/>
+    <p:sldId id="279" r:id="rId17"/>
+    <p:sldId id="280" r:id="rId18"/>
+    <p:sldId id="281" r:id="rId19"/>
+    <p:sldId id="282" r:id="rId20"/>
+    <p:sldId id="283" r:id="rId21"/>
+    <p:sldId id="286" r:id="rId22"/>
+    <p:sldId id="285" r:id="rId23"/>
+    <p:sldId id="290" r:id="rId24"/>
+    <p:sldId id="312" r:id="rId25"/>
+    <p:sldId id="295" r:id="rId26"/>
+    <p:sldId id="315" r:id="rId27"/>
+    <p:sldId id="317" r:id="rId28"/>
+    <p:sldId id="319" r:id="rId29"/>
+    <p:sldId id="318" r:id="rId30"/>
+    <p:sldId id="316" r:id="rId31"/>
+    <p:sldId id="304" r:id="rId32"/>
+    <p:sldId id="305" r:id="rId33"/>
+    <p:sldId id="313" r:id="rId34"/>
+    <p:sldId id="303" r:id="rId35"/>
   </p:sldIdLst>
   <p:sldSz cx="9144000" cy="6858000" type="screen4x3"/>
   <p:notesSz cx="6858000" cy="9144000"/>
@@ -226,7 +229,7 @@
             <a:fld id="{5BC6204E-1634-8B47-9EBB-22DF7475568D}" type="datetime1">
               <a:rPr lang="en-US" smtClean="0"/>
               <a:pPr/>
-              <a:t>4/21/09</a:t>
+              <a:t>4/23/09</a:t>
             </a:fld>
             <a:endParaRPr lang="en-US"/>
           </a:p>
@@ -389,7 +392,7 @@
             <a:fld id="{CA5F8DB8-69EF-DE4A-B9A6-97B7F92B3D13}" type="datetime1">
               <a:rPr lang="en-US" smtClean="0"/>
               <a:pPr/>
-              <a:t>4/21/09</a:t>
+              <a:t>4/23/09</a:t>
             </a:fld>
             <a:endParaRPr lang="en-US"/>
           </a:p>
@@ -675,6 +678,113 @@
       </p:grpSpPr>
       <p:sp>
         <p:nvSpPr>
+          <p:cNvPr id="13314" name="Slide Image Placeholder 1"/>
+          <p:cNvSpPr>
+            <a:spLocks noGrp="1" noRot="1" noChangeAspect="1" noTextEdit="1"/>
+          </p:cNvSpPr>
+          <p:nvPr>
+            <p:ph type="sldImg"/>
+          </p:nvPr>
+        </p:nvSpPr>
+        <p:spPr bwMode="auto">
+          <a:noFill/>
+          <a:ln>
+            <a:solidFill>
+              <a:srgbClr val="000000"/>
+            </a:solidFill>
+            <a:miter lim="800000"/>
+            <a:headEnd/>
+            <a:tailEnd/>
+          </a:ln>
+        </p:spPr>
+      </p:sp>
+      <p:sp>
+        <p:nvSpPr>
+          <p:cNvPr id="13315" name="Notes Placeholder 2"/>
+          <p:cNvSpPr>
+            <a:spLocks noGrp="1"/>
+          </p:cNvSpPr>
+          <p:nvPr>
+            <p:ph type="body" idx="1"/>
+          </p:nvPr>
+        </p:nvSpPr>
+        <p:spPr bwMode="auto">
+          <a:noFill/>
+        </p:spPr>
+        <p:txBody>
+          <a:bodyPr/>
+          <a:lstStyle/>
+          <a:p>
+            <a:pPr eaLnBrk="1" hangingPunct="1">
+              <a:spcBef>
+                <a:spcPct val="0"/>
+              </a:spcBef>
+            </a:pPr>
+            <a:r>
+              <a:rPr lang="en-US"/>
+              <a:t>Mention 2 cnaf incidents we can work with you and had incidents before. Your support is important. </a:t>
+            </a:r>
+          </a:p>
+        </p:txBody>
+      </p:sp>
+      <p:sp>
+        <p:nvSpPr>
+          <p:cNvPr id="13316" name="Slide Number Placeholder 3"/>
+          <p:cNvSpPr>
+            <a:spLocks noGrp="1"/>
+          </p:cNvSpPr>
+          <p:nvPr>
+            <p:ph type="sldNum" sz="quarter" idx="5"/>
+          </p:nvPr>
+        </p:nvSpPr>
+        <p:spPr bwMode="auto">
+          <a:noFill/>
+          <a:ln>
+            <a:miter lim="800000"/>
+            <a:headEnd/>
+            <a:tailEnd/>
+          </a:ln>
+        </p:spPr>
+        <p:txBody>
+          <a:bodyPr/>
+          <a:lstStyle/>
+          <a:p>
+            <a:fld id="{35EF9B00-C86D-EC44-B3EA-F8152B1CDEDB}" type="slidenum">
+              <a:rPr lang="en-US"/>
+              <a:pPr/>
+              <a:t>9</a:t>
+            </a:fld>
+            <a:endParaRPr lang="en-US"/>
+          </a:p>
+        </p:txBody>
+      </p:sp>
+    </p:spTree>
+  </p:cSld>
+  <p:clrMapOvr>
+    <a:masterClrMapping/>
+  </p:clrMapOvr>
+</p:notes>
+</file>
+
+<file path=ppt/notesSlides/notesSlide2.xml><?xml version="1.0" encoding="utf-8"?>
+<p:notes xmlns:a="http://schemas.openxmlformats.org/drawingml/2006/main" xmlns:r="http://schemas.openxmlformats.org/officeDocument/2006/relationships" xmlns:mc="http://schemas.openxmlformats.org/markup-compatibility/2006" xmlns:mv="urn:schemas-microsoft-com:mac:vml" xmlns:p="http://schemas.openxmlformats.org/presentationml/2006/main" mc:Ignorable="mv" mc:PreserveAttributes="mv:*">
+  <p:cSld>
+    <p:spTree>
+      <p:nvGrpSpPr>
+        <p:cNvPr id="1" name=""/>
+        <p:cNvGrpSpPr/>
+        <p:nvPr/>
+      </p:nvGrpSpPr>
+      <p:grpSpPr>
+        <a:xfrm>
+          <a:off x="0" y="0"/>
+          <a:ext cx="0" cy="0"/>
+          <a:chOff x="0" y="0"/>
+          <a:chExt cx="0" cy="0"/>
+        </a:xfrm>
+      </p:grpSpPr>
+      <p:sp>
+        <p:nvSpPr>
           <p:cNvPr id="2" name="Slide Image Placeholder 1"/>
           <p:cNvSpPr>
             <a:spLocks noGrp="1" noRot="1" noChangeAspect="1"/>
@@ -732,7 +842,7 @@
             <a:fld id="{1B9656F7-3F31-6743-9697-5F03AEB6EE1C}" type="slidenum">
               <a:rPr lang="en-US" smtClean="0"/>
               <a:pPr/>
-              <a:t>15</a:t>
+              <a:t>18</a:t>
             </a:fld>
             <a:endParaRPr lang="en-US"/>
           </a:p>
@@ -5815,12 +5925,12 @@
         </p:nvSpPr>
         <p:spPr/>
         <p:txBody>
-          <a:bodyPr/>
-          <a:lstStyle/>
-          <a:p>
-            <a:r>
-              <a:rPr lang="en-US" dirty="0" smtClean="0"/>
-              <a:t>Starting out</a:t>
+          <a:bodyPr anchor="ctr"/>
+          <a:lstStyle/>
+          <a:p>
+            <a:r>
+              <a:rPr lang="en-US" dirty="0" smtClean="0"/>
+              <a:t>Installing an OSG Site</a:t>
             </a:r>
             <a:endParaRPr lang="en-US" dirty="0"/>
           </a:p>
@@ -5833,32 +5943,62 @@
             <a:spLocks noGrp="1"/>
           </p:cNvSpPr>
           <p:nvPr>
-            <p:ph sz="quarter" idx="1"/>
-          </p:nvPr>
-        </p:nvSpPr>
-        <p:spPr/>
-        <p:txBody>
-          <a:bodyPr/>
-          <a:lstStyle/>
-          <a:p>
-            <a:r>
-              <a:rPr lang="en-US" dirty="0" smtClean="0"/>
-              <a:t>Everyone using OSG gets a personal certificate because it is required to do any activity on an OSG resource</a:t>
-            </a:r>
-          </a:p>
-          <a:p>
-            <a:r>
-              <a:rPr lang="en-US" dirty="0" smtClean="0"/>
-              <a:t>Will need to know or contact someone with </a:t>
-            </a:r>
-            <a:r>
-              <a:rPr lang="en-US" dirty="0" err="1" smtClean="0"/>
-              <a:t>DOEGrids</a:t>
-            </a:r>
-            <a:r>
-              <a:rPr lang="en-US" dirty="0" smtClean="0"/>
-              <a:t> certificate in order to obtain a personal certificate</a:t>
-            </a:r>
+            <p:ph type="body" idx="1"/>
+          </p:nvPr>
+        </p:nvSpPr>
+        <p:spPr/>
+        <p:txBody>
+          <a:bodyPr>
+            <a:normAutofit fontScale="85000" lnSpcReduction="20000"/>
+          </a:bodyPr>
+          <a:lstStyle/>
+          <a:p>
+            <a:r>
+              <a:rPr lang="en-US" dirty="0" smtClean="0"/>
+              <a:t>Introduction to OSG terms and operations</a:t>
+            </a:r>
+            <a:endParaRPr lang="en-US" dirty="0" smtClean="0"/>
+          </a:p>
+          <a:p>
+            <a:r>
+              <a:rPr lang="en-US" dirty="0" smtClean="0"/>
+              <a:t>Site Policies and </a:t>
+            </a:r>
+            <a:r>
+              <a:rPr lang="en-US" dirty="0" smtClean="0"/>
+              <a:t>Requirements</a:t>
+            </a:r>
+          </a:p>
+          <a:p>
+            <a:r>
+              <a:rPr lang="en-US" dirty="0" smtClean="0">
+                <a:solidFill>
+                  <a:schemeClr val="accent5"/>
+                </a:solidFill>
+              </a:rPr>
+              <a:t>Installing </a:t>
+            </a:r>
+            <a:r>
+              <a:rPr lang="en-US" dirty="0" smtClean="0">
+                <a:solidFill>
+                  <a:schemeClr val="accent5"/>
+                </a:solidFill>
+              </a:rPr>
+              <a:t>an OSG site</a:t>
+            </a:r>
+          </a:p>
+          <a:p>
+            <a:r>
+              <a:rPr lang="en-US" dirty="0" smtClean="0"/>
+              <a:t>Maintaining a site</a:t>
+            </a:r>
+          </a:p>
+          <a:p>
+            <a:r>
+              <a:rPr lang="en-US" dirty="0" smtClean="0"/>
+              <a:t>Q&amp;A time </a:t>
+            </a:r>
+            <a:endParaRPr lang="en-US" dirty="0"/>
           </a:p>
         </p:txBody>
       </p:sp>
@@ -5869,7 +6009,7 @@
             <a:spLocks noGrp="1"/>
           </p:cNvSpPr>
           <p:nvPr>
-            <p:ph type="dt" sz="half" idx="14"/>
+            <p:ph type="dt" sz="half" idx="10"/>
           </p:nvPr>
         </p:nvSpPr>
         <p:spPr/>
@@ -5881,18 +6021,41 @@
               <a:rPr lang="en-US" smtClean="0"/>
               <a:t>April 23, 2009</a:t>
             </a:r>
-            <a:endParaRPr lang="en-US" dirty="0" smtClean="0"/>
-          </a:p>
-        </p:txBody>
-      </p:sp>
-      <p:sp>
-        <p:nvSpPr>
-          <p:cNvPr id="6" name="Slide Number Placeholder 5"/>
-          <p:cNvSpPr>
-            <a:spLocks noGrp="1"/>
-          </p:cNvSpPr>
-          <p:nvPr>
-            <p:ph type="sldNum" sz="quarter" idx="15"/>
+            <a:endParaRPr dirty="0"/>
+          </a:p>
+        </p:txBody>
+      </p:sp>
+      <p:sp>
+        <p:nvSpPr>
+          <p:cNvPr id="6" name="Footer Placeholder 5"/>
+          <p:cNvSpPr>
+            <a:spLocks noGrp="1"/>
+          </p:cNvSpPr>
+          <p:nvPr>
+            <p:ph type="ftr" sz="quarter" idx="11"/>
+          </p:nvPr>
+        </p:nvSpPr>
+        <p:spPr/>
+        <p:txBody>
+          <a:bodyPr/>
+          <a:lstStyle/>
+          <a:p>
+            <a:r>
+              <a:rPr lang="en-US" smtClean="0"/>
+              <a:t>NCGS 2009 Chapel Hill</a:t>
+            </a:r>
+            <a:endParaRPr lang="en-US" dirty="0"/>
+          </a:p>
+        </p:txBody>
+      </p:sp>
+      <p:sp>
+        <p:nvSpPr>
+          <p:cNvPr id="5" name="Slide Number Placeholder 4"/>
+          <p:cNvSpPr>
+            <a:spLocks noGrp="1"/>
+          </p:cNvSpPr>
+          <p:nvPr>
+            <p:ph type="sldNum" sz="quarter" idx="12"/>
           </p:nvPr>
         </p:nvSpPr>
         <p:spPr/>
@@ -5906,29 +6069,6 @@
               <a:t>10</a:t>
             </a:fld>
             <a:endParaRPr lang="en-US"/>
-          </a:p>
-        </p:txBody>
-      </p:sp>
-      <p:sp>
-        <p:nvSpPr>
-          <p:cNvPr id="5" name="Footer Placeholder 4"/>
-          <p:cNvSpPr>
-            <a:spLocks noGrp="1"/>
-          </p:cNvSpPr>
-          <p:nvPr>
-            <p:ph type="ftr" sz="quarter" idx="16"/>
-          </p:nvPr>
-        </p:nvSpPr>
-        <p:spPr/>
-        <p:txBody>
-          <a:bodyPr/>
-          <a:lstStyle/>
-          <a:p>
-            <a:r>
-              <a:rPr lang="en-US" smtClean="0"/>
-              <a:t>NCGS 2009 Chapel Hill</a:t>
-            </a:r>
-            <a:endParaRPr lang="en-US" dirty="0"/>
           </a:p>
         </p:txBody>
       </p:sp>
@@ -5981,7 +6121,7 @@
           <a:p>
             <a:r>
               <a:rPr lang="en-US" dirty="0" smtClean="0"/>
-              <a:t>Site Registration using OIM	</a:t>
+              <a:t>Site planning</a:t>
             </a:r>
             <a:endParaRPr lang="en-US" dirty="0"/>
           </a:p>
@@ -6004,36 +6144,29 @@
           <a:p>
             <a:r>
               <a:rPr lang="en-US" dirty="0" smtClean="0"/>
-              <a:t>Done using OIM at  </a:t>
-            </a:r>
-            <a:r>
-              <a:rPr lang="en-US" dirty="0" smtClean="0">
-                <a:hlinkClick r:id="rId2"/>
-              </a:rPr>
-              <a:t>https://oim.grid.iu.edu/</a:t>
-            </a:r>
-            <a:endParaRPr lang="en-US" dirty="0" smtClean="0"/>
-          </a:p>
-          <a:p>
-            <a:r>
-              <a:rPr lang="en-US" dirty="0" smtClean="0"/>
-              <a:t>Will need to register first, </a:t>
-            </a:r>
-          </a:p>
-          <a:p>
-            <a:r>
-              <a:rPr lang="en-US" dirty="0" smtClean="0"/>
-              <a:t>After GOC approves registration :</a:t>
-            </a:r>
-          </a:p>
-          <a:p>
-            <a:pPr lvl="1"/>
-            <a:r>
-              <a:rPr lang="en-US" dirty="0" smtClean="0"/>
-              <a:t>Registrations &gt; Resources &gt; Add New Resource</a:t>
-            </a:r>
-          </a:p>
-          <a:p>
+              <a:t>Bureaucratic details</a:t>
+            </a:r>
+          </a:p>
+          <a:p>
+            <a:r>
+              <a:rPr lang="en-US" dirty="0" smtClean="0"/>
+              <a:t>Cluster layout</a:t>
+            </a:r>
+          </a:p>
+          <a:p>
+            <a:r>
+              <a:rPr lang="en-US" dirty="0" smtClean="0"/>
+              <a:t>Disk layout / sharing</a:t>
+            </a:r>
+          </a:p>
+          <a:p>
+            <a:r>
+              <a:rPr lang="en-US" dirty="0" smtClean="0"/>
+              <a:t>Authorization </a:t>
+            </a:r>
+            <a:br>
+              <a:rPr lang="en-US" dirty="0" smtClean="0"/>
+            </a:br>
             <a:endParaRPr lang="en-US" dirty="0"/>
           </a:p>
         </p:txBody>
@@ -6157,7 +6290,7 @@
           <a:p>
             <a:r>
               <a:rPr lang="en-US" dirty="0" smtClean="0"/>
-              <a:t>Cluster Layout</a:t>
+              <a:t>Bureaucracy</a:t>
             </a:r>
             <a:endParaRPr lang="en-US" dirty="0"/>
           </a:p>
@@ -6180,59 +6313,43 @@
           <a:p>
             <a:r>
               <a:rPr lang="en-US" dirty="0" smtClean="0"/>
-              <a:t>How is software / data being shared</a:t>
+              <a:t>Certificates (personal/host)</a:t>
+            </a:r>
+          </a:p>
+          <a:p>
+            <a:r>
+              <a:rPr lang="en-US" dirty="0" smtClean="0"/>
+              <a:t>VO registrations</a:t>
+            </a:r>
+          </a:p>
+          <a:p>
+            <a:r>
+              <a:rPr lang="en-US" dirty="0" smtClean="0"/>
+              <a:t>Registration with OSG </a:t>
             </a:r>
           </a:p>
           <a:p>
             <a:pPr lvl="1"/>
             <a:r>
               <a:rPr lang="en-US" dirty="0" smtClean="0"/>
-              <a:t>NFS can work but gets bogged down with larger workloads</a:t>
+              <a:t>Need a site name (e.g. UC_ITB)</a:t>
             </a:r>
           </a:p>
           <a:p>
             <a:pPr lvl="1"/>
             <a:r>
               <a:rPr lang="en-US" dirty="0" smtClean="0"/>
-              <a:t>Where do services run?</a:t>
-            </a:r>
-          </a:p>
-          <a:p>
-            <a:pPr lvl="2"/>
-            <a:r>
-              <a:rPr lang="en-US" dirty="0" smtClean="0"/>
-              <a:t>Single server vs. dedicated servers</a:t>
-            </a:r>
-          </a:p>
-          <a:p>
-            <a:pPr lvl="1"/>
-            <a:r>
-              <a:rPr lang="en-US" dirty="0" smtClean="0"/>
-              <a:t>Worker node software?</a:t>
-            </a:r>
-          </a:p>
-          <a:p>
-            <a:pPr lvl="2"/>
-            <a:r>
-              <a:rPr lang="en-US" dirty="0" smtClean="0"/>
-              <a:t>Locally present on worker nodes vs. served over </a:t>
-            </a:r>
-            <a:r>
-              <a:rPr lang="en-US" dirty="0" err="1" smtClean="0"/>
-              <a:t>nfs</a:t>
-            </a:r>
-            <a:endParaRPr lang="en-US" dirty="0" smtClean="0"/>
-          </a:p>
-          <a:p>
-            <a:pPr lvl="1"/>
-            <a:r>
-              <a:rPr lang="en-US" dirty="0" smtClean="0"/>
-              <a:t>Certificates shared?</a:t>
-            </a:r>
-          </a:p>
-          <a:p>
-            <a:pPr lvl="2"/>
-            <a:endParaRPr lang="en-US" dirty="0" smtClean="0"/>
+              <a:t>Need contacts (security, admin, etc.)</a:t>
+            </a:r>
+          </a:p>
+          <a:p>
+            <a:r>
+              <a:rPr lang="en-US" dirty="0" smtClean="0"/>
+              <a:t>Site policy on web </a:t>
+            </a:r>
+          </a:p>
+          <a:p>
+            <a:endParaRPr lang="en-US" dirty="0"/>
           </a:p>
         </p:txBody>
       </p:sp>
@@ -6350,14 +6467,12 @@
         </p:nvSpPr>
         <p:spPr/>
         <p:txBody>
-          <a:bodyPr>
-            <a:normAutofit/>
-          </a:bodyPr>
-          <a:lstStyle/>
-          <a:p>
-            <a:r>
-              <a:rPr lang="en-US" dirty="0" smtClean="0"/>
-              <a:t>Required Directories for CE / Cluster</a:t>
+          <a:bodyPr/>
+          <a:lstStyle/>
+          <a:p>
+            <a:r>
+              <a:rPr lang="en-US" dirty="0" smtClean="0"/>
+              <a:t>Starting out</a:t>
             </a:r>
             <a:endParaRPr lang="en-US" dirty="0"/>
           </a:p>
@@ -6375,172 +6490,27 @@
         </p:nvSpPr>
         <p:spPr/>
         <p:txBody>
-          <a:bodyPr>
-            <a:normAutofit fontScale="92500"/>
-          </a:bodyPr>
-          <a:lstStyle/>
-          <a:p>
-            <a:pPr>
-              <a:buFont typeface="Times" pitchFamily="-111" charset="0"/>
-              <a:buChar char="•"/>
-              <a:defRPr/>
-            </a:pPr>
-            <a:r>
-              <a:rPr lang="en-US" b="1" dirty="0" smtClean="0"/>
-              <a:t>OSG_APP</a:t>
-            </a:r>
-            <a:r>
-              <a:rPr lang="en-US" dirty="0" smtClean="0"/>
-              <a:t>: Store VO applications</a:t>
-            </a:r>
-          </a:p>
-          <a:p>
-            <a:pPr lvl="1">
-              <a:buFont typeface="Symbol" pitchFamily="-111" charset="2"/>
-              <a:buChar char=""/>
-              <a:defRPr/>
-            </a:pPr>
-            <a:r>
-              <a:rPr lang="en-US" dirty="0" smtClean="0"/>
-              <a:t>Must be shared (usually NFS)</a:t>
-            </a:r>
-          </a:p>
-          <a:p>
-            <a:pPr lvl="1">
-              <a:buFont typeface="Symbol" pitchFamily="-111" charset="2"/>
-              <a:buChar char=""/>
-              <a:defRPr/>
-            </a:pPr>
-            <a:r>
-              <a:rPr lang="en-US" dirty="0" smtClean="0"/>
-              <a:t>Must be writeable from CE, readable from WN</a:t>
-            </a:r>
-          </a:p>
-          <a:p>
-            <a:pPr lvl="1">
-              <a:buFont typeface="Symbol" pitchFamily="-111" charset="2"/>
-              <a:buChar char=""/>
-              <a:defRPr/>
-            </a:pPr>
-            <a:r>
-              <a:rPr lang="en-US" dirty="0" smtClean="0"/>
-              <a:t>Must be usable by whole cluster</a:t>
-            </a:r>
-          </a:p>
-          <a:p>
-            <a:pPr>
-              <a:buFont typeface="Times" pitchFamily="-111" charset="0"/>
-              <a:buChar char="•"/>
-              <a:defRPr/>
-            </a:pPr>
-            <a:r>
-              <a:rPr lang="en-US" b="1" dirty="0" smtClean="0"/>
-              <a:t>OSG_GRID</a:t>
-            </a:r>
-            <a:r>
-              <a:rPr lang="en-US" dirty="0" smtClean="0"/>
-              <a:t>: Stores WN client software</a:t>
-            </a:r>
-          </a:p>
-          <a:p>
-            <a:pPr lvl="1">
-              <a:buFont typeface="Symbol" pitchFamily="-111" charset="2"/>
-              <a:buChar char=""/>
-              <a:defRPr/>
-            </a:pPr>
-            <a:r>
-              <a:rPr lang="en-US" dirty="0" smtClean="0"/>
-              <a:t>May be shared or installed on each WN</a:t>
-            </a:r>
-          </a:p>
-          <a:p>
-            <a:pPr lvl="1">
-              <a:buFont typeface="Symbol" pitchFamily="-111" charset="2"/>
-              <a:buChar char=""/>
-              <a:defRPr/>
-            </a:pPr>
-            <a:r>
-              <a:rPr lang="en-US" dirty="0" smtClean="0"/>
-              <a:t>May be read-only (no need for users to write)</a:t>
-            </a:r>
-          </a:p>
-          <a:p>
-            <a:pPr lvl="1">
-              <a:buFont typeface="Symbol" pitchFamily="-111" charset="2"/>
-              <a:buChar char=""/>
-              <a:defRPr/>
-            </a:pPr>
-            <a:r>
-              <a:rPr lang="en-US" dirty="0" smtClean="0"/>
-              <a:t>Has a copy of CA </a:t>
+          <a:bodyPr/>
+          <a:lstStyle/>
+          <a:p>
+            <a:r>
+              <a:rPr lang="en-US" dirty="0" smtClean="0"/>
+              <a:t>Everyone using OSG gets a personal certificate because it is required to do any activity on an OSG resource</a:t>
+            </a:r>
+          </a:p>
+          <a:p>
+            <a:r>
+              <a:rPr lang="en-US" dirty="0" smtClean="0"/>
+              <a:t>Will need to know or contact someone with </a:t>
             </a:r>
             <a:r>
               <a:rPr lang="en-US" dirty="0" err="1" smtClean="0"/>
-              <a:t>Certs</a:t>
-            </a:r>
-            <a:r>
-              <a:rPr lang="en-US" dirty="0" smtClean="0"/>
-              <a:t> &amp; </a:t>
-            </a:r>
-            <a:r>
-              <a:rPr lang="en-US" dirty="0" err="1" smtClean="0"/>
-              <a:t>CRLs</a:t>
-            </a:r>
-            <a:r>
-              <a:rPr lang="en-US" dirty="0" smtClean="0"/>
-              <a:t>, which must be up to date</a:t>
-            </a:r>
-          </a:p>
-          <a:p>
-            <a:pPr>
-              <a:buFont typeface="Times" pitchFamily="-111" charset="0"/>
-              <a:buChar char="•"/>
-              <a:defRPr/>
-            </a:pPr>
-            <a:r>
-              <a:rPr lang="en-US" b="1" dirty="0" smtClean="0"/>
-              <a:t>OSG_WN_TMP:</a:t>
-            </a:r>
-            <a:r>
-              <a:rPr lang="en-US" dirty="0" smtClean="0"/>
-              <a:t> temporary directory on worker node</a:t>
-            </a:r>
-          </a:p>
-          <a:p>
-            <a:pPr lvl="1">
-              <a:buFont typeface="Symbol" pitchFamily="-111" charset="2"/>
-              <a:buChar char=""/>
-              <a:defRPr/>
-            </a:pPr>
-            <a:r>
-              <a:rPr lang="en-US" dirty="0" smtClean="0"/>
-              <a:t>May be static or dynamic</a:t>
-            </a:r>
-          </a:p>
-          <a:p>
-            <a:pPr lvl="1">
-              <a:buFont typeface="Symbol" pitchFamily="-111" charset="2"/>
-              <a:buChar char=""/>
-              <a:defRPr/>
-            </a:pPr>
-            <a:r>
-              <a:rPr lang="en-US" dirty="0" smtClean="0"/>
-              <a:t>Must exist at start of job</a:t>
-            </a:r>
-          </a:p>
-          <a:p>
-            <a:pPr lvl="1">
-              <a:buFont typeface="Symbol" pitchFamily="-111" charset="2"/>
-              <a:buChar char=""/>
-              <a:defRPr/>
-            </a:pPr>
-            <a:r>
-              <a:rPr lang="en-US" dirty="0" smtClean="0"/>
-              <a:t>Not guaranteed to be cleaned by batch system</a:t>
-            </a:r>
-          </a:p>
-          <a:p>
-            <a:endParaRPr lang="en-US" dirty="0"/>
+              <a:t>DOEGrids</a:t>
+            </a:r>
+            <a:r>
+              <a:rPr lang="en-US" dirty="0" smtClean="0"/>
+              <a:t> certificate in order to obtain a personal certificate</a:t>
+            </a:r>
           </a:p>
         </p:txBody>
       </p:sp>
@@ -6663,7 +6633,7 @@
           <a:p>
             <a:r>
               <a:rPr lang="en-US" dirty="0" smtClean="0"/>
-              <a:t>Optional directories for CE</a:t>
+              <a:t>Site Registration using OIM	</a:t>
             </a:r>
             <a:endParaRPr lang="en-US" dirty="0"/>
           </a:p>
@@ -6681,92 +6651,41 @@
         </p:nvSpPr>
         <p:spPr/>
         <p:txBody>
-          <a:bodyPr>
-            <a:normAutofit/>
-          </a:bodyPr>
-          <a:lstStyle/>
-          <a:p>
-            <a:pPr>
-              <a:lnSpc>
-                <a:spcPct val="80000"/>
-              </a:lnSpc>
-            </a:pPr>
-            <a:r>
-              <a:rPr lang="en-US" sz="2700" b="1" dirty="0" smtClean="0"/>
-              <a:t>OSG_DATA</a:t>
-            </a:r>
-            <a:r>
-              <a:rPr lang="en-US" sz="2700" dirty="0" smtClean="0"/>
-              <a:t>: Data shared between jobs</a:t>
-            </a:r>
-          </a:p>
-          <a:p>
-            <a:pPr lvl="1">
-              <a:lnSpc>
-                <a:spcPct val="80000"/>
-              </a:lnSpc>
-            </a:pPr>
-            <a:r>
-              <a:rPr lang="en-US" sz="2400" dirty="0" smtClean="0"/>
-              <a:t>Must be writable from the worker nodes</a:t>
-            </a:r>
-          </a:p>
-          <a:p>
-            <a:pPr lvl="1">
-              <a:lnSpc>
-                <a:spcPct val="80000"/>
-              </a:lnSpc>
-            </a:pPr>
-            <a:r>
-              <a:rPr lang="en-US" sz="2400" dirty="0" smtClean="0"/>
-              <a:t>Potentially massive performance requirements</a:t>
-            </a:r>
-          </a:p>
-          <a:p>
-            <a:pPr lvl="1">
-              <a:lnSpc>
-                <a:spcPct val="80000"/>
-              </a:lnSpc>
-            </a:pPr>
-            <a:r>
-              <a:rPr lang="en-US" sz="2400" dirty="0" smtClean="0"/>
-              <a:t>Cluster file system can mitigate limitations with this file system</a:t>
-            </a:r>
-          </a:p>
-          <a:p>
-            <a:pPr lvl="1">
-              <a:lnSpc>
-                <a:spcPct val="80000"/>
-              </a:lnSpc>
-            </a:pPr>
-            <a:r>
-              <a:rPr lang="en-US" sz="2400" dirty="0" smtClean="0"/>
-              <a:t>Performance &amp; support varies widely among sites</a:t>
-            </a:r>
-          </a:p>
-          <a:p>
-            <a:pPr lvl="1">
-              <a:lnSpc>
-                <a:spcPct val="80000"/>
-              </a:lnSpc>
-            </a:pPr>
-            <a:r>
-              <a:rPr lang="en-US" sz="2400" dirty="0" smtClean="0"/>
-              <a:t>0177 permission on OSG_DATA (like /</a:t>
-            </a:r>
-            <a:r>
-              <a:rPr lang="en-US" sz="2400" dirty="0" err="1" smtClean="0"/>
-              <a:t>tmp</a:t>
-            </a:r>
-            <a:r>
-              <a:rPr lang="en-US" sz="2400" dirty="0" smtClean="0"/>
-              <a:t>)</a:t>
-            </a:r>
-          </a:p>
-          <a:p>
-            <a:pPr>
-              <a:buNone/>
-            </a:pPr>
+          <a:bodyPr/>
+          <a:lstStyle/>
+          <a:p>
+            <a:r>
+              <a:rPr lang="en-US" dirty="0" smtClean="0"/>
+              <a:t>Done using OIM at  </a:t>
+            </a:r>
+            <a:r>
+              <a:rPr lang="en-US" dirty="0" smtClean="0">
+                <a:hlinkClick r:id="rId2"/>
+              </a:rPr>
+              <a:t>https://oim.grid.iu.edu/</a:t>
+            </a:r>
+            <a:endParaRPr lang="en-US" dirty="0" smtClean="0"/>
+          </a:p>
+          <a:p>
+            <a:r>
+              <a:rPr lang="en-US" dirty="0" smtClean="0"/>
+              <a:t>Will need to register first, </a:t>
+            </a:r>
+          </a:p>
+          <a:p>
+            <a:r>
+              <a:rPr lang="en-US" dirty="0" smtClean="0"/>
+              <a:t>After GOC approves registration :</a:t>
+            </a:r>
+          </a:p>
+          <a:p>
+            <a:pPr lvl="1"/>
+            <a:r>
+              <a:rPr lang="en-US" dirty="0" smtClean="0"/>
+              <a:t>Registrations &gt; Resources &gt; Add New Resource</a:t>
+            </a:r>
+          </a:p>
+          <a:p>
             <a:endParaRPr lang="en-US" dirty="0"/>
           </a:p>
         </p:txBody>
@@ -6890,7 +6809,7 @@
           <a:p>
             <a:r>
               <a:rPr lang="en-US" dirty="0" smtClean="0"/>
-              <a:t>Space Requirements</a:t>
+              <a:t>Cluster Layout</a:t>
             </a:r>
             <a:endParaRPr lang="en-US" dirty="0"/>
           </a:p>
@@ -6908,181 +6827,64 @@
         </p:nvSpPr>
         <p:spPr/>
         <p:txBody>
-          <a:bodyPr>
-            <a:normAutofit fontScale="92500" lnSpcReduction="20000"/>
-          </a:bodyPr>
-          <a:lstStyle/>
-          <a:p>
-            <a:pPr>
-              <a:buFont typeface="Times" pitchFamily="-111" charset="0"/>
-              <a:buChar char="•"/>
-              <a:defRPr/>
-            </a:pPr>
-            <a:r>
-              <a:rPr lang="en-US" dirty="0" smtClean="0"/>
-              <a:t>Varies between </a:t>
+          <a:bodyPr/>
+          <a:lstStyle/>
+          <a:p>
+            <a:r>
+              <a:rPr lang="en-US" dirty="0" smtClean="0"/>
+              <a:t>How is software / data being shared</a:t>
+            </a:r>
+          </a:p>
+          <a:p>
+            <a:pPr lvl="1"/>
+            <a:r>
+              <a:rPr lang="en-US" dirty="0" smtClean="0"/>
+              <a:t>NFS can work but gets bogged down with larger workloads</a:t>
+            </a:r>
+          </a:p>
+          <a:p>
+            <a:pPr lvl="1"/>
+            <a:r>
+              <a:rPr lang="en-US" dirty="0" smtClean="0"/>
+              <a:t>Where do services run?</a:t>
+            </a:r>
+          </a:p>
+          <a:p>
+            <a:pPr lvl="2"/>
+            <a:r>
+              <a:rPr lang="en-US" dirty="0" smtClean="0"/>
+              <a:t>Single server vs. dedicated servers</a:t>
+            </a:r>
+          </a:p>
+          <a:p>
+            <a:pPr lvl="1"/>
+            <a:r>
+              <a:rPr lang="en-US" dirty="0" smtClean="0"/>
+              <a:t>Worker node software?</a:t>
+            </a:r>
+          </a:p>
+          <a:p>
+            <a:pPr lvl="2"/>
+            <a:r>
+              <a:rPr lang="en-US" dirty="0" smtClean="0"/>
+              <a:t>Locally present on worker nodes vs. served over </a:t>
             </a:r>
             <a:r>
               <a:rPr lang="en-US" dirty="0" err="1" smtClean="0"/>
-              <a:t>VOs</a:t>
+              <a:t>nfs</a:t>
             </a:r>
             <a:endParaRPr lang="en-US" dirty="0" smtClean="0"/>
           </a:p>
           <a:p>
-            <a:pPr lvl="1">
-              <a:buFont typeface="Symbol" pitchFamily="-111" charset="2"/>
-              <a:buChar char=""/>
-              <a:defRPr/>
-            </a:pPr>
-            <a:r>
-              <a:rPr lang="en-US" dirty="0" smtClean="0"/>
-              <a:t>Some </a:t>
-            </a:r>
-            <a:r>
-              <a:rPr lang="en-US" dirty="0" err="1" smtClean="0"/>
-              <a:t>VOs</a:t>
-            </a:r>
-            <a:r>
-              <a:rPr lang="en-US" dirty="0" smtClean="0"/>
-              <a:t> download all data &amp; code per job (may be Squid assisted), and return data to VO per job.</a:t>
-            </a:r>
-          </a:p>
-          <a:p>
-            <a:pPr lvl="1">
-              <a:buFont typeface="Symbol" pitchFamily="-111" charset="2"/>
-              <a:buChar char=""/>
-              <a:defRPr/>
-            </a:pPr>
-            <a:r>
-              <a:rPr lang="en-US" dirty="0" smtClean="0"/>
-              <a:t>Other </a:t>
-            </a:r>
-            <a:r>
-              <a:rPr lang="en-US" dirty="0" err="1" smtClean="0"/>
-              <a:t>VOs</a:t>
-            </a:r>
-            <a:r>
-              <a:rPr lang="en-US" dirty="0" smtClean="0"/>
-              <a:t> use hybrids of OSG_APP and/or OSG_DATA</a:t>
-            </a:r>
-          </a:p>
-          <a:p>
-            <a:pPr>
-              <a:buFont typeface="Times" pitchFamily="-111" charset="0"/>
-              <a:buChar char="•"/>
-              <a:defRPr/>
-            </a:pPr>
-            <a:r>
-              <a:rPr lang="en-US" dirty="0" smtClean="0"/>
-              <a:t>OSG_APP used by several </a:t>
-            </a:r>
-            <a:r>
-              <a:rPr lang="en-US" dirty="0" err="1" smtClean="0"/>
-              <a:t>VOs</a:t>
-            </a:r>
-            <a:r>
-              <a:rPr lang="en-US" dirty="0" smtClean="0"/>
-              <a:t>, not all. </a:t>
-            </a:r>
-          </a:p>
-          <a:p>
-            <a:pPr lvl="1">
-              <a:buFont typeface="Symbol" pitchFamily="-111" charset="2"/>
-              <a:buChar char=""/>
-              <a:defRPr/>
-            </a:pPr>
-            <a:r>
-              <a:rPr lang="en-US" dirty="0" smtClean="0"/>
-              <a:t>1 TB storage is reasonable</a:t>
-            </a:r>
-          </a:p>
-          <a:p>
-            <a:pPr lvl="1">
-              <a:buFont typeface="Symbol" pitchFamily="-111" charset="2"/>
-              <a:buChar char=""/>
-              <a:defRPr/>
-            </a:pPr>
-            <a:r>
-              <a:rPr lang="en-US" dirty="0" smtClean="0"/>
-              <a:t>Serve from separate computer so heavy use won’t affect other site services.</a:t>
-            </a:r>
-          </a:p>
-          <a:p>
-            <a:pPr>
-              <a:buFont typeface="Times" pitchFamily="-111" charset="0"/>
-              <a:buChar char="•"/>
-              <a:defRPr/>
-            </a:pPr>
-            <a:r>
-              <a:rPr lang="en-US" dirty="0" smtClean="0"/>
-              <a:t>OSG_DATA sees moderate usage. </a:t>
-            </a:r>
-          </a:p>
-          <a:p>
-            <a:pPr lvl="1">
-              <a:buFont typeface="Symbol" pitchFamily="-111" charset="2"/>
-              <a:buChar char=""/>
-              <a:defRPr/>
-            </a:pPr>
-            <a:r>
-              <a:rPr lang="en-US" dirty="0" smtClean="0"/>
-              <a:t>1 TB storage is reasonable</a:t>
-            </a:r>
-          </a:p>
-          <a:p>
-            <a:pPr lvl="1">
-              <a:buFont typeface="Symbol" pitchFamily="-111" charset="2"/>
-              <a:buChar char=""/>
-              <a:defRPr/>
-            </a:pPr>
-            <a:r>
-              <a:rPr lang="en-US" dirty="0" smtClean="0"/>
-              <a:t>Serve it from separate computer so heavy use of OSG_DATA doesn’t affect other site services.</a:t>
-            </a:r>
-          </a:p>
-          <a:p>
-            <a:pPr>
-              <a:buFont typeface="Times" pitchFamily="-111" charset="0"/>
-              <a:buChar char="•"/>
-              <a:defRPr/>
-            </a:pPr>
-            <a:r>
-              <a:rPr lang="en-US" dirty="0" smtClean="0"/>
-              <a:t>OSG_WN_TMP is not well managed by </a:t>
-            </a:r>
-            <a:r>
-              <a:rPr lang="en-US" dirty="0" err="1" smtClean="0"/>
-              <a:t>VOs</a:t>
-            </a:r>
-            <a:r>
-              <a:rPr lang="en-US" dirty="0" smtClean="0"/>
-              <a:t> and you should be aware of it. </a:t>
-            </a:r>
-          </a:p>
-          <a:p>
-            <a:pPr lvl="1">
-              <a:buFont typeface="Symbol" pitchFamily="-111" charset="2"/>
-              <a:buChar char=""/>
-              <a:defRPr/>
-            </a:pPr>
-            <a:r>
-              <a:rPr lang="en-US" dirty="0" smtClean="0"/>
-              <a:t>~100GB total local WN space</a:t>
-            </a:r>
-          </a:p>
-          <a:p>
-            <a:pPr lvl="1">
-              <a:buFont typeface="Symbol" pitchFamily="-111" charset="2"/>
-              <a:buChar char=""/>
-              <a:defRPr/>
-            </a:pPr>
-            <a:r>
-              <a:rPr lang="en-US" dirty="0" smtClean="0"/>
-              <a:t>~10GB per job slot.</a:t>
-            </a:r>
-          </a:p>
-          <a:p>
-            <a:endParaRPr lang="en-US" dirty="0"/>
+            <a:pPr lvl="1"/>
+            <a:r>
+              <a:rPr lang="en-US" dirty="0" smtClean="0"/>
+              <a:t>Certificates shared?</a:t>
+            </a:r>
+          </a:p>
+          <a:p>
+            <a:pPr lvl="2"/>
+            <a:endParaRPr lang="en-US" dirty="0" smtClean="0"/>
           </a:p>
         </p:txBody>
       </p:sp>
@@ -7200,12 +7002,14 @@
         </p:nvSpPr>
         <p:spPr/>
         <p:txBody>
-          <a:bodyPr/>
-          <a:lstStyle/>
-          <a:p>
-            <a:r>
-              <a:rPr lang="en-US" dirty="0" smtClean="0"/>
-              <a:t>Worker Node Storage</a:t>
+          <a:bodyPr>
+            <a:normAutofit/>
+          </a:bodyPr>
+          <a:lstStyle/>
+          <a:p>
+            <a:r>
+              <a:rPr lang="en-US" dirty="0" smtClean="0"/>
+              <a:t>Required Directories for CE / Cluster</a:t>
             </a:r>
             <a:endParaRPr lang="en-US" dirty="0"/>
           </a:p>
@@ -7223,28 +7027,172 @@
         </p:nvSpPr>
         <p:spPr/>
         <p:txBody>
-          <a:bodyPr/>
-          <a:lstStyle/>
-          <a:p>
-            <a:r>
-              <a:rPr lang="en-US" dirty="0" smtClean="0"/>
-              <a:t>Provide about 12GB per job slot</a:t>
-            </a:r>
-          </a:p>
-          <a:p>
-            <a:r>
-              <a:rPr lang="en-US" dirty="0" smtClean="0"/>
-              <a:t>Therefore 100GB for quad core 2 socket machine</a:t>
-            </a:r>
-          </a:p>
-          <a:p>
-            <a:r>
-              <a:rPr lang="en-US" dirty="0" smtClean="0"/>
-              <a:t>Not data critical, so can use RAID 0 or similar for good performance</a:t>
-            </a:r>
-          </a:p>
-          <a:p>
-            <a:endParaRPr lang="en-US" dirty="0" smtClean="0"/>
+          <a:bodyPr>
+            <a:normAutofit fontScale="92500"/>
+          </a:bodyPr>
+          <a:lstStyle/>
+          <a:p>
+            <a:pPr>
+              <a:buFont typeface="Times" pitchFamily="-111" charset="0"/>
+              <a:buChar char="•"/>
+              <a:defRPr/>
+            </a:pPr>
+            <a:r>
+              <a:rPr lang="en-US" b="1" dirty="0" smtClean="0"/>
+              <a:t>OSG_APP</a:t>
+            </a:r>
+            <a:r>
+              <a:rPr lang="en-US" dirty="0" smtClean="0"/>
+              <a:t>: Store VO applications</a:t>
+            </a:r>
+          </a:p>
+          <a:p>
+            <a:pPr lvl="1">
+              <a:buFont typeface="Symbol" pitchFamily="-111" charset="2"/>
+              <a:buChar char=""/>
+              <a:defRPr/>
+            </a:pPr>
+            <a:r>
+              <a:rPr lang="en-US" dirty="0" smtClean="0"/>
+              <a:t>Must be shared (usually NFS)</a:t>
+            </a:r>
+          </a:p>
+          <a:p>
+            <a:pPr lvl="1">
+              <a:buFont typeface="Symbol" pitchFamily="-111" charset="2"/>
+              <a:buChar char=""/>
+              <a:defRPr/>
+            </a:pPr>
+            <a:r>
+              <a:rPr lang="en-US" dirty="0" smtClean="0"/>
+              <a:t>Must be writeable from CE, readable from WN</a:t>
+            </a:r>
+          </a:p>
+          <a:p>
+            <a:pPr lvl="1">
+              <a:buFont typeface="Symbol" pitchFamily="-111" charset="2"/>
+              <a:buChar char=""/>
+              <a:defRPr/>
+            </a:pPr>
+            <a:r>
+              <a:rPr lang="en-US" dirty="0" smtClean="0"/>
+              <a:t>Must be usable by whole cluster</a:t>
+            </a:r>
+          </a:p>
+          <a:p>
+            <a:pPr>
+              <a:buFont typeface="Times" pitchFamily="-111" charset="0"/>
+              <a:buChar char="•"/>
+              <a:defRPr/>
+            </a:pPr>
+            <a:r>
+              <a:rPr lang="en-US" b="1" dirty="0" smtClean="0"/>
+              <a:t>OSG_GRID</a:t>
+            </a:r>
+            <a:r>
+              <a:rPr lang="en-US" dirty="0" smtClean="0"/>
+              <a:t>: Stores WN client software</a:t>
+            </a:r>
+          </a:p>
+          <a:p>
+            <a:pPr lvl="1">
+              <a:buFont typeface="Symbol" pitchFamily="-111" charset="2"/>
+              <a:buChar char=""/>
+              <a:defRPr/>
+            </a:pPr>
+            <a:r>
+              <a:rPr lang="en-US" dirty="0" smtClean="0"/>
+              <a:t>May be shared or installed on each WN</a:t>
+            </a:r>
+          </a:p>
+          <a:p>
+            <a:pPr lvl="1">
+              <a:buFont typeface="Symbol" pitchFamily="-111" charset="2"/>
+              <a:buChar char=""/>
+              <a:defRPr/>
+            </a:pPr>
+            <a:r>
+              <a:rPr lang="en-US" dirty="0" smtClean="0"/>
+              <a:t>May be read-only (no need for users to write)</a:t>
+            </a:r>
+          </a:p>
+          <a:p>
+            <a:pPr lvl="1">
+              <a:buFont typeface="Symbol" pitchFamily="-111" charset="2"/>
+              <a:buChar char=""/>
+              <a:defRPr/>
+            </a:pPr>
+            <a:r>
+              <a:rPr lang="en-US" dirty="0" smtClean="0"/>
+              <a:t>Has a copy of CA </a:t>
+            </a:r>
+            <a:r>
+              <a:rPr lang="en-US" dirty="0" err="1" smtClean="0"/>
+              <a:t>Certs</a:t>
+            </a:r>
+            <a:r>
+              <a:rPr lang="en-US" dirty="0" smtClean="0"/>
+              <a:t> &amp; </a:t>
+            </a:r>
+            <a:r>
+              <a:rPr lang="en-US" dirty="0" err="1" smtClean="0"/>
+              <a:t>CRLs</a:t>
+            </a:r>
+            <a:r>
+              <a:rPr lang="en-US" dirty="0" smtClean="0"/>
+              <a:t>, which must be up to date</a:t>
+            </a:r>
+          </a:p>
+          <a:p>
+            <a:pPr>
+              <a:buFont typeface="Times" pitchFamily="-111" charset="0"/>
+              <a:buChar char="•"/>
+              <a:defRPr/>
+            </a:pPr>
+            <a:r>
+              <a:rPr lang="en-US" b="1" dirty="0" smtClean="0"/>
+              <a:t>OSG_WN_TMP:</a:t>
+            </a:r>
+            <a:r>
+              <a:rPr lang="en-US" dirty="0" smtClean="0"/>
+              <a:t> temporary directory on worker node</a:t>
+            </a:r>
+          </a:p>
+          <a:p>
+            <a:pPr lvl="1">
+              <a:buFont typeface="Symbol" pitchFamily="-111" charset="2"/>
+              <a:buChar char=""/>
+              <a:defRPr/>
+            </a:pPr>
+            <a:r>
+              <a:rPr lang="en-US" dirty="0" smtClean="0"/>
+              <a:t>May be static or dynamic</a:t>
+            </a:r>
+          </a:p>
+          <a:p>
+            <a:pPr lvl="1">
+              <a:buFont typeface="Symbol" pitchFamily="-111" charset="2"/>
+              <a:buChar char=""/>
+              <a:defRPr/>
+            </a:pPr>
+            <a:r>
+              <a:rPr lang="en-US" dirty="0" smtClean="0"/>
+              <a:t>Must exist at start of job</a:t>
+            </a:r>
+          </a:p>
+          <a:p>
+            <a:pPr lvl="1">
+              <a:buFont typeface="Symbol" pitchFamily="-111" charset="2"/>
+              <a:buChar char=""/>
+              <a:defRPr/>
+            </a:pPr>
+            <a:r>
+              <a:rPr lang="en-US" dirty="0" smtClean="0"/>
+              <a:t>Not guaranteed to be cleaned by batch system</a:t>
+            </a:r>
+          </a:p>
+          <a:p>
+            <a:endParaRPr lang="en-US" dirty="0"/>
           </a:p>
         </p:txBody>
       </p:sp>
@@ -7367,7 +7315,7 @@
           <a:p>
             <a:r>
               <a:rPr lang="en-US" dirty="0" smtClean="0"/>
-              <a:t>Authorization</a:t>
+              <a:t>Optional directories for CE</a:t>
             </a:r>
             <a:endParaRPr lang="en-US" dirty="0"/>
           </a:p>
@@ -7390,122 +7338,88 @@
           </a:bodyPr>
           <a:lstStyle/>
           <a:p>
-            <a:r>
-              <a:rPr lang="en-US" dirty="0" smtClean="0"/>
-              <a:t>Two major setups:</a:t>
-            </a:r>
-          </a:p>
-          <a:p>
-            <a:pPr lvl="1"/>
-            <a:r>
-              <a:rPr lang="en-US" dirty="0" err="1" smtClean="0"/>
-              <a:t>Gridmap</a:t>
-            </a:r>
-            <a:r>
-              <a:rPr lang="en-US" dirty="0" smtClean="0"/>
-              <a:t> setup</a:t>
-            </a:r>
-          </a:p>
-          <a:p>
-            <a:pPr lvl="2"/>
-            <a:r>
-              <a:rPr lang="en-US" dirty="0" smtClean="0"/>
-              <a:t>File with list of mappings between DN and local account</a:t>
-            </a:r>
-          </a:p>
-          <a:p>
-            <a:pPr lvl="2"/>
-            <a:r>
-              <a:rPr lang="en-US" dirty="0" smtClean="0"/>
-              <a:t>Can be generated by </a:t>
-            </a:r>
-            <a:r>
-              <a:rPr lang="en-US" dirty="0" err="1" smtClean="0"/>
-              <a:t>edg-mkgridmap</a:t>
-            </a:r>
-            <a:r>
-              <a:rPr lang="en-US" dirty="0" smtClean="0"/>
-              <a:t> script</a:t>
-            </a:r>
-          </a:p>
-          <a:p>
-            <a:pPr lvl="2"/>
-            <a:r>
-              <a:rPr lang="en-US" dirty="0" smtClean="0"/>
-              <a:t>Doesn’t handle users in </a:t>
-            </a:r>
-            <a:r>
-              <a:rPr lang="en-US" dirty="0" err="1" smtClean="0"/>
-              <a:t>mulitple</a:t>
-            </a:r>
-            <a:r>
-              <a:rPr lang="en-US" dirty="0" smtClean="0"/>
-              <a:t> </a:t>
-            </a:r>
-            <a:r>
-              <a:rPr lang="en-US" dirty="0" err="1" smtClean="0"/>
-              <a:t>VOs</a:t>
-            </a:r>
-            <a:r>
-              <a:rPr lang="en-US" dirty="0" smtClean="0"/>
-              <a:t> or with VOMS roles</a:t>
-            </a:r>
-            <a:endParaRPr lang="en-US" dirty="0" smtClean="0"/>
-          </a:p>
-          <a:p>
-            <a:pPr lvl="1"/>
-            <a:r>
-              <a:rPr lang="en-US" dirty="0" smtClean="0"/>
-              <a:t>GUMS Service </a:t>
-            </a:r>
-            <a:r>
-              <a:rPr lang="en-US" dirty="0" smtClean="0"/>
-              <a:t>with list of </a:t>
-            </a:r>
-            <a:r>
-              <a:rPr lang="en-US" dirty="0" smtClean="0"/>
-              <a:t>mappings</a:t>
-            </a:r>
-          </a:p>
-          <a:p>
-            <a:pPr lvl="2"/>
-            <a:r>
-              <a:rPr lang="en-US" dirty="0" smtClean="0"/>
-              <a:t> A little more complicated to setup</a:t>
-            </a:r>
-          </a:p>
-          <a:p>
-            <a:pPr lvl="2"/>
-            <a:r>
-              <a:rPr lang="en-US" dirty="0" smtClean="0"/>
-              <a:t>Centralizes mappings for entire site in single location</a:t>
-            </a:r>
-          </a:p>
-          <a:p>
-            <a:pPr lvl="2"/>
-            <a:r>
-              <a:rPr lang="en-US" dirty="0" smtClean="0"/>
-              <a:t>Handles complex cases better (e.g. blacklisting, roles, multiple VO membership)</a:t>
-            </a:r>
-          </a:p>
-          <a:p>
-            <a:pPr lvl="2"/>
-            <a:r>
-              <a:rPr lang="en-US" dirty="0" smtClean="0"/>
-              <a:t>Preferred for sites with more complex requirements</a:t>
-            </a:r>
-          </a:p>
-          <a:p>
-            <a:pPr lvl="2"/>
-            <a:r>
-              <a:rPr lang="en-US" dirty="0" smtClean="0"/>
-              <a:t>Ideally on dedicated system (can be VM</a:t>
-            </a:r>
-            <a:r>
-              <a:rPr lang="en-US" dirty="0" smtClean="0"/>
+            <a:pPr>
+              <a:lnSpc>
+                <a:spcPct val="80000"/>
+              </a:lnSpc>
+            </a:pPr>
+            <a:r>
+              <a:rPr lang="en-US" sz="2700" b="1" dirty="0" smtClean="0"/>
+              <a:t>OSG_DATA</a:t>
+            </a:r>
+            <a:r>
+              <a:rPr lang="en-US" sz="2700" dirty="0" smtClean="0"/>
+              <a:t>: Data shared between jobs</a:t>
+            </a:r>
+          </a:p>
+          <a:p>
+            <a:pPr lvl="1">
+              <a:lnSpc>
+                <a:spcPct val="80000"/>
+              </a:lnSpc>
+            </a:pPr>
+            <a:r>
+              <a:rPr lang="en-US" sz="2400" dirty="0" smtClean="0"/>
+              <a:t>Must be writable from the worker nodes</a:t>
+            </a:r>
+          </a:p>
+          <a:p>
+            <a:pPr lvl="1">
+              <a:lnSpc>
+                <a:spcPct val="80000"/>
+              </a:lnSpc>
+            </a:pPr>
+            <a:r>
+              <a:rPr lang="en-US" sz="2400" dirty="0" smtClean="0"/>
+              <a:t>Potentially massive performance requirements</a:t>
+            </a:r>
+          </a:p>
+          <a:p>
+            <a:pPr lvl="1">
+              <a:lnSpc>
+                <a:spcPct val="80000"/>
+              </a:lnSpc>
+            </a:pPr>
+            <a:r>
+              <a:rPr lang="en-US" sz="2400" dirty="0" smtClean="0"/>
+              <a:t>Cluster file system can mitigate limitations with this file system</a:t>
+            </a:r>
+          </a:p>
+          <a:p>
+            <a:pPr lvl="1">
+              <a:lnSpc>
+                <a:spcPct val="80000"/>
+              </a:lnSpc>
+            </a:pPr>
+            <a:r>
+              <a:rPr lang="en-US" sz="2400" dirty="0" smtClean="0"/>
+              <a:t>Performance &amp; support varies widely among sites</a:t>
+            </a:r>
+          </a:p>
+          <a:p>
+            <a:pPr lvl="1">
+              <a:lnSpc>
+                <a:spcPct val="80000"/>
+              </a:lnSpc>
+            </a:pPr>
+            <a:r>
+              <a:rPr lang="en-US" sz="2400" dirty="0" smtClean="0"/>
+              <a:t>0177 permission on OSG_DATA (like /</a:t>
+            </a:r>
+            <a:r>
+              <a:rPr lang="en-US" sz="2400" dirty="0" err="1" smtClean="0"/>
+              <a:t>tmp</a:t>
+            </a:r>
+            <a:r>
+              <a:rPr lang="en-US" sz="2400" dirty="0" smtClean="0"/>
               <a:t>)</a:t>
             </a:r>
-            <a:endParaRPr lang="en-US" dirty="0" smtClean="0"/>
+          </a:p>
+          <a:p>
+            <a:pPr>
+              <a:buNone/>
+            </a:pPr>
+            <a:endParaRPr lang="en-US" dirty="0"/>
           </a:p>
         </p:txBody>
       </p:sp>
@@ -7628,7 +7542,7 @@
           <a:p>
             <a:r>
               <a:rPr lang="en-US" dirty="0" smtClean="0"/>
-              <a:t>CE Installation Overview</a:t>
+              <a:t>Space Requirements</a:t>
             </a:r>
             <a:endParaRPr lang="en-US" dirty="0"/>
           </a:p>
@@ -7646,59 +7560,180 @@
         </p:nvSpPr>
         <p:spPr/>
         <p:txBody>
-          <a:bodyPr/>
-          <a:lstStyle/>
-          <a:p>
+          <a:bodyPr>
+            <a:normAutofit fontScale="92500" lnSpcReduction="20000"/>
+          </a:bodyPr>
+          <a:lstStyle/>
+          <a:p>
+            <a:pPr>
+              <a:buFont typeface="Times" pitchFamily="-111" charset="0"/>
+              <a:buChar char="•"/>
+              <a:defRPr/>
+            </a:pPr>
+            <a:r>
+              <a:rPr lang="en-US" dirty="0" smtClean="0"/>
+              <a:t>Varies between </a:t>
+            </a:r>
             <a:r>
               <a:rPr lang="en-US" dirty="0" err="1" smtClean="0"/>
-              <a:t>Prerequistes</a:t>
+              <a:t>VOs</a:t>
             </a:r>
             <a:endParaRPr lang="en-US" dirty="0" smtClean="0"/>
           </a:p>
           <a:p>
-            <a:pPr lvl="1"/>
-            <a:r>
-              <a:rPr lang="en-US" dirty="0" smtClean="0"/>
-              <a:t>Certificates</a:t>
-            </a:r>
-          </a:p>
-          <a:p>
-            <a:pPr lvl="1"/>
-            <a:r>
-              <a:rPr lang="en-US" dirty="0" smtClean="0"/>
-              <a:t>Users</a:t>
-            </a:r>
-          </a:p>
-          <a:p>
-            <a:r>
-              <a:rPr lang="en-US" dirty="0" smtClean="0"/>
-              <a:t>Installation</a:t>
-            </a:r>
-          </a:p>
-          <a:p>
-            <a:pPr lvl="1"/>
+            <a:pPr lvl="1">
+              <a:buFont typeface="Symbol" pitchFamily="-111" charset="2"/>
+              <a:buChar char=""/>
+              <a:defRPr/>
+            </a:pPr>
+            <a:r>
+              <a:rPr lang="en-US" dirty="0" smtClean="0"/>
+              <a:t>Some </a:t>
+            </a:r>
             <a:r>
               <a:rPr lang="en-US" dirty="0" err="1" smtClean="0"/>
-              <a:t>Pacman</a:t>
-            </a:r>
-            <a:endParaRPr lang="en-US" dirty="0" smtClean="0"/>
-          </a:p>
-          <a:p>
-            <a:r>
-              <a:rPr lang="en-US" dirty="0" smtClean="0"/>
-              <a:t>Configuration</a:t>
-            </a:r>
-          </a:p>
-          <a:p>
-            <a:r>
-              <a:rPr lang="en-US" dirty="0" smtClean="0"/>
-              <a:t>Getting things started</a:t>
+              <a:t>VOs</a:t>
+            </a:r>
+            <a:r>
+              <a:rPr lang="en-US" dirty="0" smtClean="0"/>
+              <a:t> download all data &amp; code per job (may be Squid assisted), and return data to VO per job.</a:t>
+            </a:r>
+          </a:p>
+          <a:p>
+            <a:pPr lvl="1">
+              <a:buFont typeface="Symbol" pitchFamily="-111" charset="2"/>
+              <a:buChar char=""/>
+              <a:defRPr/>
+            </a:pPr>
+            <a:r>
+              <a:rPr lang="en-US" dirty="0" smtClean="0"/>
+              <a:t>Other </a:t>
+            </a:r>
+            <a:r>
+              <a:rPr lang="en-US" dirty="0" err="1" smtClean="0"/>
+              <a:t>VOs</a:t>
+            </a:r>
+            <a:r>
+              <a:rPr lang="en-US" dirty="0" smtClean="0"/>
+              <a:t> use hybrids of OSG_APP and/or OSG_DATA</a:t>
             </a:r>
           </a:p>
           <a:p>
             <a:pPr>
-              <a:buNone/>
+              <a:buFont typeface="Times" pitchFamily="-111" charset="0"/>
+              <a:buChar char="•"/>
+              <a:defRPr/>
             </a:pPr>
+            <a:r>
+              <a:rPr lang="en-US" dirty="0" smtClean="0"/>
+              <a:t>OSG_APP used by several </a:t>
+            </a:r>
+            <a:r>
+              <a:rPr lang="en-US" dirty="0" err="1" smtClean="0"/>
+              <a:t>VOs</a:t>
+            </a:r>
+            <a:r>
+              <a:rPr lang="en-US" dirty="0" smtClean="0"/>
+              <a:t>, not all. </a:t>
+            </a:r>
+          </a:p>
+          <a:p>
+            <a:pPr lvl="1">
+              <a:buFont typeface="Symbol" pitchFamily="-111" charset="2"/>
+              <a:buChar char=""/>
+              <a:defRPr/>
+            </a:pPr>
+            <a:r>
+              <a:rPr lang="en-US" dirty="0" smtClean="0"/>
+              <a:t>1 TB storage is reasonable</a:t>
+            </a:r>
+          </a:p>
+          <a:p>
+            <a:pPr lvl="1">
+              <a:buFont typeface="Symbol" pitchFamily="-111" charset="2"/>
+              <a:buChar char=""/>
+              <a:defRPr/>
+            </a:pPr>
+            <a:r>
+              <a:rPr lang="en-US" dirty="0" smtClean="0"/>
+              <a:t>Serve from separate computer so heavy use won’t affect other site services.</a:t>
+            </a:r>
+          </a:p>
+          <a:p>
+            <a:pPr>
+              <a:buFont typeface="Times" pitchFamily="-111" charset="0"/>
+              <a:buChar char="•"/>
+              <a:defRPr/>
+            </a:pPr>
+            <a:r>
+              <a:rPr lang="en-US" dirty="0" smtClean="0"/>
+              <a:t>OSG_DATA sees moderate usage. </a:t>
+            </a:r>
+          </a:p>
+          <a:p>
+            <a:pPr lvl="1">
+              <a:buFont typeface="Symbol" pitchFamily="-111" charset="2"/>
+              <a:buChar char=""/>
+              <a:defRPr/>
+            </a:pPr>
+            <a:r>
+              <a:rPr lang="en-US" dirty="0" smtClean="0"/>
+              <a:t>1 TB storage is reasonable</a:t>
+            </a:r>
+          </a:p>
+          <a:p>
+            <a:pPr lvl="1">
+              <a:buFont typeface="Symbol" pitchFamily="-111" charset="2"/>
+              <a:buChar char=""/>
+              <a:defRPr/>
+            </a:pPr>
+            <a:r>
+              <a:rPr lang="en-US" dirty="0" smtClean="0"/>
+              <a:t>Serve it from separate computer so heavy use of OSG_DATA doesn’t affect other site services.</a:t>
+            </a:r>
+          </a:p>
+          <a:p>
+            <a:pPr>
+              <a:buFont typeface="Times" pitchFamily="-111" charset="0"/>
+              <a:buChar char="•"/>
+              <a:defRPr/>
+            </a:pPr>
+            <a:r>
+              <a:rPr lang="en-US" dirty="0" smtClean="0"/>
+              <a:t>OSG_WN_TMP is not well managed by </a:t>
+            </a:r>
+            <a:r>
+              <a:rPr lang="en-US" dirty="0" err="1" smtClean="0"/>
+              <a:t>VOs</a:t>
+            </a:r>
+            <a:r>
+              <a:rPr lang="en-US" dirty="0" smtClean="0"/>
+              <a:t> and you should be aware of it. </a:t>
+            </a:r>
+          </a:p>
+          <a:p>
+            <a:pPr lvl="1">
+              <a:buFont typeface="Symbol" pitchFamily="-111" charset="2"/>
+              <a:buChar char=""/>
+              <a:defRPr/>
+            </a:pPr>
+            <a:r>
+              <a:rPr lang="en-US" dirty="0" smtClean="0"/>
+              <a:t>~100GB total local WN space</a:t>
+            </a:r>
+          </a:p>
+          <a:p>
+            <a:pPr lvl="1">
+              <a:buFont typeface="Symbol" pitchFamily="-111" charset="2"/>
+              <a:buChar char=""/>
+              <a:defRPr/>
+            </a:pPr>
+            <a:r>
+              <a:rPr lang="en-US" dirty="0" smtClean="0"/>
+              <a:t>~10GB per job slot.</a:t>
+            </a:r>
+          </a:p>
+          <a:p>
             <a:endParaRPr lang="en-US" dirty="0"/>
           </a:p>
         </p:txBody>
@@ -7822,7 +7857,7 @@
           <a:p>
             <a:r>
               <a:rPr lang="en-US" dirty="0" smtClean="0"/>
-              <a:t>Local accounts</a:t>
+              <a:t>Worker Node Storage</a:t>
             </a:r>
             <a:endParaRPr lang="en-US" dirty="0"/>
           </a:p>
@@ -7845,34 +7880,23 @@
           <a:p>
             <a:r>
               <a:rPr lang="en-US" dirty="0" smtClean="0"/>
-              <a:t>You need following local accounts:</a:t>
-            </a:r>
-          </a:p>
-          <a:p>
-            <a:pPr lvl="1"/>
-            <a:r>
-              <a:rPr lang="en-US" dirty="0" smtClean="0"/>
-              <a:t>User for RSV </a:t>
-            </a:r>
-          </a:p>
-          <a:p>
-            <a:pPr lvl="1"/>
-            <a:r>
-              <a:rPr lang="en-US" dirty="0" smtClean="0"/>
-              <a:t>Daemon account used by most of VDT</a:t>
-            </a:r>
-          </a:p>
-          <a:p>
-            <a:pPr lvl="1"/>
-            <a:r>
-              <a:rPr lang="en-US" dirty="0" err="1" smtClean="0"/>
-              <a:t>Globus</a:t>
-            </a:r>
-            <a:r>
-              <a:rPr lang="en-US" dirty="0" smtClean="0"/>
-              <a:t> user is optional but will be used if found</a:t>
-            </a:r>
-            <a:endParaRPr lang="en-US" dirty="0"/>
+              <a:t>Provide about 12GB per job slot</a:t>
+            </a:r>
+          </a:p>
+          <a:p>
+            <a:r>
+              <a:rPr lang="en-US" dirty="0" smtClean="0"/>
+              <a:t>Therefore 100GB for quad core 2 socket machine</a:t>
+            </a:r>
+          </a:p>
+          <a:p>
+            <a:r>
+              <a:rPr lang="en-US" dirty="0" smtClean="0"/>
+              <a:t>Not data critical, so can use RAID 0 or similar for good performance</a:t>
+            </a:r>
+          </a:p>
+          <a:p>
+            <a:endParaRPr lang="en-US" dirty="0" smtClean="0"/>
           </a:p>
         </p:txBody>
       </p:sp>
@@ -7995,7 +8019,11 @@
           <a:p>
             <a:r>
               <a:rPr lang="en-US" dirty="0" smtClean="0"/>
-              <a:t>Introduction to OSG Terms and Operations</a:t>
+              <a:t>Introduction to </a:t>
+            </a:r>
+            <a:r>
+              <a:rPr lang="en-US" dirty="0" smtClean="0"/>
+              <a:t>OSG</a:t>
             </a:r>
             <a:endParaRPr lang="en-US" dirty="0"/>
           </a:p>
@@ -8024,23 +8052,36 @@
                   <a:schemeClr val="accent5"/>
                 </a:solidFill>
               </a:rPr>
-              <a:t>Introduction to OSG terms and operations</a:t>
-            </a:r>
-          </a:p>
-          <a:p>
+              <a:t>Introduction to </a:t>
+            </a:r>
             <a:r>
               <a:rPr lang="en-US" dirty="0" smtClean="0">
                 <a:solidFill>
-                  <a:srgbClr val="FFF39D"/>
+                  <a:schemeClr val="accent5"/>
                 </a:solidFill>
               </a:rPr>
-              <a:t>The OSG compute element</a:t>
-            </a:r>
-          </a:p>
-          <a:p>
-            <a:r>
-              <a:rPr lang="en-US" dirty="0" smtClean="0"/>
-              <a:t>Installing an OSG site</a:t>
+              <a:t>OSG</a:t>
+            </a:r>
+          </a:p>
+          <a:p>
+            <a:r>
+              <a:rPr lang="en-US" dirty="0" smtClean="0"/>
+              <a:t>Site Policies and Requirements</a:t>
+            </a:r>
+            <a:endParaRPr lang="en-US" dirty="0" smtClean="0">
+              <a:solidFill>
+                <a:schemeClr val="accent5"/>
+              </a:solidFill>
+            </a:endParaRPr>
+          </a:p>
+          <a:p>
+            <a:r>
+              <a:rPr lang="en-US" dirty="0" smtClean="0"/>
+              <a:t>Installing </a:t>
+            </a:r>
+            <a:r>
+              <a:rPr lang="en-US" dirty="0" smtClean="0"/>
+              <a:t>an OSG site</a:t>
             </a:r>
           </a:p>
           <a:p>
@@ -8177,7 +8218,7 @@
           <a:p>
             <a:r>
               <a:rPr lang="en-US" dirty="0" smtClean="0"/>
-              <a:t>Basic installation and configuration</a:t>
+              <a:t>Authorization</a:t>
             </a:r>
             <a:endParaRPr lang="en-US" dirty="0"/>
           </a:p>
@@ -8196,183 +8237,38 @@
         <p:spPr/>
         <p:txBody>
           <a:bodyPr>
-            <a:normAutofit fontScale="77500" lnSpcReduction="20000"/>
+            <a:normAutofit/>
           </a:bodyPr>
           <a:lstStyle/>
           <a:p>
-            <a:pPr>
-              <a:defRPr/>
-            </a:pPr>
-            <a:r>
-              <a:rPr lang="en-US" dirty="0" smtClean="0"/>
-              <a:t>Install </a:t>
-            </a:r>
+            <a:r>
+              <a:rPr lang="en-US" dirty="0" smtClean="0"/>
+              <a:t>Two major setups:</a:t>
+            </a:r>
+          </a:p>
+          <a:p>
+            <a:pPr lvl="1"/>
             <a:r>
               <a:rPr lang="en-US" dirty="0" err="1" smtClean="0"/>
-              <a:t>Pacman</a:t>
-            </a:r>
-            <a:endParaRPr lang="en-US" dirty="0" smtClean="0"/>
-          </a:p>
-          <a:p>
-            <a:pPr lvl="1">
-              <a:defRPr/>
-            </a:pPr>
-            <a:r>
-              <a:rPr lang="en-US" dirty="0" smtClean="0"/>
-              <a:t>Download</a:t>
-            </a:r>
-          </a:p>
-          <a:p>
-            <a:pPr lvl="1">
-              <a:defRPr/>
-            </a:pPr>
-            <a:r>
-              <a:rPr lang="en-US" sz="1806" dirty="0" smtClean="0">
-                <a:latin typeface="Courier New"/>
-                <a:cs typeface="Courier New"/>
-              </a:rPr>
-              <a:t>http://physics.bu.edu/pacman/sample_cache/tarballs/pacman-3.26.tar.gz</a:t>
-            </a:r>
-          </a:p>
-          <a:p>
-            <a:pPr lvl="1">
-              <a:defRPr/>
-            </a:pPr>
-            <a:r>
-              <a:rPr lang="en-US" dirty="0" err="1" smtClean="0"/>
-              <a:t>Untar</a:t>
-            </a:r>
-            <a:r>
-              <a:rPr lang="en-US" dirty="0" smtClean="0"/>
-              <a:t> (keep in own directory)</a:t>
-            </a:r>
-          </a:p>
-          <a:p>
-            <a:pPr lvl="1">
-              <a:defRPr/>
-            </a:pPr>
-            <a:r>
-              <a:rPr lang="en-US" dirty="0" smtClean="0"/>
-              <a:t>Source setup</a:t>
-            </a:r>
-          </a:p>
-          <a:p>
-            <a:pPr>
-              <a:defRPr/>
-            </a:pPr>
-            <a:r>
-              <a:rPr lang="en-US" dirty="0" smtClean="0"/>
-              <a:t>Make OSG directory</a:t>
-            </a:r>
-          </a:p>
-          <a:p>
-            <a:pPr lvl="1">
-              <a:defRPr/>
-            </a:pPr>
-            <a:r>
-              <a:rPr lang="en-US" dirty="0" smtClean="0"/>
-              <a:t>Example: /opt/</a:t>
-            </a:r>
-            <a:r>
-              <a:rPr lang="en-US" dirty="0" err="1" smtClean="0"/>
-              <a:t>osg</a:t>
-            </a:r>
-            <a:r>
-              <a:rPr lang="en-US" dirty="0" smtClean="0"/>
-              <a:t> </a:t>
-            </a:r>
-            <a:r>
-              <a:rPr lang="en-US" dirty="0" err="1" smtClean="0"/>
-              <a:t>symlink</a:t>
-            </a:r>
-            <a:r>
-              <a:rPr lang="en-US" dirty="0" smtClean="0"/>
-              <a:t> to /opt/osg-1.0</a:t>
-            </a:r>
-          </a:p>
-          <a:p>
-            <a:pPr>
-              <a:defRPr/>
-            </a:pPr>
-            <a:r>
-              <a:rPr lang="en-US" dirty="0" smtClean="0"/>
-              <a:t>Run </a:t>
-            </a:r>
-            <a:r>
-              <a:rPr lang="en-US" dirty="0" err="1" smtClean="0"/>
-              <a:t>pacman</a:t>
-            </a:r>
-            <a:r>
-              <a:rPr lang="en-US" dirty="0" smtClean="0"/>
-              <a:t> commands</a:t>
-            </a:r>
-          </a:p>
-          <a:p>
-            <a:pPr lvl="1">
-              <a:defRPr/>
-            </a:pPr>
-            <a:r>
-              <a:rPr lang="en-US" dirty="0" smtClean="0"/>
-              <a:t>Get CE (</a:t>
-            </a:r>
-            <a:r>
-              <a:rPr lang="en-US" dirty="0" err="1" smtClean="0"/>
-              <a:t>pacman</a:t>
-            </a:r>
-            <a:r>
-              <a:rPr lang="en-US" dirty="0" smtClean="0"/>
-              <a:t> –get </a:t>
-            </a:r>
-            <a:r>
-              <a:rPr lang="en-US" dirty="0" err="1" smtClean="0"/>
-              <a:t>OSG:ce</a:t>
-            </a:r>
-            <a:r>
-              <a:rPr lang="en-US" dirty="0" smtClean="0"/>
-              <a:t>)</a:t>
-            </a:r>
-          </a:p>
-          <a:p>
-            <a:pPr lvl="1">
-              <a:defRPr/>
-            </a:pPr>
-            <a:r>
-              <a:rPr lang="en-US" dirty="0" smtClean="0"/>
-              <a:t>Get job manager interface (</a:t>
-            </a:r>
-            <a:r>
-              <a:rPr lang="en-US" dirty="0" err="1" smtClean="0"/>
-              <a:t>pacman</a:t>
-            </a:r>
-            <a:r>
-              <a:rPr lang="en-US" dirty="0" smtClean="0"/>
-              <a:t> –get </a:t>
-            </a:r>
-            <a:r>
-              <a:rPr lang="en-US" dirty="0" err="1" smtClean="0"/>
-              <a:t>OSG:Globus</a:t>
-            </a:r>
-            <a:r>
-              <a:rPr lang="en-US" dirty="0" smtClean="0"/>
-              <a:t>-Condor-Setup)</a:t>
-            </a:r>
-          </a:p>
-          <a:p>
-            <a:pPr>
-              <a:defRPr/>
-            </a:pPr>
-            <a:r>
-              <a:rPr lang="en-US" dirty="0" smtClean="0"/>
-              <a:t>Configure</a:t>
-            </a:r>
-          </a:p>
-          <a:p>
-            <a:pPr lvl="1">
-              <a:defRPr/>
-            </a:pPr>
-            <a:r>
-              <a:rPr lang="en-US" dirty="0" smtClean="0"/>
-              <a:t>Run </a:t>
+              <a:t>Gridmap</a:t>
+            </a:r>
+            <a:r>
+              <a:rPr lang="en-US" dirty="0" smtClean="0"/>
+              <a:t> setup</a:t>
+            </a:r>
+          </a:p>
+          <a:p>
+            <a:pPr lvl="2"/>
+            <a:r>
+              <a:rPr lang="en-US" dirty="0" smtClean="0"/>
+              <a:t>File with list of mappings between DN and local account</a:t>
+            </a:r>
+          </a:p>
+          <a:p>
+            <a:pPr lvl="2"/>
+            <a:r>
+              <a:rPr lang="en-US" dirty="0" smtClean="0"/>
+              <a:t>Can be generated by </a:t>
             </a:r>
             <a:r>
               <a:rPr lang="en-US" dirty="0" err="1" smtClean="0"/>
@@ -8380,85 +8276,72 @@
             </a:r>
             <a:r>
               <a:rPr lang="en-US" dirty="0" smtClean="0"/>
-              <a:t> or gums-host-</a:t>
+              <a:t> script</a:t>
+            </a:r>
+          </a:p>
+          <a:p>
+            <a:pPr lvl="2"/>
+            <a:r>
+              <a:rPr lang="en-US" dirty="0" smtClean="0"/>
+              <a:t>Doesn’t handle users in </a:t>
             </a:r>
             <a:r>
               <a:rPr lang="en-US" dirty="0" err="1" smtClean="0"/>
-              <a:t>cron</a:t>
-            </a:r>
-            <a:endParaRPr lang="en-US" dirty="0" smtClean="0"/>
-          </a:p>
-          <a:p>
-            <a:pPr lvl="1">
-              <a:defRPr/>
-            </a:pPr>
-            <a:r>
-              <a:rPr lang="en-US" dirty="0" smtClean="0"/>
-              <a:t>Configure CA certificates updater </a:t>
-            </a:r>
-          </a:p>
-          <a:p>
-            <a:pPr lvl="1">
-              <a:defRPr/>
-            </a:pPr>
-            <a:r>
-              <a:rPr lang="en-US" dirty="0" smtClean="0"/>
-              <a:t>Edit </a:t>
+              <a:t>mulitple</a:t>
+            </a:r>
+            <a:r>
+              <a:rPr lang="en-US" dirty="0" smtClean="0"/>
+              <a:t> </a:t>
             </a:r>
             <a:r>
               <a:rPr lang="en-US" dirty="0" err="1" smtClean="0"/>
-              <a:t>config.ini</a:t>
-            </a:r>
-            <a:endParaRPr lang="en-US" dirty="0" smtClean="0"/>
-          </a:p>
-          <a:p>
-            <a:pPr lvl="1">
-              <a:defRPr/>
-            </a:pPr>
-            <a:r>
-              <a:rPr lang="en-US" dirty="0" smtClean="0"/>
-              <a:t>Run </a:t>
-            </a:r>
-            <a:r>
-              <a:rPr lang="en-US" dirty="0" err="1" smtClean="0"/>
-              <a:t>configure_osg.py</a:t>
-            </a:r>
-            <a:r>
-              <a:rPr lang="en-US" dirty="0" smtClean="0"/>
-              <a:t> (configure-</a:t>
-            </a:r>
-            <a:r>
-              <a:rPr lang="en-US" dirty="0" err="1" smtClean="0"/>
-              <a:t>osg.py</a:t>
-            </a:r>
-            <a:r>
-              <a:rPr lang="en-US" dirty="0" smtClean="0"/>
-              <a:t> –</a:t>
-            </a:r>
-            <a:r>
-              <a:rPr lang="en-US" dirty="0" err="1" smtClean="0"/>
-              <a:t>c</a:t>
-            </a:r>
-            <a:r>
-              <a:rPr lang="en-US" dirty="0" smtClean="0"/>
-              <a:t>)</a:t>
-            </a:r>
-          </a:p>
-          <a:p>
-            <a:pPr>
-              <a:defRPr/>
-            </a:pPr>
-            <a:r>
-              <a:rPr lang="en-US" dirty="0" smtClean="0"/>
-              <a:t>Start services (</a:t>
-            </a:r>
-            <a:r>
-              <a:rPr lang="en-US" dirty="0" err="1" smtClean="0"/>
-              <a:t>vdt</a:t>
-            </a:r>
-            <a:r>
-              <a:rPr lang="en-US" dirty="0" smtClean="0"/>
-              <a:t>-control –on)</a:t>
+              <a:t>VOs</a:t>
+            </a:r>
+            <a:r>
+              <a:rPr lang="en-US" dirty="0" smtClean="0"/>
+              <a:t> or with VOMS roles</a:t>
+            </a:r>
+          </a:p>
+          <a:p>
+            <a:pPr lvl="1"/>
+            <a:r>
+              <a:rPr lang="en-US" dirty="0" smtClean="0"/>
+              <a:t>GUMS Service with list of mappings</a:t>
+            </a:r>
+          </a:p>
+          <a:p>
+            <a:pPr lvl="2"/>
+            <a:r>
+              <a:rPr lang="en-US" dirty="0" smtClean="0"/>
+              <a:t> A little more complicated to setup</a:t>
+            </a:r>
+          </a:p>
+          <a:p>
+            <a:pPr lvl="2"/>
+            <a:r>
+              <a:rPr lang="en-US" dirty="0" smtClean="0"/>
+              <a:t>Centralizes mappings for entire site in single location</a:t>
+            </a:r>
+          </a:p>
+          <a:p>
+            <a:pPr lvl="2"/>
+            <a:r>
+              <a:rPr lang="en-US" dirty="0" smtClean="0"/>
+              <a:t>Handles complex cases better (e.g. blacklisting, roles, multiple VO membership)</a:t>
+            </a:r>
+          </a:p>
+          <a:p>
+            <a:pPr lvl="2"/>
+            <a:r>
+              <a:rPr lang="en-US" dirty="0" smtClean="0"/>
+              <a:t>Preferred for sites with more complex requirements</a:t>
+            </a:r>
+          </a:p>
+          <a:p>
+            <a:pPr lvl="2"/>
+            <a:r>
+              <a:rPr lang="en-US" dirty="0" smtClean="0"/>
+              <a:t>Ideally on dedicated system (can be VM)</a:t>
             </a:r>
           </a:p>
         </p:txBody>
@@ -8577,12 +8460,12 @@
         </p:nvSpPr>
         <p:spPr/>
         <p:txBody>
-          <a:bodyPr anchor="ctr"/>
-          <a:lstStyle/>
-          <a:p>
-            <a:r>
-              <a:rPr lang="en-US" dirty="0" smtClean="0"/>
-              <a:t>Site Maintenance</a:t>
+          <a:bodyPr/>
+          <a:lstStyle/>
+          <a:p>
+            <a:r>
+              <a:rPr lang="en-US" dirty="0" smtClean="0"/>
+              <a:t>CE Installation Overview</a:t>
             </a:r>
             <a:endParaRPr lang="en-US" dirty="0"/>
           </a:p>
@@ -8595,42 +8478,64 @@
             <a:spLocks noGrp="1"/>
           </p:cNvSpPr>
           <p:nvPr>
-            <p:ph type="body" idx="1"/>
-          </p:nvPr>
-        </p:nvSpPr>
-        <p:spPr/>
-        <p:txBody>
-          <a:bodyPr>
-            <a:normAutofit lnSpcReduction="10000"/>
-          </a:bodyPr>
-          <a:lstStyle/>
-          <a:p>
-            <a:r>
-              <a:rPr lang="en-US" dirty="0" smtClean="0"/>
-              <a:t>Introduction to OSG terms and operations</a:t>
-            </a:r>
-          </a:p>
-          <a:p>
-            <a:r>
-              <a:rPr lang="en-US" dirty="0" smtClean="0"/>
-              <a:t>Installing an OSG site</a:t>
-            </a:r>
-          </a:p>
-          <a:p>
-            <a:r>
-              <a:rPr lang="en-US" dirty="0" smtClean="0">
-                <a:solidFill>
-                  <a:srgbClr val="AEBAD5"/>
-                </a:solidFill>
-              </a:rPr>
-              <a:t>Maintaining a site</a:t>
-            </a:r>
-          </a:p>
-          <a:p>
-            <a:r>
-              <a:rPr lang="en-US" dirty="0" smtClean="0"/>
-              <a:t>Q&amp;A time </a:t>
-            </a:r>
+            <p:ph sz="quarter" idx="1"/>
+          </p:nvPr>
+        </p:nvSpPr>
+        <p:spPr/>
+        <p:txBody>
+          <a:bodyPr/>
+          <a:lstStyle/>
+          <a:p>
+            <a:r>
+              <a:rPr lang="en-US" dirty="0" err="1" smtClean="0"/>
+              <a:t>Prerequistes</a:t>
+            </a:r>
+            <a:endParaRPr lang="en-US" dirty="0" smtClean="0"/>
+          </a:p>
+          <a:p>
+            <a:pPr lvl="1"/>
+            <a:r>
+              <a:rPr lang="en-US" dirty="0" smtClean="0"/>
+              <a:t>Certificates</a:t>
+            </a:r>
+          </a:p>
+          <a:p>
+            <a:pPr lvl="1"/>
+            <a:r>
+              <a:rPr lang="en-US" dirty="0" smtClean="0"/>
+              <a:t>Users</a:t>
+            </a:r>
+          </a:p>
+          <a:p>
+            <a:r>
+              <a:rPr lang="en-US" dirty="0" smtClean="0"/>
+              <a:t>Installation</a:t>
+            </a:r>
+          </a:p>
+          <a:p>
+            <a:pPr lvl="1"/>
+            <a:r>
+              <a:rPr lang="en-US" dirty="0" err="1" smtClean="0"/>
+              <a:t>Pacman</a:t>
+            </a:r>
+            <a:endParaRPr lang="en-US" dirty="0" smtClean="0"/>
+          </a:p>
+          <a:p>
+            <a:r>
+              <a:rPr lang="en-US" dirty="0" smtClean="0"/>
+              <a:t>Configuration</a:t>
+            </a:r>
+          </a:p>
+          <a:p>
+            <a:r>
+              <a:rPr lang="en-US" dirty="0" smtClean="0"/>
+              <a:t>Getting things started</a:t>
+            </a:r>
+          </a:p>
+          <a:p>
+            <a:pPr>
+              <a:buNone/>
+            </a:pPr>
             <a:endParaRPr lang="en-US" dirty="0"/>
           </a:p>
         </p:txBody>
@@ -8642,7 +8547,7 @@
             <a:spLocks noGrp="1"/>
           </p:cNvSpPr>
           <p:nvPr>
-            <p:ph type="dt" sz="half" idx="10"/>
+            <p:ph type="dt" sz="half" idx="14"/>
           </p:nvPr>
         </p:nvSpPr>
         <p:spPr/>
@@ -8654,41 +8559,18 @@
               <a:rPr lang="en-US" smtClean="0"/>
               <a:t>April 23, 2009</a:t>
             </a:r>
-            <a:endParaRPr dirty="0"/>
-          </a:p>
-        </p:txBody>
-      </p:sp>
-      <p:sp>
-        <p:nvSpPr>
-          <p:cNvPr id="6" name="Footer Placeholder 5"/>
-          <p:cNvSpPr>
-            <a:spLocks noGrp="1"/>
-          </p:cNvSpPr>
-          <p:nvPr>
-            <p:ph type="ftr" sz="quarter" idx="11"/>
-          </p:nvPr>
-        </p:nvSpPr>
-        <p:spPr/>
-        <p:txBody>
-          <a:bodyPr/>
-          <a:lstStyle/>
-          <a:p>
-            <a:r>
-              <a:rPr lang="en-US" smtClean="0"/>
-              <a:t>NCGS 2009 Chapel Hill</a:t>
-            </a:r>
-            <a:endParaRPr lang="en-US" dirty="0"/>
-          </a:p>
-        </p:txBody>
-      </p:sp>
-      <p:sp>
-        <p:nvSpPr>
-          <p:cNvPr id="5" name="Slide Number Placeholder 4"/>
-          <p:cNvSpPr>
-            <a:spLocks noGrp="1"/>
-          </p:cNvSpPr>
-          <p:nvPr>
-            <p:ph type="sldNum" sz="quarter" idx="12"/>
+            <a:endParaRPr lang="en-US" dirty="0" smtClean="0"/>
+          </a:p>
+        </p:txBody>
+      </p:sp>
+      <p:sp>
+        <p:nvSpPr>
+          <p:cNvPr id="6" name="Slide Number Placeholder 5"/>
+          <p:cNvSpPr>
+            <a:spLocks noGrp="1"/>
+          </p:cNvSpPr>
+          <p:nvPr>
+            <p:ph type="sldNum" sz="quarter" idx="15"/>
           </p:nvPr>
         </p:nvSpPr>
         <p:spPr/>
@@ -8702,6 +8584,29 @@
               <a:t>21</a:t>
             </a:fld>
             <a:endParaRPr lang="en-US"/>
+          </a:p>
+        </p:txBody>
+      </p:sp>
+      <p:sp>
+        <p:nvSpPr>
+          <p:cNvPr id="5" name="Footer Placeholder 4"/>
+          <p:cNvSpPr>
+            <a:spLocks noGrp="1"/>
+          </p:cNvSpPr>
+          <p:nvPr>
+            <p:ph type="ftr" sz="quarter" idx="16"/>
+          </p:nvPr>
+        </p:nvSpPr>
+        <p:spPr/>
+        <p:txBody>
+          <a:bodyPr/>
+          <a:lstStyle/>
+          <a:p>
+            <a:r>
+              <a:rPr lang="en-US" smtClean="0"/>
+              <a:t>NCGS 2009 Chapel Hill</a:t>
+            </a:r>
+            <a:endParaRPr lang="en-US" dirty="0"/>
           </a:p>
         </p:txBody>
       </p:sp>
@@ -8739,7 +8644,7 @@
       </p:grpSpPr>
       <p:sp>
         <p:nvSpPr>
-          <p:cNvPr id="67586" name="Title 1"/>
+          <p:cNvPr id="2" name="Title 1"/>
           <p:cNvSpPr>
             <a:spLocks noGrp="1"/>
           </p:cNvSpPr>
@@ -8753,15 +8658,16 @@
           <a:lstStyle/>
           <a:p>
             <a:r>
-              <a:rPr lang="en-US" smtClean="0"/>
-              <a:t>Updating CAs</a:t>
-            </a:r>
-          </a:p>
-        </p:txBody>
-      </p:sp>
-      <p:sp>
-        <p:nvSpPr>
-          <p:cNvPr id="67587" name="Content Placeholder 2"/>
+              <a:rPr lang="en-US" dirty="0" smtClean="0"/>
+              <a:t>Local accounts</a:t>
+            </a:r>
+            <a:endParaRPr lang="en-US" dirty="0"/>
+          </a:p>
+        </p:txBody>
+      </p:sp>
+      <p:sp>
+        <p:nvSpPr>
+          <p:cNvPr id="3" name="Content Placeholder 2"/>
           <p:cNvSpPr>
             <a:spLocks noGrp="1"/>
           </p:cNvSpPr>
@@ -8774,120 +8680,42 @@
           <a:bodyPr/>
           <a:lstStyle/>
           <a:p>
-            <a:pPr>
-              <a:lnSpc>
-                <a:spcPct val="90000"/>
-              </a:lnSpc>
-            </a:pPr>
-            <a:r>
-              <a:rPr lang="en-US" sz="3000" smtClean="0"/>
-              <a:t>CAs are regularly updated</a:t>
-            </a:r>
-          </a:p>
-          <a:p>
-            <a:pPr lvl="1">
-              <a:lnSpc>
-                <a:spcPct val="90000"/>
-              </a:lnSpc>
-            </a:pPr>
-            <a:r>
-              <a:rPr lang="en-US" sz="2600" smtClean="0"/>
-              <a:t>New CAs added</a:t>
-            </a:r>
-          </a:p>
-          <a:p>
-            <a:pPr lvl="1">
-              <a:lnSpc>
-                <a:spcPct val="90000"/>
-              </a:lnSpc>
-            </a:pPr>
-            <a:r>
-              <a:rPr lang="en-US" sz="2600" smtClean="0"/>
-              <a:t>Old CAs removed</a:t>
-            </a:r>
-          </a:p>
-          <a:p>
-            <a:pPr lvl="1">
-              <a:lnSpc>
-                <a:spcPct val="90000"/>
-              </a:lnSpc>
-            </a:pPr>
-            <a:r>
-              <a:rPr lang="en-US" sz="2600" smtClean="0"/>
-              <a:t>Tweaks to existing CAs</a:t>
-            </a:r>
-          </a:p>
-          <a:p>
-            <a:pPr>
-              <a:lnSpc>
-                <a:spcPct val="90000"/>
-              </a:lnSpc>
-            </a:pPr>
-            <a:r>
-              <a:rPr lang="en-US" sz="3000" smtClean="0"/>
-              <a:t>If you don’t keep up to date:</a:t>
-            </a:r>
-          </a:p>
-          <a:p>
-            <a:pPr lvl="1">
-              <a:lnSpc>
-                <a:spcPct val="90000"/>
-              </a:lnSpc>
-            </a:pPr>
-            <a:r>
-              <a:rPr lang="en-US" sz="2600" smtClean="0"/>
-              <a:t>May be unable to authenticate some user</a:t>
-            </a:r>
-          </a:p>
-          <a:p>
-            <a:pPr lvl="1">
-              <a:lnSpc>
-                <a:spcPct val="90000"/>
-              </a:lnSpc>
-            </a:pPr>
-            <a:r>
-              <a:rPr lang="en-US" sz="2600" smtClean="0"/>
-              <a:t>May incorrectly accept some users</a:t>
-            </a:r>
-          </a:p>
-          <a:p>
-            <a:pPr>
-              <a:lnSpc>
-                <a:spcPct val="90000"/>
-              </a:lnSpc>
-            </a:pPr>
-            <a:r>
-              <a:rPr lang="en-US" sz="3000" smtClean="0"/>
-              <a:t>Easy to keep up to date</a:t>
-            </a:r>
-          </a:p>
-          <a:p>
-            <a:pPr lvl="1">
-              <a:lnSpc>
-                <a:spcPct val="90000"/>
-              </a:lnSpc>
-            </a:pPr>
-            <a:r>
-              <a:rPr lang="en-US" sz="2600" smtClean="0"/>
-              <a:t>vdt-update-certs</a:t>
-            </a:r>
-          </a:p>
-          <a:p>
-            <a:pPr lvl="2">
-              <a:lnSpc>
-                <a:spcPct val="90000"/>
-              </a:lnSpc>
-            </a:pPr>
-            <a:r>
-              <a:rPr lang="en-US" sz="2200" smtClean="0"/>
-              <a:t>Runs once a day, gets latest CA certs</a:t>
-            </a:r>
-          </a:p>
-        </p:txBody>
-      </p:sp>
-      <p:sp>
-        <p:nvSpPr>
-          <p:cNvPr id="9" name="Date Placeholder 8"/>
+            <a:r>
+              <a:rPr lang="en-US" dirty="0" smtClean="0"/>
+              <a:t>You need following local accounts:</a:t>
+            </a:r>
+          </a:p>
+          <a:p>
+            <a:pPr lvl="1"/>
+            <a:r>
+              <a:rPr lang="en-US" dirty="0" smtClean="0"/>
+              <a:t>User for RSV </a:t>
+            </a:r>
+          </a:p>
+          <a:p>
+            <a:pPr lvl="1"/>
+            <a:r>
+              <a:rPr lang="en-US" dirty="0" smtClean="0"/>
+              <a:t>Daemon account used by most of VDT</a:t>
+            </a:r>
+          </a:p>
+          <a:p>
+            <a:pPr lvl="1"/>
+            <a:r>
+              <a:rPr lang="en-US" dirty="0" err="1" smtClean="0"/>
+              <a:t>Globus</a:t>
+            </a:r>
+            <a:r>
+              <a:rPr lang="en-US" dirty="0" smtClean="0"/>
+              <a:t> user is optional but will be used if found</a:t>
+            </a:r>
+            <a:endParaRPr lang="en-US" dirty="0"/>
+          </a:p>
+        </p:txBody>
+      </p:sp>
+      <p:sp>
+        <p:nvSpPr>
+          <p:cNvPr id="4" name="Date Placeholder 3"/>
           <p:cNvSpPr>
             <a:spLocks noGrp="1"/>
           </p:cNvSpPr>
@@ -8910,7 +8738,7 @@
       </p:sp>
       <p:sp>
         <p:nvSpPr>
-          <p:cNvPr id="10" name="Slide Number Placeholder 9"/>
+          <p:cNvPr id="6" name="Slide Number Placeholder 5"/>
           <p:cNvSpPr>
             <a:spLocks noGrp="1"/>
           </p:cNvSpPr>
@@ -8934,7 +8762,7 @@
       </p:sp>
       <p:sp>
         <p:nvSpPr>
-          <p:cNvPr id="11" name="Footer Placeholder 10"/>
+          <p:cNvPr id="5" name="Footer Placeholder 4"/>
           <p:cNvSpPr>
             <a:spLocks noGrp="1"/>
           </p:cNvSpPr>
@@ -9004,7 +8832,7 @@
           <a:p>
             <a:r>
               <a:rPr lang="en-US" dirty="0" smtClean="0"/>
-              <a:t>Monitoring Site Status</a:t>
+              <a:t>Basic installation and configuration</a:t>
             </a:r>
             <a:endParaRPr lang="en-US" dirty="0"/>
           </a:p>
@@ -9023,102 +8851,82 @@
         <p:spPr/>
         <p:txBody>
           <a:bodyPr>
-            <a:normAutofit fontScale="85000" lnSpcReduction="20000"/>
+            <a:normAutofit fontScale="77500" lnSpcReduction="20000"/>
           </a:bodyPr>
           <a:lstStyle/>
           <a:p>
-            <a:r>
-              <a:rPr lang="en-US" dirty="0" smtClean="0"/>
-              <a:t>Several tools available</a:t>
-            </a:r>
-          </a:p>
-          <a:p>
-            <a:r>
-              <a:rPr lang="en-US" dirty="0" smtClean="0"/>
-              <a:t>RSV</a:t>
-            </a:r>
-          </a:p>
-          <a:p>
-            <a:pPr lvl="1"/>
-            <a:r>
-              <a:rPr lang="en-US" dirty="0" smtClean="0"/>
-              <a:t>Part of install</a:t>
-            </a:r>
-          </a:p>
-          <a:p>
-            <a:pPr lvl="1"/>
-            <a:r>
-              <a:rPr lang="en-US" dirty="0" smtClean="0"/>
-              <a:t>Will present a web page with quick status update site functionality</a:t>
-            </a:r>
-          </a:p>
-          <a:p>
-            <a:pPr lvl="1"/>
-            <a:r>
-              <a:rPr lang="en-US" dirty="0" smtClean="0"/>
-              <a:t>Can integrate with </a:t>
+            <a:pPr>
+              <a:defRPr/>
+            </a:pPr>
+            <a:r>
+              <a:rPr lang="en-US" dirty="0" smtClean="0"/>
+              <a:t>Install </a:t>
             </a:r>
             <a:r>
               <a:rPr lang="en-US" dirty="0" err="1" smtClean="0"/>
-              <a:t>nagios</a:t>
+              <a:t>Pacman</a:t>
             </a:r>
             <a:endParaRPr lang="en-US" dirty="0" smtClean="0"/>
           </a:p>
           <a:p>
+            <a:pPr lvl="1">
+              <a:defRPr/>
+            </a:pPr>
+            <a:r>
+              <a:rPr lang="en-US" dirty="0" smtClean="0"/>
+              <a:t>Download</a:t>
+            </a:r>
+          </a:p>
+          <a:p>
+            <a:pPr lvl="1">
+              <a:defRPr/>
+            </a:pPr>
+            <a:r>
+              <a:rPr lang="en-US" sz="1806" dirty="0" smtClean="0">
+                <a:latin typeface="Courier New"/>
+                <a:cs typeface="Courier New"/>
+              </a:rPr>
+              <a:t>http://physics.bu.edu/pacman/sample_cache/tarballs/pacman-3.26.tar.gz</a:t>
+            </a:r>
+          </a:p>
+          <a:p>
+            <a:pPr lvl="1">
+              <a:defRPr/>
+            </a:pPr>
             <a:r>
               <a:rPr lang="en-US" dirty="0" err="1" smtClean="0"/>
-              <a:t>Nagios</a:t>
-            </a:r>
-            <a:r>
-              <a:rPr lang="en-US" dirty="0" smtClean="0"/>
-              <a:t>/Ganglia/Cacti</a:t>
-            </a:r>
-          </a:p>
-          <a:p>
-            <a:pPr lvl="1"/>
-            <a:r>
-              <a:rPr lang="en-US" dirty="0" smtClean="0"/>
-              <a:t>Presents information on non-grid specific details of cluster</a:t>
-            </a:r>
-          </a:p>
-          <a:p>
-            <a:pPr lvl="1"/>
-            <a:r>
-              <a:rPr lang="en-US" dirty="0" smtClean="0"/>
-              <a:t>Can set up alerts, pages, etc.</a:t>
-            </a:r>
-          </a:p>
-          <a:p>
-            <a:r>
-              <a:rPr lang="en-US" dirty="0" smtClean="0"/>
-              <a:t>Gratia</a:t>
-            </a:r>
-          </a:p>
-          <a:p>
-            <a:pPr lvl="1"/>
-            <a:r>
-              <a:rPr lang="en-US" dirty="0" smtClean="0"/>
-              <a:t>Provides accounting information on jobs running on your site</a:t>
-            </a:r>
-          </a:p>
-          <a:p>
-            <a:pPr lvl="1"/>
-            <a:r>
-              <a:rPr lang="en-US" dirty="0" smtClean="0"/>
-              <a:t>Useful to see who is using your site and how much utilization comes from various users</a:t>
-            </a:r>
-          </a:p>
-          <a:p>
-            <a:r>
-              <a:rPr lang="en-US" dirty="0" smtClean="0"/>
-              <a:t>Daily/Weekly email reports</a:t>
-            </a:r>
-          </a:p>
-          <a:p>
-            <a:pPr lvl="1"/>
-            <a:r>
-              <a:rPr lang="en-US" dirty="0" smtClean="0"/>
-              <a:t>Provides quick information on your site and </a:t>
+              <a:t>Untar</a:t>
+            </a:r>
+            <a:r>
+              <a:rPr lang="en-US" dirty="0" smtClean="0"/>
+              <a:t> (keep in own directory)</a:t>
+            </a:r>
+          </a:p>
+          <a:p>
+            <a:pPr lvl="1">
+              <a:defRPr/>
+            </a:pPr>
+            <a:r>
+              <a:rPr lang="en-US" dirty="0" smtClean="0"/>
+              <a:t>Source setup</a:t>
+            </a:r>
+          </a:p>
+          <a:p>
+            <a:pPr>
+              <a:defRPr/>
+            </a:pPr>
+            <a:r>
+              <a:rPr lang="en-US" dirty="0" smtClean="0"/>
+              <a:t>Make OSG directory</a:t>
+            </a:r>
+          </a:p>
+          <a:p>
+            <a:pPr lvl="1">
+              <a:defRPr/>
+            </a:pPr>
+            <a:r>
+              <a:rPr lang="en-US" dirty="0" smtClean="0"/>
+              <a:t>Example: /opt/</a:t>
             </a:r>
             <a:r>
               <a:rPr lang="en-US" dirty="0" err="1" smtClean="0"/>
@@ -9126,9 +8934,187 @@
             </a:r>
             <a:r>
               <a:rPr lang="en-US" dirty="0" smtClean="0"/>
-              <a:t> at large at a glance  </a:t>
-            </a:r>
-            <a:endParaRPr lang="en-US" dirty="0"/>
+              <a:t> </a:t>
+            </a:r>
+            <a:r>
+              <a:rPr lang="en-US" dirty="0" err="1" smtClean="0"/>
+              <a:t>symlink</a:t>
+            </a:r>
+            <a:r>
+              <a:rPr lang="en-US" dirty="0" smtClean="0"/>
+              <a:t> to /opt/osg-1.0</a:t>
+            </a:r>
+          </a:p>
+          <a:p>
+            <a:pPr>
+              <a:defRPr/>
+            </a:pPr>
+            <a:r>
+              <a:rPr lang="en-US" dirty="0" smtClean="0"/>
+              <a:t>Run </a:t>
+            </a:r>
+            <a:r>
+              <a:rPr lang="en-US" dirty="0" err="1" smtClean="0"/>
+              <a:t>pacman</a:t>
+            </a:r>
+            <a:r>
+              <a:rPr lang="en-US" dirty="0" smtClean="0"/>
+              <a:t> commands</a:t>
+            </a:r>
+          </a:p>
+          <a:p>
+            <a:pPr lvl="1">
+              <a:defRPr/>
+            </a:pPr>
+            <a:r>
+              <a:rPr lang="en-US" dirty="0" smtClean="0"/>
+              <a:t>Get CE (</a:t>
+            </a:r>
+            <a:r>
+              <a:rPr lang="en-US" dirty="0" err="1" smtClean="0"/>
+              <a:t>pacman</a:t>
+            </a:r>
+            <a:r>
+              <a:rPr lang="en-US" dirty="0" smtClean="0"/>
+              <a:t> –get </a:t>
+            </a:r>
+            <a:r>
+              <a:rPr lang="en-US" dirty="0" err="1" smtClean="0"/>
+              <a:t>OSG:ce</a:t>
+            </a:r>
+            <a:r>
+              <a:rPr lang="en-US" dirty="0" smtClean="0"/>
+              <a:t>)</a:t>
+            </a:r>
+          </a:p>
+          <a:p>
+            <a:pPr lvl="1">
+              <a:defRPr/>
+            </a:pPr>
+            <a:r>
+              <a:rPr lang="en-US" dirty="0" smtClean="0"/>
+              <a:t>Get job manager interface (</a:t>
+            </a:r>
+            <a:r>
+              <a:rPr lang="en-US" dirty="0" err="1" smtClean="0"/>
+              <a:t>pacman</a:t>
+            </a:r>
+            <a:r>
+              <a:rPr lang="en-US" dirty="0" smtClean="0"/>
+              <a:t> –get </a:t>
+            </a:r>
+            <a:r>
+              <a:rPr lang="en-US" dirty="0" err="1" smtClean="0"/>
+              <a:t>OSG:Globus</a:t>
+            </a:r>
+            <a:r>
+              <a:rPr lang="en-US" dirty="0" smtClean="0"/>
+              <a:t>-Condor-Setup)</a:t>
+            </a:r>
+          </a:p>
+          <a:p>
+            <a:pPr>
+              <a:defRPr/>
+            </a:pPr>
+            <a:r>
+              <a:rPr lang="en-US" dirty="0" smtClean="0"/>
+              <a:t>Configure</a:t>
+            </a:r>
+          </a:p>
+          <a:p>
+            <a:pPr lvl="1">
+              <a:defRPr/>
+            </a:pPr>
+            <a:r>
+              <a:rPr lang="en-US" dirty="0" smtClean="0"/>
+              <a:t>Run </a:t>
+            </a:r>
+            <a:r>
+              <a:rPr lang="en-US" dirty="0" err="1" smtClean="0"/>
+              <a:t>edg-mkgridmap</a:t>
+            </a:r>
+            <a:r>
+              <a:rPr lang="en-US" dirty="0" smtClean="0"/>
+              <a:t> or gums-host-</a:t>
+            </a:r>
+            <a:r>
+              <a:rPr lang="en-US" dirty="0" err="1" smtClean="0"/>
+              <a:t>cron</a:t>
+            </a:r>
+            <a:endParaRPr lang="en-US" dirty="0" smtClean="0"/>
+          </a:p>
+          <a:p>
+            <a:pPr lvl="1">
+              <a:defRPr/>
+            </a:pPr>
+            <a:r>
+              <a:rPr lang="en-US" dirty="0" smtClean="0"/>
+              <a:t>Configure CA certificates updater </a:t>
+            </a:r>
+          </a:p>
+          <a:p>
+            <a:pPr lvl="1">
+              <a:defRPr/>
+            </a:pPr>
+            <a:r>
+              <a:rPr lang="en-US" dirty="0" smtClean="0"/>
+              <a:t>Edit </a:t>
+            </a:r>
+            <a:r>
+              <a:rPr lang="en-US" dirty="0" err="1" smtClean="0"/>
+              <a:t>config.ini</a:t>
+            </a:r>
+            <a:endParaRPr lang="en-US" dirty="0" smtClean="0"/>
+          </a:p>
+          <a:p>
+            <a:pPr lvl="1">
+              <a:defRPr/>
+            </a:pPr>
+            <a:r>
+              <a:rPr lang="en-US" dirty="0" smtClean="0"/>
+              <a:t>Run </a:t>
+            </a:r>
+            <a:r>
+              <a:rPr lang="en-US" dirty="0" err="1" smtClean="0"/>
+              <a:t>configure_osg.py</a:t>
+            </a:r>
+            <a:r>
+              <a:rPr lang="en-US" dirty="0" smtClean="0"/>
+              <a:t> (configure-</a:t>
+            </a:r>
+            <a:r>
+              <a:rPr lang="en-US" dirty="0" err="1" smtClean="0"/>
+              <a:t>osg.py</a:t>
+            </a:r>
+            <a:r>
+              <a:rPr lang="en-US" dirty="0" smtClean="0"/>
+              <a:t> –</a:t>
+            </a:r>
+            <a:r>
+              <a:rPr lang="en-US" dirty="0" err="1" smtClean="0"/>
+              <a:t>c</a:t>
+            </a:r>
+            <a:r>
+              <a:rPr lang="en-US" dirty="0" smtClean="0"/>
+              <a:t>)</a:t>
+            </a:r>
+          </a:p>
+          <a:p>
+            <a:pPr>
+              <a:defRPr/>
+            </a:pPr>
+            <a:r>
+              <a:rPr lang="en-US" dirty="0" smtClean="0"/>
+              <a:t>Start services (</a:t>
+            </a:r>
+            <a:r>
+              <a:rPr lang="en-US" dirty="0" err="1" smtClean="0"/>
+              <a:t>vdt</a:t>
+            </a:r>
+            <a:r>
+              <a:rPr lang="en-US" dirty="0" smtClean="0"/>
+              <a:t>-control –on)</a:t>
+            </a:r>
           </a:p>
         </p:txBody>
       </p:sp>
@@ -9157,7 +9143,7 @@
       </p:sp>
       <p:sp>
         <p:nvSpPr>
-          <p:cNvPr id="5" name="Slide Number Placeholder 4"/>
+          <p:cNvPr id="6" name="Slide Number Placeholder 5"/>
           <p:cNvSpPr>
             <a:spLocks noGrp="1"/>
           </p:cNvSpPr>
@@ -9181,7 +9167,7 @@
       </p:sp>
       <p:sp>
         <p:nvSpPr>
-          <p:cNvPr id="6" name="Footer Placeholder 5"/>
+          <p:cNvPr id="5" name="Footer Placeholder 4"/>
           <p:cNvSpPr>
             <a:spLocks noGrp="1"/>
           </p:cNvSpPr>
@@ -9246,67 +9232,69 @@
         </p:nvSpPr>
         <p:spPr/>
         <p:txBody>
-          <a:bodyPr/>
-          <a:lstStyle/>
-          <a:p>
-            <a:r>
-              <a:rPr lang="en-US" dirty="0" smtClean="0"/>
-              <a:t>RSV output for UC_ITB resource</a:t>
+          <a:bodyPr anchor="ctr"/>
+          <a:lstStyle/>
+          <a:p>
+            <a:r>
+              <a:rPr lang="en-US" dirty="0" smtClean="0"/>
+              <a:t>Site Maintenance</a:t>
             </a:r>
             <a:endParaRPr lang="en-US" dirty="0"/>
           </a:p>
         </p:txBody>
       </p:sp>
-      <p:pic>
-        <p:nvPicPr>
-          <p:cNvPr id="8" name="Picture Placeholder 7" descr="rsv status.pdf"/>
-          <p:cNvPicPr>
-            <a:picLocks noGrp="1" noChangeAspect="1"/>
-          </p:cNvPicPr>
-          <p:nvPr>
-            <p:ph type="pic" idx="1"/>
-          </p:nvPr>
-        </p:nvPicPr>
-        <mc:AlternateContent>
-          <mc:Choice xmlns:ma="http://schemas.microsoft.com/office/mac/drawingml/2008/main" Requires="ma">
-            <p:blipFill>
-              <a:blip r:embed="rId2"/>
-              <a:srcRect l="-8235" r="-8235"/>
-              <a:stretch>
-                <a:fillRect/>
-              </a:stretch>
-            </p:blipFill>
-          </mc:Choice>
-          <mc:Fallback>
-            <p:blipFill>
-              <a:blip r:embed="rId3"/>
-              <a:srcRect l="-8235" r="-8235"/>
-              <a:stretch>
-                <a:fillRect/>
-              </a:stretch>
-            </p:blipFill>
-          </mc:Fallback>
-        </mc:AlternateContent>
-        <p:spPr/>
-      </p:pic>
-      <p:sp>
-        <p:nvSpPr>
-          <p:cNvPr id="4" name="Text Placeholder 3"/>
-          <p:cNvSpPr>
-            <a:spLocks noGrp="1"/>
-          </p:cNvSpPr>
-          <p:nvPr>
-            <p:ph type="body" sz="half" idx="2"/>
-          </p:nvPr>
-        </p:nvSpPr>
-        <p:spPr/>
-        <p:txBody>
-          <a:bodyPr/>
-          <a:lstStyle/>
-          <a:p>
-            <a:r>
-              <a:rPr lang="en-US" dirty="0" smtClean="0"/>
-              <a:t>Web page generated by RSV showing the output of various probes.  Clicking on the probe output will give history for last few invocations and error output </a:t>
+      <p:sp>
+        <p:nvSpPr>
+          <p:cNvPr id="3" name="Content Placeholder 2"/>
+          <p:cNvSpPr>
+            <a:spLocks noGrp="1"/>
+          </p:cNvSpPr>
+          <p:nvPr>
+            <p:ph type="body" idx="1"/>
+          </p:nvPr>
+        </p:nvSpPr>
+        <p:spPr/>
+        <p:txBody>
+          <a:bodyPr>
+            <a:normAutofit fontScale="85000" lnSpcReduction="20000"/>
+          </a:bodyPr>
+          <a:lstStyle/>
+          <a:p>
+            <a:r>
+              <a:rPr lang="en-US" dirty="0" smtClean="0"/>
+              <a:t>Introduction to OSG terms and </a:t>
+            </a:r>
+            <a:r>
+              <a:rPr lang="en-US" dirty="0" smtClean="0"/>
+              <a:t>operations</a:t>
+            </a:r>
+          </a:p>
+          <a:p>
+            <a:r>
+              <a:rPr lang="en-US" dirty="0" smtClean="0"/>
+              <a:t>Site Policies and Requirements</a:t>
+            </a:r>
+          </a:p>
+          <a:p>
+            <a:r>
+              <a:rPr lang="en-US" dirty="0" smtClean="0"/>
+              <a:t>Installing an OSG site</a:t>
+            </a:r>
+          </a:p>
+          <a:p>
+            <a:r>
+              <a:rPr lang="en-US" dirty="0" smtClean="0">
+                <a:solidFill>
+                  <a:srgbClr val="AEBAD5"/>
+                </a:solidFill>
+              </a:rPr>
+              <a:t>Maintaining a site</a:t>
+            </a:r>
+          </a:p>
+          <a:p>
+            <a:r>
+              <a:rPr lang="en-US" dirty="0" smtClean="0"/>
+              <a:t>Q&amp;A time </a:t>
             </a:r>
             <a:endParaRPr lang="en-US" dirty="0"/>
           </a:p>
@@ -9314,7 +9302,7 @@
       </p:sp>
       <p:sp>
         <p:nvSpPr>
-          <p:cNvPr id="5" name="Date Placeholder 4"/>
+          <p:cNvPr id="4" name="Date Placeholder 3"/>
           <p:cNvSpPr>
             <a:spLocks noGrp="1"/>
           </p:cNvSpPr>
@@ -9331,18 +9319,41 @@
               <a:rPr lang="en-US" smtClean="0"/>
               <a:t>April 23, 2009</a:t>
             </a:r>
-            <a:endParaRPr lang="en-US" dirty="0" smtClean="0"/>
-          </a:p>
-        </p:txBody>
-      </p:sp>
-      <p:sp>
-        <p:nvSpPr>
-          <p:cNvPr id="6" name="Slide Number Placeholder 5"/>
-          <p:cNvSpPr>
-            <a:spLocks noGrp="1"/>
-          </p:cNvSpPr>
-          <p:nvPr>
-            <p:ph type="sldNum" sz="quarter" idx="11"/>
+            <a:endParaRPr dirty="0"/>
+          </a:p>
+        </p:txBody>
+      </p:sp>
+      <p:sp>
+        <p:nvSpPr>
+          <p:cNvPr id="6" name="Footer Placeholder 5"/>
+          <p:cNvSpPr>
+            <a:spLocks noGrp="1"/>
+          </p:cNvSpPr>
+          <p:nvPr>
+            <p:ph type="ftr" sz="quarter" idx="11"/>
+          </p:nvPr>
+        </p:nvSpPr>
+        <p:spPr/>
+        <p:txBody>
+          <a:bodyPr/>
+          <a:lstStyle/>
+          <a:p>
+            <a:r>
+              <a:rPr lang="en-US" smtClean="0"/>
+              <a:t>NCGS 2009 Chapel Hill</a:t>
+            </a:r>
+            <a:endParaRPr lang="en-US" dirty="0"/>
+          </a:p>
+        </p:txBody>
+      </p:sp>
+      <p:sp>
+        <p:nvSpPr>
+          <p:cNvPr id="5" name="Slide Number Placeholder 4"/>
+          <p:cNvSpPr>
+            <a:spLocks noGrp="1"/>
+          </p:cNvSpPr>
+          <p:nvPr>
+            <p:ph type="sldNum" sz="quarter" idx="12"/>
           </p:nvPr>
         </p:nvSpPr>
         <p:spPr/>
@@ -9356,29 +9367,6 @@
               <a:t>24</a:t>
             </a:fld>
             <a:endParaRPr lang="en-US"/>
-          </a:p>
-        </p:txBody>
-      </p:sp>
-      <p:sp>
-        <p:nvSpPr>
-          <p:cNvPr id="7" name="Footer Placeholder 6"/>
-          <p:cNvSpPr>
-            <a:spLocks noGrp="1"/>
-          </p:cNvSpPr>
-          <p:nvPr>
-            <p:ph type="ftr" sz="quarter" idx="12"/>
-          </p:nvPr>
-        </p:nvSpPr>
-        <p:spPr/>
-        <p:txBody>
-          <a:bodyPr/>
-          <a:lstStyle/>
-          <a:p>
-            <a:r>
-              <a:rPr lang="en-US" smtClean="0"/>
-              <a:t>NCGS 2009 Chapel Hill</a:t>
-            </a:r>
-            <a:endParaRPr lang="en-US" dirty="0"/>
           </a:p>
         </p:txBody>
       </p:sp>
@@ -9416,7 +9404,7 @@
       </p:grpSpPr>
       <p:sp>
         <p:nvSpPr>
-          <p:cNvPr id="2" name="Title 1"/>
+          <p:cNvPr id="67586" name="Title 1"/>
           <p:cNvSpPr>
             <a:spLocks noGrp="1"/>
           </p:cNvSpPr>
@@ -9430,76 +9418,146 @@
           <a:lstStyle/>
           <a:p>
             <a:r>
-              <a:rPr lang="en-US" dirty="0" smtClean="0"/>
-              <a:t>Daily Email report on Production Sites</a:t>
-            </a:r>
-            <a:endParaRPr lang="en-US" dirty="0"/>
-          </a:p>
-        </p:txBody>
-      </p:sp>
-      <p:pic>
-        <p:nvPicPr>
-          <p:cNvPr id="8" name="Picture Placeholder 7" descr="ops.pdf"/>
-          <p:cNvPicPr>
-            <a:picLocks noGrp="1" noChangeAspect="1"/>
-          </p:cNvPicPr>
-          <p:nvPr>
-            <p:ph type="pic" idx="1"/>
-          </p:nvPr>
-        </p:nvPicPr>
-        <mc:AlternateContent>
-          <mc:Choice xmlns:ma="http://schemas.microsoft.com/office/mac/drawingml/2008/main" Requires="ma">
-            <p:blipFill>
-              <a:blip r:embed="rId2"/>
-              <a:srcRect l="-8235" r="-8235"/>
-              <a:stretch>
-                <a:fillRect/>
-              </a:stretch>
-            </p:blipFill>
-          </mc:Choice>
-          <mc:Fallback>
-            <p:blipFill>
-              <a:blip r:embed="rId3"/>
-              <a:srcRect l="-8235" r="-8235"/>
-              <a:stretch>
-                <a:fillRect/>
-              </a:stretch>
-            </p:blipFill>
-          </mc:Fallback>
-        </mc:AlternateContent>
-        <p:spPr/>
-      </p:pic>
-      <p:sp>
-        <p:nvSpPr>
-          <p:cNvPr id="4" name="Text Placeholder 3"/>
-          <p:cNvSpPr>
-            <a:spLocks noGrp="1"/>
-          </p:cNvSpPr>
-          <p:nvPr>
-            <p:ph type="body" sz="half" idx="2"/>
-          </p:nvPr>
-        </p:nvSpPr>
-        <p:spPr/>
-        <p:txBody>
-          <a:bodyPr/>
-          <a:lstStyle/>
-          <a:p>
-            <a:r>
-              <a:rPr lang="en-US" dirty="0" smtClean="0"/>
-              <a:t>Example of the daily email sent out to administrators with information on jobs and sites over the last day </a:t>
-            </a:r>
-            <a:endParaRPr lang="en-US" dirty="0"/>
-          </a:p>
-        </p:txBody>
-      </p:sp>
-      <p:sp>
-        <p:nvSpPr>
-          <p:cNvPr id="5" name="Date Placeholder 4"/>
-          <p:cNvSpPr>
-            <a:spLocks noGrp="1"/>
-          </p:cNvSpPr>
-          <p:nvPr>
-            <p:ph type="dt" sz="half" idx="10"/>
+              <a:rPr lang="en-US" smtClean="0"/>
+              <a:t>Updating CAs</a:t>
+            </a:r>
+          </a:p>
+        </p:txBody>
+      </p:sp>
+      <p:sp>
+        <p:nvSpPr>
+          <p:cNvPr id="67587" name="Content Placeholder 2"/>
+          <p:cNvSpPr>
+            <a:spLocks noGrp="1"/>
+          </p:cNvSpPr>
+          <p:nvPr>
+            <p:ph sz="quarter" idx="1"/>
+          </p:nvPr>
+        </p:nvSpPr>
+        <p:spPr/>
+        <p:txBody>
+          <a:bodyPr/>
+          <a:lstStyle/>
+          <a:p>
+            <a:pPr>
+              <a:lnSpc>
+                <a:spcPct val="90000"/>
+              </a:lnSpc>
+            </a:pPr>
+            <a:r>
+              <a:rPr lang="en-US" sz="3000" smtClean="0"/>
+              <a:t>CAs are regularly updated</a:t>
+            </a:r>
+          </a:p>
+          <a:p>
+            <a:pPr lvl="1">
+              <a:lnSpc>
+                <a:spcPct val="90000"/>
+              </a:lnSpc>
+            </a:pPr>
+            <a:r>
+              <a:rPr lang="en-US" sz="2600" smtClean="0"/>
+              <a:t>New CAs added</a:t>
+            </a:r>
+          </a:p>
+          <a:p>
+            <a:pPr lvl="1">
+              <a:lnSpc>
+                <a:spcPct val="90000"/>
+              </a:lnSpc>
+            </a:pPr>
+            <a:r>
+              <a:rPr lang="en-US" sz="2600" smtClean="0"/>
+              <a:t>Old CAs removed</a:t>
+            </a:r>
+          </a:p>
+          <a:p>
+            <a:pPr lvl="1">
+              <a:lnSpc>
+                <a:spcPct val="90000"/>
+              </a:lnSpc>
+            </a:pPr>
+            <a:r>
+              <a:rPr lang="en-US" sz="2600" smtClean="0"/>
+              <a:t>Tweaks to existing CAs</a:t>
+            </a:r>
+          </a:p>
+          <a:p>
+            <a:pPr>
+              <a:lnSpc>
+                <a:spcPct val="90000"/>
+              </a:lnSpc>
+            </a:pPr>
+            <a:r>
+              <a:rPr lang="en-US" sz="3000" smtClean="0"/>
+              <a:t>If you don’t keep up to date:</a:t>
+            </a:r>
+          </a:p>
+          <a:p>
+            <a:pPr lvl="1">
+              <a:lnSpc>
+                <a:spcPct val="90000"/>
+              </a:lnSpc>
+            </a:pPr>
+            <a:r>
+              <a:rPr lang="en-US" sz="2600" smtClean="0"/>
+              <a:t>May be unable to authenticate some user</a:t>
+            </a:r>
+          </a:p>
+          <a:p>
+            <a:pPr lvl="1">
+              <a:lnSpc>
+                <a:spcPct val="90000"/>
+              </a:lnSpc>
+            </a:pPr>
+            <a:r>
+              <a:rPr lang="en-US" sz="2600" smtClean="0"/>
+              <a:t>May incorrectly accept some users</a:t>
+            </a:r>
+          </a:p>
+          <a:p>
+            <a:pPr>
+              <a:lnSpc>
+                <a:spcPct val="90000"/>
+              </a:lnSpc>
+            </a:pPr>
+            <a:r>
+              <a:rPr lang="en-US" sz="3000" smtClean="0"/>
+              <a:t>Easy to keep up to date</a:t>
+            </a:r>
+          </a:p>
+          <a:p>
+            <a:pPr lvl="1">
+              <a:lnSpc>
+                <a:spcPct val="90000"/>
+              </a:lnSpc>
+            </a:pPr>
+            <a:r>
+              <a:rPr lang="en-US" sz="2600" smtClean="0"/>
+              <a:t>vdt-update-certs</a:t>
+            </a:r>
+          </a:p>
+          <a:p>
+            <a:pPr lvl="2">
+              <a:lnSpc>
+                <a:spcPct val="90000"/>
+              </a:lnSpc>
+            </a:pPr>
+            <a:r>
+              <a:rPr lang="en-US" sz="2200" smtClean="0"/>
+              <a:t>Runs once a day, gets latest CA certs</a:t>
+            </a:r>
+          </a:p>
+        </p:txBody>
+      </p:sp>
+      <p:sp>
+        <p:nvSpPr>
+          <p:cNvPr id="9" name="Date Placeholder 8"/>
+          <p:cNvSpPr>
+            <a:spLocks noGrp="1"/>
+          </p:cNvSpPr>
+          <p:nvPr>
+            <p:ph type="dt" sz="half" idx="14"/>
           </p:nvPr>
         </p:nvSpPr>
         <p:spPr/>
@@ -9517,12 +9575,12 @@
       </p:sp>
       <p:sp>
         <p:nvSpPr>
-          <p:cNvPr id="6" name="Slide Number Placeholder 5"/>
-          <p:cNvSpPr>
-            <a:spLocks noGrp="1"/>
-          </p:cNvSpPr>
-          <p:nvPr>
-            <p:ph type="sldNum" sz="quarter" idx="11"/>
+          <p:cNvPr id="10" name="Slide Number Placeholder 9"/>
+          <p:cNvSpPr>
+            <a:spLocks noGrp="1"/>
+          </p:cNvSpPr>
+          <p:nvPr>
+            <p:ph type="sldNum" sz="quarter" idx="15"/>
           </p:nvPr>
         </p:nvSpPr>
         <p:spPr/>
@@ -9541,12 +9599,12 @@
       </p:sp>
       <p:sp>
         <p:nvSpPr>
-          <p:cNvPr id="7" name="Footer Placeholder 6"/>
-          <p:cNvSpPr>
-            <a:spLocks noGrp="1"/>
-          </p:cNvSpPr>
-          <p:nvPr>
-            <p:ph type="ftr" sz="quarter" idx="12"/>
+          <p:cNvPr id="11" name="Footer Placeholder 10"/>
+          <p:cNvSpPr>
+            <a:spLocks noGrp="1"/>
+          </p:cNvSpPr>
+          <p:nvPr>
+            <p:ph type="ftr" sz="quarter" idx="16"/>
           </p:nvPr>
         </p:nvSpPr>
         <p:spPr/>
@@ -9606,89 +9664,147 @@
         </p:nvSpPr>
         <p:spPr/>
         <p:txBody>
+          <a:bodyPr/>
+          <a:lstStyle/>
+          <a:p>
+            <a:r>
+              <a:rPr lang="en-US" dirty="0" smtClean="0"/>
+              <a:t>Monitoring Site Status</a:t>
+            </a:r>
+            <a:endParaRPr lang="en-US" dirty="0"/>
+          </a:p>
+        </p:txBody>
+      </p:sp>
+      <p:sp>
+        <p:nvSpPr>
+          <p:cNvPr id="3" name="Content Placeholder 2"/>
+          <p:cNvSpPr>
+            <a:spLocks noGrp="1"/>
+          </p:cNvSpPr>
+          <p:nvPr>
+            <p:ph sz="quarter" idx="1"/>
+          </p:nvPr>
+        </p:nvSpPr>
+        <p:spPr/>
+        <p:txBody>
           <a:bodyPr>
-            <a:normAutofit fontScale="90000"/>
+            <a:normAutofit fontScale="85000" lnSpcReduction="20000"/>
           </a:bodyPr>
           <a:lstStyle/>
           <a:p>
             <a:r>
               <a:rPr lang="en-US" dirty="0" smtClean="0"/>
-              <a:t>Gratia Report for the last Month at </a:t>
+              <a:t>Several tools available</a:t>
+            </a:r>
+          </a:p>
+          <a:p>
+            <a:r>
+              <a:rPr lang="en-US" dirty="0" smtClean="0"/>
+              <a:t>RSV</a:t>
+            </a:r>
+          </a:p>
+          <a:p>
+            <a:pPr lvl="1"/>
+            <a:r>
+              <a:rPr lang="en-US" dirty="0" smtClean="0"/>
+              <a:t>Part of install</a:t>
+            </a:r>
+          </a:p>
+          <a:p>
+            <a:pPr lvl="1"/>
+            <a:r>
+              <a:rPr lang="en-US" dirty="0" smtClean="0"/>
+              <a:t>Will present a web page with quick status update site functionality</a:t>
+            </a:r>
+          </a:p>
+          <a:p>
+            <a:pPr lvl="1"/>
+            <a:r>
+              <a:rPr lang="en-US" dirty="0" smtClean="0"/>
+              <a:t>Can integrate with </a:t>
             </a:r>
             <a:r>
               <a:rPr lang="en-US" dirty="0" err="1" smtClean="0"/>
-              <a:t>Fermigrid</a:t>
+              <a:t>nagios</a:t>
+            </a:r>
+            <a:endParaRPr lang="en-US" dirty="0" smtClean="0"/>
+          </a:p>
+          <a:p>
+            <a:r>
+              <a:rPr lang="en-US" dirty="0" err="1" smtClean="0"/>
+              <a:t>Nagios</a:t>
+            </a:r>
+            <a:r>
+              <a:rPr lang="en-US" dirty="0" smtClean="0"/>
+              <a:t>/Ganglia/Cacti</a:t>
+            </a:r>
+          </a:p>
+          <a:p>
+            <a:pPr lvl="1"/>
+            <a:r>
+              <a:rPr lang="en-US" dirty="0" smtClean="0"/>
+              <a:t>Presents information on non-grid specific details of cluster</a:t>
+            </a:r>
+          </a:p>
+          <a:p>
+            <a:pPr lvl="1"/>
+            <a:r>
+              <a:rPr lang="en-US" dirty="0" smtClean="0"/>
+              <a:t>Can set up alerts, pages, etc.</a:t>
+            </a:r>
+          </a:p>
+          <a:p>
+            <a:r>
+              <a:rPr lang="en-US" dirty="0" smtClean="0"/>
+              <a:t>Gratia</a:t>
+            </a:r>
+          </a:p>
+          <a:p>
+            <a:pPr lvl="1"/>
+            <a:r>
+              <a:rPr lang="en-US" dirty="0" smtClean="0"/>
+              <a:t>Provides accounting information on jobs running on your site</a:t>
+            </a:r>
+          </a:p>
+          <a:p>
+            <a:pPr lvl="1"/>
+            <a:r>
+              <a:rPr lang="en-US" dirty="0" smtClean="0"/>
+              <a:t>Useful to see who is using your site and how much utilization comes from various users</a:t>
+            </a:r>
+          </a:p>
+          <a:p>
+            <a:r>
+              <a:rPr lang="en-US" dirty="0" smtClean="0"/>
+              <a:t>Daily/Weekly email reports</a:t>
+            </a:r>
+          </a:p>
+          <a:p>
+            <a:pPr lvl="1"/>
+            <a:r>
+              <a:rPr lang="en-US" dirty="0" smtClean="0"/>
+              <a:t>Provides quick information on your site and </a:t>
+            </a:r>
+            <a:r>
+              <a:rPr lang="en-US" dirty="0" err="1" smtClean="0"/>
+              <a:t>osg</a:t>
+            </a:r>
+            <a:r>
+              <a:rPr lang="en-US" dirty="0" smtClean="0"/>
+              <a:t> at large at a glance  </a:t>
             </a:r>
             <a:endParaRPr lang="en-US" dirty="0"/>
           </a:p>
         </p:txBody>
       </p:sp>
-      <p:pic>
-        <p:nvPicPr>
-          <p:cNvPr id="8" name="Picture Placeholder 7" descr="preview-1.png"/>
-          <p:cNvPicPr>
-            <a:picLocks noGrp="1" noChangeAspect="1"/>
-          </p:cNvPicPr>
-          <p:nvPr>
-            <p:ph type="pic" idx="1"/>
-          </p:nvPr>
-        </p:nvPicPr>
-        <p:blipFill>
-          <a:blip r:embed="rId2"/>
-          <a:srcRect t="-42593" b="-42593"/>
-          <a:stretch>
-            <a:fillRect/>
-          </a:stretch>
-        </p:blipFill>
-        <p:spPr/>
-      </p:pic>
-      <p:sp>
-        <p:nvSpPr>
-          <p:cNvPr id="4" name="Text Placeholder 3"/>
-          <p:cNvSpPr>
-            <a:spLocks noGrp="1"/>
-          </p:cNvSpPr>
-          <p:nvPr>
-            <p:ph type="body" sz="half" idx="2"/>
-          </p:nvPr>
-        </p:nvSpPr>
-        <p:spPr/>
-        <p:txBody>
-          <a:bodyPr/>
-          <a:lstStyle/>
-          <a:p>
-            <a:r>
-              <a:rPr lang="en-US" dirty="0" smtClean="0"/>
-              <a:t>This shows the daily usage by </a:t>
-            </a:r>
-            <a:r>
-              <a:rPr lang="en-US" dirty="0" err="1" smtClean="0"/>
-              <a:t>VOs</a:t>
-            </a:r>
-            <a:r>
-              <a:rPr lang="en-US" dirty="0" smtClean="0"/>
-              <a:t> of the </a:t>
-            </a:r>
-            <a:r>
-              <a:rPr lang="en-US" dirty="0" err="1" smtClean="0"/>
-              <a:t>Fermigrid</a:t>
-            </a:r>
-            <a:r>
-              <a:rPr lang="en-US" dirty="0" smtClean="0"/>
-              <a:t> resource over the last month as VO validations were run </a:t>
-            </a:r>
-            <a:endParaRPr lang="en-US" dirty="0"/>
-          </a:p>
-        </p:txBody>
-      </p:sp>
-      <p:sp>
-        <p:nvSpPr>
-          <p:cNvPr id="5" name="Date Placeholder 4"/>
-          <p:cNvSpPr>
-            <a:spLocks noGrp="1"/>
-          </p:cNvSpPr>
-          <p:nvPr>
-            <p:ph type="dt" sz="half" idx="10"/>
+      <p:sp>
+        <p:nvSpPr>
+          <p:cNvPr id="4" name="Date Placeholder 3"/>
+          <p:cNvSpPr>
+            <a:spLocks noGrp="1"/>
+          </p:cNvSpPr>
+          <p:nvPr>
+            <p:ph type="dt" sz="half" idx="14"/>
           </p:nvPr>
         </p:nvSpPr>
         <p:spPr/>
@@ -9706,12 +9822,12 @@
       </p:sp>
       <p:sp>
         <p:nvSpPr>
-          <p:cNvPr id="6" name="Slide Number Placeholder 5"/>
-          <p:cNvSpPr>
-            <a:spLocks noGrp="1"/>
-          </p:cNvSpPr>
-          <p:nvPr>
-            <p:ph type="sldNum" sz="quarter" idx="11"/>
+          <p:cNvPr id="5" name="Slide Number Placeholder 4"/>
+          <p:cNvSpPr>
+            <a:spLocks noGrp="1"/>
+          </p:cNvSpPr>
+          <p:nvPr>
+            <p:ph type="sldNum" sz="quarter" idx="15"/>
           </p:nvPr>
         </p:nvSpPr>
         <p:spPr/>
@@ -9730,12 +9846,12 @@
       </p:sp>
       <p:sp>
         <p:nvSpPr>
-          <p:cNvPr id="7" name="Footer Placeholder 6"/>
-          <p:cNvSpPr>
-            <a:spLocks noGrp="1"/>
-          </p:cNvSpPr>
-          <p:nvPr>
-            <p:ph type="ftr" sz="quarter" idx="12"/>
+          <p:cNvPr id="6" name="Footer Placeholder 5"/>
+          <p:cNvSpPr>
+            <a:spLocks noGrp="1"/>
+          </p:cNvSpPr>
+          <p:nvPr>
+            <p:ph type="ftr" sz="quarter" idx="16"/>
           </p:nvPr>
         </p:nvSpPr>
         <p:spPr/>
@@ -9800,7 +9916,7 @@
           <a:p>
             <a:r>
               <a:rPr lang="en-US" dirty="0" smtClean="0"/>
-              <a:t>Ganglia Output for Cluster at UC</a:t>
+              <a:t>RSV output for UC_ITB resource</a:t>
             </a:r>
             <a:endParaRPr lang="en-US" dirty="0"/>
           </a:p>
@@ -9808,7 +9924,7 @@
       </p:sp>
       <p:pic>
         <p:nvPicPr>
-          <p:cNvPr id="8" name="Picture Placeholder 7" descr="ganglia.pdf"/>
+          <p:cNvPr id="8" name="Picture Placeholder 7" descr="rsv status.pdf"/>
           <p:cNvPicPr>
             <a:picLocks noGrp="1" noChangeAspect="1"/>
           </p:cNvPicPr>
@@ -9816,8 +9932,8 @@
             <p:ph type="pic" idx="1"/>
           </p:nvPr>
         </p:nvPicPr>
-        <mc:AlternateContent>
-          <mc:Choice xmlns:ma="http://schemas.microsoft.com/office/mac/drawingml/2008/main" Requires="ma">
+        <mc:AlternateContent xmlns:ma="http://schemas.microsoft.com/office/mac/drawingml/2008/main">
+          <mc:Choice Requires="ma">
             <p:blipFill>
               <a:blip r:embed="rId2"/>
               <a:srcRect l="-8235" r="-8235"/>
@@ -9826,7 +9942,7 @@
               </a:stretch>
             </p:blipFill>
           </mc:Choice>
-          <mc:Fallback>
+          <mc:Fallback xmlns:p="http://schemas.openxmlformats.org/presentationml/2006/main" xmlns:mv="urn:schemas-microsoft-com:mac:vml" xmlns:mc="http://schemas.openxmlformats.org/markup-compatibility/2006" xmlns:r="http://schemas.openxmlformats.org/officeDocument/2006/relationships" xmlns:a="http://schemas.openxmlformats.org/drawingml/2006/main" xmlns="">
             <p:blipFill>
               <a:blip r:embed="rId3"/>
               <a:srcRect l="-8235" r="-8235"/>
@@ -9855,7 +9971,7 @@
           <a:p>
             <a:r>
               <a:rPr lang="en-US" dirty="0" smtClean="0"/>
-              <a:t>Top level information on the servers and compute nodes at a small cluster at the University of Chicago,  clicking on hosts will allow more detailed information on each host to be obtained</a:t>
+              <a:t>Web page generated by RSV showing the output of various probes.  Clicking on the probe output will give history for last few invocations and error output </a:t>
             </a:r>
             <a:endParaRPr lang="en-US" dirty="0"/>
           </a:p>
@@ -9980,100 +10096,85 @@
           <a:p>
             <a:r>
               <a:rPr lang="en-US" dirty="0" smtClean="0"/>
-              <a:t>Incremental Updates</a:t>
+              <a:t>Daily Email report on Production Sites</a:t>
             </a:r>
             <a:endParaRPr lang="en-US" dirty="0"/>
           </a:p>
         </p:txBody>
       </p:sp>
-      <p:sp>
-        <p:nvSpPr>
-          <p:cNvPr id="3" name="Content Placeholder 2"/>
-          <p:cNvSpPr>
-            <a:spLocks noGrp="1"/>
-          </p:cNvSpPr>
-          <p:nvPr>
-            <p:ph sz="quarter" idx="1"/>
-          </p:nvPr>
-        </p:nvSpPr>
-        <p:spPr/>
-        <p:txBody>
-          <a:bodyPr/>
-          <a:lstStyle/>
-          <a:p>
-            <a:r>
-              <a:rPr lang="en-US" dirty="0" smtClean="0"/>
-              <a:t>Frequent (Every 1-4 weeks)</a:t>
-            </a:r>
-          </a:p>
-          <a:p>
-            <a:r>
-              <a:rPr lang="en-US" dirty="0" smtClean="0"/>
-              <a:t>Can be done within a single installation</a:t>
-            </a:r>
-          </a:p>
-          <a:p>
-            <a:r>
-              <a:rPr lang="en-US" dirty="0" smtClean="0"/>
-              <a:t>Either manually:</a:t>
-            </a:r>
-          </a:p>
-          <a:p>
-            <a:pPr lvl="1"/>
-            <a:r>
-              <a:rPr lang="en-US" dirty="0" smtClean="0"/>
-              <a:t>Turn off services</a:t>
-            </a:r>
-          </a:p>
-          <a:p>
-            <a:pPr lvl="1"/>
-            <a:r>
-              <a:rPr lang="en-US" dirty="0" smtClean="0"/>
-              <a:t>Backup installation directory</a:t>
-            </a:r>
-          </a:p>
-          <a:p>
-            <a:pPr lvl="1"/>
-            <a:r>
-              <a:rPr lang="en-US" dirty="0" smtClean="0"/>
-              <a:t>Perform update (move configuration files, </a:t>
-            </a:r>
-            <a:r>
-              <a:rPr lang="en-US" dirty="0" err="1" smtClean="0"/>
-              <a:t>pacman</a:t>
-            </a:r>
-            <a:r>
-              <a:rPr lang="en-US" dirty="0" smtClean="0"/>
-              <a:t> updates, etc.)</a:t>
-            </a:r>
-          </a:p>
-          <a:p>
-            <a:pPr lvl="1"/>
-            <a:r>
-              <a:rPr lang="en-US" dirty="0" smtClean="0"/>
-              <a:t>Re-enable services</a:t>
-            </a:r>
-          </a:p>
-          <a:p>
-            <a:r>
-              <a:rPr lang="en-US" dirty="0" smtClean="0"/>
-              <a:t>Or use </a:t>
-            </a:r>
-            <a:r>
-              <a:rPr lang="en-US" dirty="0" err="1" smtClean="0"/>
-              <a:t>vdt</a:t>
-            </a:r>
-            <a:r>
-              <a:rPr lang="en-US" dirty="0" smtClean="0"/>
-              <a:t>-updater </a:t>
-            </a:r>
-            <a:r>
-              <a:rPr lang="en-US" dirty="0" smtClean="0"/>
-              <a:t>script (</a:t>
-            </a:r>
-            <a:r>
-              <a:rPr lang="en-US" dirty="0" smtClean="0"/>
-              <a:t>automates the above steps)</a:t>
+      <p:pic>
+        <p:nvPicPr>
+          <p:cNvPr id="8" name="Picture Placeholder 7" descr="ops.pdf"/>
+          <p:cNvPicPr>
+            <a:picLocks noGrp="1" noChangeAspect="1"/>
+          </p:cNvPicPr>
+          <p:nvPr>
+            <p:ph type="pic" idx="1"/>
+          </p:nvPr>
+        </p:nvPicPr>
+        <mc:AlternateContent xmlns:ma="http://schemas.microsoft.com/office/mac/drawingml/2008/main">
+          <mc:Choice Requires="ma">
+            <p:blipFill>
+              <a:blip r:embed="rId2"/>
+              <a:srcRect l="-8235" r="-8235"/>
+              <a:stretch>
+                <a:fillRect/>
+              </a:stretch>
+            </p:blipFill>
+          </mc:Choice>
+          <mc:Fallback xmlns:p="http://schemas.openxmlformats.org/presentationml/2006/main" xmlns:mv="urn:schemas-microsoft-com:mac:vml" xmlns:mc="http://schemas.openxmlformats.org/markup-compatibility/2006" xmlns:r="http://schemas.openxmlformats.org/officeDocument/2006/relationships" xmlns:a="http://schemas.openxmlformats.org/drawingml/2006/main" xmlns="">
+            <p:blipFill>
+              <a:blip r:embed="rId3"/>
+              <a:srcRect l="-8235" r="-8235"/>
+              <a:stretch>
+                <a:fillRect/>
+              </a:stretch>
+            </p:blipFill>
+          </mc:Fallback>
+        </mc:AlternateContent>
+        <p:spPr/>
+      </p:pic>
+      <p:sp>
+        <p:nvSpPr>
+          <p:cNvPr id="4" name="Text Placeholder 3"/>
+          <p:cNvSpPr>
+            <a:spLocks noGrp="1"/>
+          </p:cNvSpPr>
+          <p:nvPr>
+            <p:ph type="body" sz="half" idx="2"/>
+          </p:nvPr>
+        </p:nvSpPr>
+        <p:spPr/>
+        <p:txBody>
+          <a:bodyPr/>
+          <a:lstStyle/>
+          <a:p>
+            <a:r>
+              <a:rPr lang="en-US" dirty="0" smtClean="0"/>
+              <a:t>Example of the daily email sent out to administrators with information on jobs and sites over the last day </a:t>
+            </a:r>
+            <a:endParaRPr lang="en-US" dirty="0"/>
+          </a:p>
+        </p:txBody>
+      </p:sp>
+      <p:sp>
+        <p:nvSpPr>
+          <p:cNvPr id="5" name="Date Placeholder 4"/>
+          <p:cNvSpPr>
+            <a:spLocks noGrp="1"/>
+          </p:cNvSpPr>
+          <p:nvPr>
+            <p:ph type="dt" sz="half" idx="10"/>
+          </p:nvPr>
+        </p:nvSpPr>
+        <p:spPr/>
+        <p:txBody>
+          <a:bodyPr/>
+          <a:lstStyle/>
+          <a:p>
+            <a:r>
+              <a:rPr lang="en-US" smtClean="0"/>
+              <a:t>April 23, 2009</a:t>
             </a:r>
             <a:endParaRPr lang="en-US" dirty="0" smtClean="0"/>
           </a:p>
@@ -10081,35 +10182,12 @@
       </p:sp>
       <p:sp>
         <p:nvSpPr>
-          <p:cNvPr id="4" name="Date Placeholder 3"/>
-          <p:cNvSpPr>
-            <a:spLocks noGrp="1"/>
-          </p:cNvSpPr>
-          <p:nvPr>
-            <p:ph type="dt" sz="half" idx="14"/>
-          </p:nvPr>
-        </p:nvSpPr>
-        <p:spPr/>
-        <p:txBody>
-          <a:bodyPr/>
-          <a:lstStyle/>
-          <a:p>
-            <a:r>
-              <a:rPr lang="en-US" smtClean="0"/>
-              <a:t>April 23, 2009</a:t>
-            </a:r>
-            <a:endParaRPr lang="en-US" dirty="0" smtClean="0"/>
-          </a:p>
-        </p:txBody>
-      </p:sp>
-      <p:sp>
-        <p:nvSpPr>
           <p:cNvPr id="6" name="Slide Number Placeholder 5"/>
           <p:cNvSpPr>
             <a:spLocks noGrp="1"/>
           </p:cNvSpPr>
           <p:nvPr>
-            <p:ph type="sldNum" sz="quarter" idx="15"/>
+            <p:ph type="sldNum" sz="quarter" idx="11"/>
           </p:nvPr>
         </p:nvSpPr>
         <p:spPr/>
@@ -10128,12 +10206,12 @@
       </p:sp>
       <p:sp>
         <p:nvSpPr>
-          <p:cNvPr id="5" name="Footer Placeholder 4"/>
-          <p:cNvSpPr>
-            <a:spLocks noGrp="1"/>
-          </p:cNvSpPr>
-          <p:nvPr>
-            <p:ph type="ftr" sz="quarter" idx="16"/>
+          <p:cNvPr id="7" name="Footer Placeholder 6"/>
+          <p:cNvSpPr>
+            <a:spLocks noGrp="1"/>
+          </p:cNvSpPr>
+          <p:nvPr>
+            <p:ph type="ftr" sz="quarter" idx="12"/>
           </p:nvPr>
         </p:nvSpPr>
         <p:spPr/>
@@ -10193,98 +10271,89 @@
         </p:nvSpPr>
         <p:spPr/>
         <p:txBody>
-          <a:bodyPr/>
-          <a:lstStyle/>
-          <a:p>
-            <a:r>
-              <a:rPr lang="en-US" dirty="0" smtClean="0"/>
-              <a:t>Major Updates</a:t>
+          <a:bodyPr>
+            <a:normAutofit fontScale="90000"/>
+          </a:bodyPr>
+          <a:lstStyle/>
+          <a:p>
+            <a:r>
+              <a:rPr lang="en-US" dirty="0" smtClean="0"/>
+              <a:t>Gratia Report for the last Month at </a:t>
+            </a:r>
+            <a:r>
+              <a:rPr lang="en-US" dirty="0" err="1" smtClean="0"/>
+              <a:t>Fermigrid</a:t>
             </a:r>
             <a:endParaRPr lang="en-US" dirty="0"/>
           </a:p>
         </p:txBody>
       </p:sp>
-      <p:sp>
-        <p:nvSpPr>
-          <p:cNvPr id="3" name="Content Placeholder 2"/>
-          <p:cNvSpPr>
-            <a:spLocks noGrp="1"/>
-          </p:cNvSpPr>
-          <p:nvPr>
-            <p:ph sz="quarter" idx="1"/>
-          </p:nvPr>
-        </p:nvSpPr>
-        <p:spPr/>
-        <p:txBody>
-          <a:bodyPr>
-            <a:normAutofit/>
-          </a:bodyPr>
-          <a:lstStyle/>
-          <a:p>
-            <a:r>
-              <a:rPr lang="en-US" dirty="0" smtClean="0"/>
-              <a:t>Irregular (Every 6-12 months)</a:t>
-            </a:r>
-          </a:p>
-          <a:p>
-            <a:r>
-              <a:rPr lang="en-US" dirty="0" smtClean="0"/>
-              <a:t>Must be a new installation</a:t>
-            </a:r>
-          </a:p>
-          <a:p>
-            <a:r>
-              <a:rPr lang="en-US" dirty="0" smtClean="0"/>
-              <a:t>Can copy configuration from old installation</a:t>
-            </a:r>
-          </a:p>
-          <a:p>
-            <a:r>
-              <a:rPr lang="en-US" dirty="0" smtClean="0"/>
-              <a:t>Process:</a:t>
-            </a:r>
-          </a:p>
-          <a:p>
-            <a:pPr lvl="1"/>
-            <a:r>
-              <a:rPr lang="en-US" dirty="0" smtClean="0"/>
-              <a:t>Point to old install</a:t>
-            </a:r>
-          </a:p>
-          <a:p>
-            <a:pPr lvl="1"/>
-            <a:r>
-              <a:rPr lang="en-US" dirty="0" smtClean="0"/>
-              <a:t>Perform new install</a:t>
-            </a:r>
-          </a:p>
-          <a:p>
-            <a:pPr lvl="1"/>
-            <a:r>
-              <a:rPr lang="en-US" dirty="0" smtClean="0"/>
-              <a:t>Turn off old services</a:t>
-            </a:r>
-          </a:p>
-          <a:p>
-            <a:pPr lvl="1"/>
-            <a:r>
-              <a:rPr lang="en-US" dirty="0" smtClean="0"/>
-              <a:t>Turn on new services</a:t>
-            </a:r>
-          </a:p>
-          <a:p>
+      <p:pic>
+        <p:nvPicPr>
+          <p:cNvPr id="8" name="Picture Placeholder 7" descr="preview-1.png"/>
+          <p:cNvPicPr>
+            <a:picLocks noGrp="1" noChangeAspect="1"/>
+          </p:cNvPicPr>
+          <p:nvPr>
+            <p:ph type="pic" idx="1"/>
+          </p:nvPr>
+        </p:nvPicPr>
+        <p:blipFill>
+          <a:blip r:embed="rId2"/>
+          <a:srcRect t="-42593" b="-42593"/>
+          <a:stretch>
+            <a:fillRect/>
+          </a:stretch>
+        </p:blipFill>
+        <p:spPr/>
+      </p:pic>
+      <p:sp>
+        <p:nvSpPr>
+          <p:cNvPr id="4" name="Text Placeholder 3"/>
+          <p:cNvSpPr>
+            <a:spLocks noGrp="1"/>
+          </p:cNvSpPr>
+          <p:nvPr>
+            <p:ph type="body" sz="half" idx="2"/>
+          </p:nvPr>
+        </p:nvSpPr>
+        <p:spPr/>
+        <p:txBody>
+          <a:bodyPr/>
+          <a:lstStyle/>
+          <a:p>
+            <a:r>
+              <a:rPr lang="en-US" dirty="0" smtClean="0"/>
+              <a:t>This shows the daily usage by </a:t>
+            </a:r>
+            <a:r>
+              <a:rPr lang="en-US" dirty="0" err="1" smtClean="0"/>
+              <a:t>VOs</a:t>
+            </a:r>
+            <a:r>
+              <a:rPr lang="en-US" dirty="0" smtClean="0"/>
+              <a:t> of the </a:t>
+            </a:r>
+            <a:r>
+              <a:rPr lang="en-US" dirty="0" err="1" smtClean="0"/>
+              <a:t>Fermigrid</a:t>
+            </a:r>
+            <a:r>
+              <a:rPr lang="en-US" dirty="0" smtClean="0"/>
+              <a:t> resource over the last month as VO validations were run </a:t>
+            </a:r>
             <a:endParaRPr lang="en-US" dirty="0"/>
           </a:p>
         </p:txBody>
       </p:sp>
       <p:sp>
         <p:nvSpPr>
-          <p:cNvPr id="4" name="Date Placeholder 3"/>
-          <p:cNvSpPr>
-            <a:spLocks noGrp="1"/>
-          </p:cNvSpPr>
-          <p:nvPr>
-            <p:ph type="dt" sz="half" idx="14"/>
+          <p:cNvPr id="5" name="Date Placeholder 4"/>
+          <p:cNvSpPr>
+            <a:spLocks noGrp="1"/>
+          </p:cNvSpPr>
+          <p:nvPr>
+            <p:ph type="dt" sz="half" idx="10"/>
           </p:nvPr>
         </p:nvSpPr>
         <p:spPr/>
@@ -10307,7 +10376,7 @@
             <a:spLocks noGrp="1"/>
           </p:cNvSpPr>
           <p:nvPr>
-            <p:ph type="sldNum" sz="quarter" idx="15"/>
+            <p:ph type="sldNum" sz="quarter" idx="11"/>
           </p:nvPr>
         </p:nvSpPr>
         <p:spPr/>
@@ -10326,12 +10395,12 @@
       </p:sp>
       <p:sp>
         <p:nvSpPr>
-          <p:cNvPr id="5" name="Footer Placeholder 4"/>
-          <p:cNvSpPr>
-            <a:spLocks noGrp="1"/>
-          </p:cNvSpPr>
-          <p:nvPr>
-            <p:ph type="ftr" sz="quarter" idx="16"/>
+          <p:cNvPr id="7" name="Footer Placeholder 6"/>
+          <p:cNvSpPr>
+            <a:spLocks noGrp="1"/>
+          </p:cNvSpPr>
+          <p:nvPr>
+            <p:ph type="ftr" sz="quarter" idx="12"/>
           </p:nvPr>
         </p:nvSpPr>
         <p:spPr/>
@@ -10679,71 +10748,75 @@
         </p:nvSpPr>
         <p:spPr/>
         <p:txBody>
-          <a:bodyPr anchor="ctr"/>
-          <a:lstStyle/>
-          <a:p>
-            <a:r>
-              <a:rPr lang="en-US" dirty="0" smtClean="0"/>
-              <a:t>Questions? Thoughts? Comments?</a:t>
+          <a:bodyPr/>
+          <a:lstStyle/>
+          <a:p>
+            <a:r>
+              <a:rPr lang="en-US" dirty="0" smtClean="0"/>
+              <a:t>Ganglia Output for Cluster at UC</a:t>
             </a:r>
             <a:endParaRPr lang="en-US" dirty="0"/>
           </a:p>
         </p:txBody>
       </p:sp>
-      <p:sp>
-        <p:nvSpPr>
-          <p:cNvPr id="3" name="Content Placeholder 2"/>
-          <p:cNvSpPr>
-            <a:spLocks noGrp="1"/>
-          </p:cNvSpPr>
-          <p:nvPr>
-            <p:ph type="body" idx="1"/>
-          </p:nvPr>
-        </p:nvSpPr>
-        <p:spPr/>
-        <p:txBody>
-          <a:bodyPr>
-            <a:normAutofit lnSpcReduction="10000"/>
-          </a:bodyPr>
-          <a:lstStyle/>
-          <a:p>
-            <a:r>
-              <a:rPr lang="en-US" dirty="0" smtClean="0"/>
-              <a:t>Introduction to OSG terms and operations</a:t>
-            </a:r>
-          </a:p>
-          <a:p>
-            <a:r>
-              <a:rPr lang="en-US" dirty="0" smtClean="0"/>
-              <a:t>Installing an OSG site</a:t>
-            </a:r>
-          </a:p>
-          <a:p>
-            <a:r>
-              <a:rPr lang="en-US" dirty="0" smtClean="0"/>
-              <a:t>Maintaining a site</a:t>
-            </a:r>
-          </a:p>
-          <a:p>
-            <a:r>
-              <a:rPr lang="en-US" dirty="0" smtClean="0">
-                <a:solidFill>
-                  <a:srgbClr val="AEBAD5"/>
-                </a:solidFill>
-              </a:rPr>
-              <a:t>Q&amp;A time</a:t>
-            </a:r>
-            <a:endParaRPr lang="en-US" dirty="0">
-              <a:solidFill>
-                <a:srgbClr val="AEBAD5"/>
-              </a:solidFill>
-            </a:endParaRPr>
-          </a:p>
-        </p:txBody>
-      </p:sp>
-      <p:sp>
-        <p:nvSpPr>
-          <p:cNvPr id="4" name="Date Placeholder 3"/>
+      <p:pic>
+        <p:nvPicPr>
+          <p:cNvPr id="8" name="Picture Placeholder 7" descr="ganglia.pdf"/>
+          <p:cNvPicPr>
+            <a:picLocks noGrp="1" noChangeAspect="1"/>
+          </p:cNvPicPr>
+          <p:nvPr>
+            <p:ph type="pic" idx="1"/>
+          </p:nvPr>
+        </p:nvPicPr>
+        <mc:AlternateContent xmlns:ma="http://schemas.microsoft.com/office/mac/drawingml/2008/main">
+          <mc:Choice Requires="ma">
+            <p:blipFill>
+              <a:blip r:embed="rId2"/>
+              <a:srcRect l="-8235" r="-8235"/>
+              <a:stretch>
+                <a:fillRect/>
+              </a:stretch>
+            </p:blipFill>
+          </mc:Choice>
+          <mc:Fallback xmlns:p="http://schemas.openxmlformats.org/presentationml/2006/main" xmlns:mv="urn:schemas-microsoft-com:mac:vml" xmlns:mc="http://schemas.openxmlformats.org/markup-compatibility/2006" xmlns:r="http://schemas.openxmlformats.org/officeDocument/2006/relationships" xmlns:a="http://schemas.openxmlformats.org/drawingml/2006/main" xmlns="">
+            <p:blipFill>
+              <a:blip r:embed="rId3"/>
+              <a:srcRect l="-8235" r="-8235"/>
+              <a:stretch>
+                <a:fillRect/>
+              </a:stretch>
+            </p:blipFill>
+          </mc:Fallback>
+        </mc:AlternateContent>
+        <p:spPr/>
+      </p:pic>
+      <p:sp>
+        <p:nvSpPr>
+          <p:cNvPr id="4" name="Text Placeholder 3"/>
+          <p:cNvSpPr>
+            <a:spLocks noGrp="1"/>
+          </p:cNvSpPr>
+          <p:nvPr>
+            <p:ph type="body" sz="half" idx="2"/>
+          </p:nvPr>
+        </p:nvSpPr>
+        <p:spPr/>
+        <p:txBody>
+          <a:bodyPr/>
+          <a:lstStyle/>
+          <a:p>
+            <a:r>
+              <a:rPr lang="en-US" dirty="0" smtClean="0"/>
+              <a:t>Top level information on the servers and compute nodes at a small cluster at the University of Chicago,  clicking on hosts will allow more detailed information on each host to be obtained</a:t>
+            </a:r>
+            <a:endParaRPr lang="en-US" dirty="0"/>
+          </a:p>
+        </p:txBody>
+      </p:sp>
+      <p:sp>
+        <p:nvSpPr>
+          <p:cNvPr id="5" name="Date Placeholder 4"/>
           <p:cNvSpPr>
             <a:spLocks noGrp="1"/>
           </p:cNvSpPr>
@@ -10760,41 +10833,18 @@
               <a:rPr lang="en-US" smtClean="0"/>
               <a:t>April 23, 2009</a:t>
             </a:r>
-            <a:endParaRPr dirty="0"/>
-          </a:p>
-        </p:txBody>
-      </p:sp>
-      <p:sp>
-        <p:nvSpPr>
-          <p:cNvPr id="6" name="Footer Placeholder 5"/>
-          <p:cNvSpPr>
-            <a:spLocks noGrp="1"/>
-          </p:cNvSpPr>
-          <p:nvPr>
-            <p:ph type="ftr" sz="quarter" idx="11"/>
-          </p:nvPr>
-        </p:nvSpPr>
-        <p:spPr/>
-        <p:txBody>
-          <a:bodyPr/>
-          <a:lstStyle/>
-          <a:p>
-            <a:r>
-              <a:rPr lang="en-US" smtClean="0"/>
-              <a:t>NCGS 2009 Chapel Hill</a:t>
-            </a:r>
-            <a:endParaRPr lang="en-US" dirty="0"/>
-          </a:p>
-        </p:txBody>
-      </p:sp>
-      <p:sp>
-        <p:nvSpPr>
-          <p:cNvPr id="5" name="Slide Number Placeholder 4"/>
-          <p:cNvSpPr>
-            <a:spLocks noGrp="1"/>
-          </p:cNvSpPr>
-          <p:nvPr>
-            <p:ph type="sldNum" sz="quarter" idx="12"/>
+            <a:endParaRPr lang="en-US" dirty="0" smtClean="0"/>
+          </a:p>
+        </p:txBody>
+      </p:sp>
+      <p:sp>
+        <p:nvSpPr>
+          <p:cNvPr id="6" name="Slide Number Placeholder 5"/>
+          <p:cNvSpPr>
+            <a:spLocks noGrp="1"/>
+          </p:cNvSpPr>
+          <p:nvPr>
+            <p:ph type="sldNum" sz="quarter" idx="11"/>
           </p:nvPr>
         </p:nvSpPr>
         <p:spPr/>
@@ -10808,6 +10858,29 @@
               <a:t>30</a:t>
             </a:fld>
             <a:endParaRPr lang="en-US"/>
+          </a:p>
+        </p:txBody>
+      </p:sp>
+      <p:sp>
+        <p:nvSpPr>
+          <p:cNvPr id="7" name="Footer Placeholder 6"/>
+          <p:cNvSpPr>
+            <a:spLocks noGrp="1"/>
+          </p:cNvSpPr>
+          <p:nvPr>
+            <p:ph type="ftr" sz="quarter" idx="12"/>
+          </p:nvPr>
+        </p:nvSpPr>
+        <p:spPr/>
+        <p:txBody>
+          <a:bodyPr/>
+          <a:lstStyle/>
+          <a:p>
+            <a:r>
+              <a:rPr lang="en-US" smtClean="0"/>
+              <a:t>NCGS 2009 Chapel Hill</a:t>
+            </a:r>
+            <a:endParaRPr lang="en-US" dirty="0"/>
           </a:p>
         </p:txBody>
       </p:sp>
@@ -10816,6 +10889,13 @@
   <p:clrMapOvr>
     <a:masterClrMapping/>
   </p:clrMapOvr>
+  <p:timing>
+    <p:tnLst>
+      <p:par>
+        <p:cTn id="1" dur="indefinite" restart="never" nodeType="tmRoot"/>
+      </p:par>
+    </p:tnLst>
+  </p:timing>
 </p:sld>
 </file>
 
@@ -10853,7 +10933,7 @@
           <a:p>
             <a:r>
               <a:rPr lang="en-US" dirty="0" smtClean="0"/>
-              <a:t>Acknowledgements</a:t>
+              <a:t>Incremental Updates</a:t>
             </a:r>
             <a:endParaRPr lang="en-US" dirty="0"/>
           </a:p>
@@ -10876,17 +10956,70 @@
           <a:p>
             <a:r>
               <a:rPr lang="en-US" dirty="0" smtClean="0"/>
-              <a:t>Alain Roy </a:t>
-            </a:r>
-          </a:p>
-          <a:p>
-            <a:r>
-              <a:rPr lang="en-US" dirty="0" smtClean="0"/>
-              <a:t>Terrence Martin</a:t>
-            </a:r>
-          </a:p>
-          <a:p>
-            <a:endParaRPr lang="en-US" dirty="0"/>
+              <a:t>Frequent (Every 1-4 weeks)</a:t>
+            </a:r>
+          </a:p>
+          <a:p>
+            <a:r>
+              <a:rPr lang="en-US" dirty="0" smtClean="0"/>
+              <a:t>Can be done within a single installation</a:t>
+            </a:r>
+          </a:p>
+          <a:p>
+            <a:r>
+              <a:rPr lang="en-US" dirty="0" smtClean="0"/>
+              <a:t>Either manually:</a:t>
+            </a:r>
+          </a:p>
+          <a:p>
+            <a:pPr lvl="1"/>
+            <a:r>
+              <a:rPr lang="en-US" dirty="0" smtClean="0"/>
+              <a:t>Turn off services</a:t>
+            </a:r>
+          </a:p>
+          <a:p>
+            <a:pPr lvl="1"/>
+            <a:r>
+              <a:rPr lang="en-US" dirty="0" smtClean="0"/>
+              <a:t>Backup installation directory</a:t>
+            </a:r>
+          </a:p>
+          <a:p>
+            <a:pPr lvl="1"/>
+            <a:r>
+              <a:rPr lang="en-US" dirty="0" smtClean="0"/>
+              <a:t>Perform update (move configuration files, </a:t>
+            </a:r>
+            <a:r>
+              <a:rPr lang="en-US" dirty="0" err="1" smtClean="0"/>
+              <a:t>pacman</a:t>
+            </a:r>
+            <a:r>
+              <a:rPr lang="en-US" dirty="0" smtClean="0"/>
+              <a:t> updates, etc.)</a:t>
+            </a:r>
+          </a:p>
+          <a:p>
+            <a:pPr lvl="1"/>
+            <a:r>
+              <a:rPr lang="en-US" dirty="0" smtClean="0"/>
+              <a:t>Re-enable services</a:t>
+            </a:r>
+          </a:p>
+          <a:p>
+            <a:r>
+              <a:rPr lang="en-US" dirty="0" smtClean="0"/>
+              <a:t>Or use </a:t>
+            </a:r>
+            <a:r>
+              <a:rPr lang="en-US" dirty="0" err="1" smtClean="0"/>
+              <a:t>vdt</a:t>
+            </a:r>
+            <a:r>
+              <a:rPr lang="en-US" dirty="0" smtClean="0"/>
+              <a:t>-updater script (automates the above steps)</a:t>
+            </a:r>
           </a:p>
         </p:txBody>
       </p:sp>
@@ -10932,6 +11065,539 @@
               <a:rPr lang="en-US" smtClean="0"/>
               <a:pPr/>
               <a:t>31</a:t>
+            </a:fld>
+            <a:endParaRPr lang="en-US"/>
+          </a:p>
+        </p:txBody>
+      </p:sp>
+      <p:sp>
+        <p:nvSpPr>
+          <p:cNvPr id="5" name="Footer Placeholder 4"/>
+          <p:cNvSpPr>
+            <a:spLocks noGrp="1"/>
+          </p:cNvSpPr>
+          <p:nvPr>
+            <p:ph type="ftr" sz="quarter" idx="16"/>
+          </p:nvPr>
+        </p:nvSpPr>
+        <p:spPr/>
+        <p:txBody>
+          <a:bodyPr/>
+          <a:lstStyle/>
+          <a:p>
+            <a:r>
+              <a:rPr lang="en-US" smtClean="0"/>
+              <a:t>NCGS 2009 Chapel Hill</a:t>
+            </a:r>
+            <a:endParaRPr lang="en-US" dirty="0"/>
+          </a:p>
+        </p:txBody>
+      </p:sp>
+    </p:spTree>
+  </p:cSld>
+  <p:clrMapOvr>
+    <a:masterClrMapping/>
+  </p:clrMapOvr>
+  <p:timing>
+    <p:tnLst>
+      <p:par>
+        <p:cTn id="1" dur="indefinite" restart="never" nodeType="tmRoot"/>
+      </p:par>
+    </p:tnLst>
+  </p:timing>
+</p:sld>
+</file>
+
+<file path=ppt/slides/slide32.xml><?xml version="1.0" encoding="utf-8"?>
+<p:sld xmlns:a="http://schemas.openxmlformats.org/drawingml/2006/main" xmlns:r="http://schemas.openxmlformats.org/officeDocument/2006/relationships" xmlns:mc="http://schemas.openxmlformats.org/markup-compatibility/2006" xmlns:mv="urn:schemas-microsoft-com:mac:vml" xmlns:p="http://schemas.openxmlformats.org/presentationml/2006/main" mc:Ignorable="mv" mc:PreserveAttributes="mv:*">
+  <p:cSld>
+    <p:spTree>
+      <p:nvGrpSpPr>
+        <p:cNvPr id="1" name=""/>
+        <p:cNvGrpSpPr/>
+        <p:nvPr/>
+      </p:nvGrpSpPr>
+      <p:grpSpPr>
+        <a:xfrm>
+          <a:off x="0" y="0"/>
+          <a:ext cx="0" cy="0"/>
+          <a:chOff x="0" y="0"/>
+          <a:chExt cx="0" cy="0"/>
+        </a:xfrm>
+      </p:grpSpPr>
+      <p:sp>
+        <p:nvSpPr>
+          <p:cNvPr id="2" name="Title 1"/>
+          <p:cNvSpPr>
+            <a:spLocks noGrp="1"/>
+          </p:cNvSpPr>
+          <p:nvPr>
+            <p:ph type="title"/>
+          </p:nvPr>
+        </p:nvSpPr>
+        <p:spPr/>
+        <p:txBody>
+          <a:bodyPr/>
+          <a:lstStyle/>
+          <a:p>
+            <a:r>
+              <a:rPr lang="en-US" dirty="0" smtClean="0"/>
+              <a:t>Major Updates</a:t>
+            </a:r>
+            <a:endParaRPr lang="en-US" dirty="0"/>
+          </a:p>
+        </p:txBody>
+      </p:sp>
+      <p:sp>
+        <p:nvSpPr>
+          <p:cNvPr id="3" name="Content Placeholder 2"/>
+          <p:cNvSpPr>
+            <a:spLocks noGrp="1"/>
+          </p:cNvSpPr>
+          <p:nvPr>
+            <p:ph sz="quarter" idx="1"/>
+          </p:nvPr>
+        </p:nvSpPr>
+        <p:spPr/>
+        <p:txBody>
+          <a:bodyPr>
+            <a:normAutofit/>
+          </a:bodyPr>
+          <a:lstStyle/>
+          <a:p>
+            <a:r>
+              <a:rPr lang="en-US" dirty="0" smtClean="0"/>
+              <a:t>Irregular (Every 6-12 months)</a:t>
+            </a:r>
+          </a:p>
+          <a:p>
+            <a:r>
+              <a:rPr lang="en-US" dirty="0" smtClean="0"/>
+              <a:t>Must be a new installation</a:t>
+            </a:r>
+          </a:p>
+          <a:p>
+            <a:r>
+              <a:rPr lang="en-US" dirty="0" smtClean="0"/>
+              <a:t>Can copy configuration from old installation</a:t>
+            </a:r>
+          </a:p>
+          <a:p>
+            <a:r>
+              <a:rPr lang="en-US" dirty="0" smtClean="0"/>
+              <a:t>Process:</a:t>
+            </a:r>
+          </a:p>
+          <a:p>
+            <a:pPr lvl="1"/>
+            <a:r>
+              <a:rPr lang="en-US" dirty="0" smtClean="0"/>
+              <a:t>Point to old install</a:t>
+            </a:r>
+          </a:p>
+          <a:p>
+            <a:pPr lvl="1"/>
+            <a:r>
+              <a:rPr lang="en-US" dirty="0" smtClean="0"/>
+              <a:t>Perform new install</a:t>
+            </a:r>
+          </a:p>
+          <a:p>
+            <a:pPr lvl="1"/>
+            <a:r>
+              <a:rPr lang="en-US" dirty="0" smtClean="0"/>
+              <a:t>Turn off old services</a:t>
+            </a:r>
+          </a:p>
+          <a:p>
+            <a:pPr lvl="1"/>
+            <a:r>
+              <a:rPr lang="en-US" dirty="0" smtClean="0"/>
+              <a:t>Turn on new services</a:t>
+            </a:r>
+          </a:p>
+          <a:p>
+            <a:endParaRPr lang="en-US" dirty="0"/>
+          </a:p>
+        </p:txBody>
+      </p:sp>
+      <p:sp>
+        <p:nvSpPr>
+          <p:cNvPr id="4" name="Date Placeholder 3"/>
+          <p:cNvSpPr>
+            <a:spLocks noGrp="1"/>
+          </p:cNvSpPr>
+          <p:nvPr>
+            <p:ph type="dt" sz="half" idx="14"/>
+          </p:nvPr>
+        </p:nvSpPr>
+        <p:spPr/>
+        <p:txBody>
+          <a:bodyPr/>
+          <a:lstStyle/>
+          <a:p>
+            <a:r>
+              <a:rPr lang="en-US" smtClean="0"/>
+              <a:t>April 23, 2009</a:t>
+            </a:r>
+            <a:endParaRPr lang="en-US" dirty="0" smtClean="0"/>
+          </a:p>
+        </p:txBody>
+      </p:sp>
+      <p:sp>
+        <p:nvSpPr>
+          <p:cNvPr id="6" name="Slide Number Placeholder 5"/>
+          <p:cNvSpPr>
+            <a:spLocks noGrp="1"/>
+          </p:cNvSpPr>
+          <p:nvPr>
+            <p:ph type="sldNum" sz="quarter" idx="15"/>
+          </p:nvPr>
+        </p:nvSpPr>
+        <p:spPr/>
+        <p:txBody>
+          <a:bodyPr/>
+          <a:lstStyle/>
+          <a:p>
+            <a:fld id="{E51AA724-561A-1846-8644-561AA2F6606C}" type="slidenum">
+              <a:rPr lang="en-US" smtClean="0"/>
+              <a:pPr/>
+              <a:t>32</a:t>
+            </a:fld>
+            <a:endParaRPr lang="en-US"/>
+          </a:p>
+        </p:txBody>
+      </p:sp>
+      <p:sp>
+        <p:nvSpPr>
+          <p:cNvPr id="5" name="Footer Placeholder 4"/>
+          <p:cNvSpPr>
+            <a:spLocks noGrp="1"/>
+          </p:cNvSpPr>
+          <p:nvPr>
+            <p:ph type="ftr" sz="quarter" idx="16"/>
+          </p:nvPr>
+        </p:nvSpPr>
+        <p:spPr/>
+        <p:txBody>
+          <a:bodyPr/>
+          <a:lstStyle/>
+          <a:p>
+            <a:r>
+              <a:rPr lang="en-US" smtClean="0"/>
+              <a:t>NCGS 2009 Chapel Hill</a:t>
+            </a:r>
+            <a:endParaRPr lang="en-US" dirty="0"/>
+          </a:p>
+        </p:txBody>
+      </p:sp>
+    </p:spTree>
+  </p:cSld>
+  <p:clrMapOvr>
+    <a:masterClrMapping/>
+  </p:clrMapOvr>
+  <p:timing>
+    <p:tnLst>
+      <p:par>
+        <p:cTn id="1" dur="indefinite" restart="never" nodeType="tmRoot"/>
+      </p:par>
+    </p:tnLst>
+  </p:timing>
+</p:sld>
+</file>
+
+<file path=ppt/slides/slide33.xml><?xml version="1.0" encoding="utf-8"?>
+<p:sld xmlns:a="http://schemas.openxmlformats.org/drawingml/2006/main" xmlns:r="http://schemas.openxmlformats.org/officeDocument/2006/relationships" xmlns:mc="http://schemas.openxmlformats.org/markup-compatibility/2006" xmlns:mv="urn:schemas-microsoft-com:mac:vml" xmlns:p="http://schemas.openxmlformats.org/presentationml/2006/main" mc:Ignorable="mv" mc:PreserveAttributes="mv:*">
+  <p:cSld>
+    <p:spTree>
+      <p:nvGrpSpPr>
+        <p:cNvPr id="1" name=""/>
+        <p:cNvGrpSpPr/>
+        <p:nvPr/>
+      </p:nvGrpSpPr>
+      <p:grpSpPr>
+        <a:xfrm>
+          <a:off x="0" y="0"/>
+          <a:ext cx="0" cy="0"/>
+          <a:chOff x="0" y="0"/>
+          <a:chExt cx="0" cy="0"/>
+        </a:xfrm>
+      </p:grpSpPr>
+      <p:sp>
+        <p:nvSpPr>
+          <p:cNvPr id="2" name="Title 1"/>
+          <p:cNvSpPr>
+            <a:spLocks noGrp="1"/>
+          </p:cNvSpPr>
+          <p:nvPr>
+            <p:ph type="title"/>
+          </p:nvPr>
+        </p:nvSpPr>
+        <p:spPr/>
+        <p:txBody>
+          <a:bodyPr anchor="ctr"/>
+          <a:lstStyle/>
+          <a:p>
+            <a:r>
+              <a:rPr lang="en-US" dirty="0" smtClean="0"/>
+              <a:t>Questions? Thoughts? Comments?</a:t>
+            </a:r>
+            <a:endParaRPr lang="en-US" dirty="0"/>
+          </a:p>
+        </p:txBody>
+      </p:sp>
+      <p:sp>
+        <p:nvSpPr>
+          <p:cNvPr id="3" name="Content Placeholder 2"/>
+          <p:cNvSpPr>
+            <a:spLocks noGrp="1"/>
+          </p:cNvSpPr>
+          <p:nvPr>
+            <p:ph type="body" idx="1"/>
+          </p:nvPr>
+        </p:nvSpPr>
+        <p:spPr/>
+        <p:txBody>
+          <a:bodyPr>
+            <a:normAutofit fontScale="85000" lnSpcReduction="20000"/>
+          </a:bodyPr>
+          <a:lstStyle/>
+          <a:p>
+            <a:r>
+              <a:rPr lang="en-US" dirty="0" smtClean="0"/>
+              <a:t>Introduction to OSG terms and </a:t>
+            </a:r>
+            <a:r>
+              <a:rPr lang="en-US" dirty="0" smtClean="0"/>
+              <a:t>operations</a:t>
+            </a:r>
+          </a:p>
+          <a:p>
+            <a:r>
+              <a:rPr lang="en-US" dirty="0" smtClean="0"/>
+              <a:t>Site Policies and Requirements</a:t>
+            </a:r>
+          </a:p>
+          <a:p>
+            <a:r>
+              <a:rPr lang="en-US" dirty="0" smtClean="0"/>
+              <a:t>Installing an OSG site</a:t>
+            </a:r>
+          </a:p>
+          <a:p>
+            <a:r>
+              <a:rPr lang="en-US" dirty="0" smtClean="0"/>
+              <a:t>Maintaining a site</a:t>
+            </a:r>
+          </a:p>
+          <a:p>
+            <a:r>
+              <a:rPr lang="en-US" dirty="0" smtClean="0">
+                <a:solidFill>
+                  <a:srgbClr val="AEBAD5"/>
+                </a:solidFill>
+              </a:rPr>
+              <a:t>Q&amp;A time</a:t>
+            </a:r>
+            <a:endParaRPr lang="en-US" dirty="0">
+              <a:solidFill>
+                <a:srgbClr val="AEBAD5"/>
+              </a:solidFill>
+            </a:endParaRPr>
+          </a:p>
+        </p:txBody>
+      </p:sp>
+      <p:sp>
+        <p:nvSpPr>
+          <p:cNvPr id="4" name="Date Placeholder 3"/>
+          <p:cNvSpPr>
+            <a:spLocks noGrp="1"/>
+          </p:cNvSpPr>
+          <p:nvPr>
+            <p:ph type="dt" sz="half" idx="10"/>
+          </p:nvPr>
+        </p:nvSpPr>
+        <p:spPr/>
+        <p:txBody>
+          <a:bodyPr/>
+          <a:lstStyle/>
+          <a:p>
+            <a:r>
+              <a:rPr lang="en-US" smtClean="0"/>
+              <a:t>April 23, 2009</a:t>
+            </a:r>
+            <a:endParaRPr dirty="0"/>
+          </a:p>
+        </p:txBody>
+      </p:sp>
+      <p:sp>
+        <p:nvSpPr>
+          <p:cNvPr id="6" name="Footer Placeholder 5"/>
+          <p:cNvSpPr>
+            <a:spLocks noGrp="1"/>
+          </p:cNvSpPr>
+          <p:nvPr>
+            <p:ph type="ftr" sz="quarter" idx="11"/>
+          </p:nvPr>
+        </p:nvSpPr>
+        <p:spPr/>
+        <p:txBody>
+          <a:bodyPr/>
+          <a:lstStyle/>
+          <a:p>
+            <a:r>
+              <a:rPr lang="en-US" smtClean="0"/>
+              <a:t>NCGS 2009 Chapel Hill</a:t>
+            </a:r>
+            <a:endParaRPr lang="en-US" dirty="0"/>
+          </a:p>
+        </p:txBody>
+      </p:sp>
+      <p:sp>
+        <p:nvSpPr>
+          <p:cNvPr id="5" name="Slide Number Placeholder 4"/>
+          <p:cNvSpPr>
+            <a:spLocks noGrp="1"/>
+          </p:cNvSpPr>
+          <p:nvPr>
+            <p:ph type="sldNum" sz="quarter" idx="12"/>
+          </p:nvPr>
+        </p:nvSpPr>
+        <p:spPr/>
+        <p:txBody>
+          <a:bodyPr/>
+          <a:lstStyle/>
+          <a:p>
+            <a:fld id="{E51AA724-561A-1846-8644-561AA2F6606C}" type="slidenum">
+              <a:rPr lang="en-US" smtClean="0"/>
+              <a:pPr/>
+              <a:t>33</a:t>
+            </a:fld>
+            <a:endParaRPr lang="en-US"/>
+          </a:p>
+        </p:txBody>
+      </p:sp>
+    </p:spTree>
+  </p:cSld>
+  <p:clrMapOvr>
+    <a:masterClrMapping/>
+  </p:clrMapOvr>
+</p:sld>
+</file>
+
+<file path=ppt/slides/slide34.xml><?xml version="1.0" encoding="utf-8"?>
+<p:sld xmlns:a="http://schemas.openxmlformats.org/drawingml/2006/main" xmlns:r="http://schemas.openxmlformats.org/officeDocument/2006/relationships" xmlns:mc="http://schemas.openxmlformats.org/markup-compatibility/2006" xmlns:mv="urn:schemas-microsoft-com:mac:vml" xmlns:p="http://schemas.openxmlformats.org/presentationml/2006/main" mc:Ignorable="mv" mc:PreserveAttributes="mv:*">
+  <p:cSld>
+    <p:spTree>
+      <p:nvGrpSpPr>
+        <p:cNvPr id="1" name=""/>
+        <p:cNvGrpSpPr/>
+        <p:nvPr/>
+      </p:nvGrpSpPr>
+      <p:grpSpPr>
+        <a:xfrm>
+          <a:off x="0" y="0"/>
+          <a:ext cx="0" cy="0"/>
+          <a:chOff x="0" y="0"/>
+          <a:chExt cx="0" cy="0"/>
+        </a:xfrm>
+      </p:grpSpPr>
+      <p:sp>
+        <p:nvSpPr>
+          <p:cNvPr id="2" name="Title 1"/>
+          <p:cNvSpPr>
+            <a:spLocks noGrp="1"/>
+          </p:cNvSpPr>
+          <p:nvPr>
+            <p:ph type="title"/>
+          </p:nvPr>
+        </p:nvSpPr>
+        <p:spPr/>
+        <p:txBody>
+          <a:bodyPr/>
+          <a:lstStyle/>
+          <a:p>
+            <a:r>
+              <a:rPr lang="en-US" dirty="0" smtClean="0"/>
+              <a:t>Acknowledgements</a:t>
+            </a:r>
+            <a:endParaRPr lang="en-US" dirty="0"/>
+          </a:p>
+        </p:txBody>
+      </p:sp>
+      <p:sp>
+        <p:nvSpPr>
+          <p:cNvPr id="3" name="Content Placeholder 2"/>
+          <p:cNvSpPr>
+            <a:spLocks noGrp="1"/>
+          </p:cNvSpPr>
+          <p:nvPr>
+            <p:ph sz="quarter" idx="1"/>
+          </p:nvPr>
+        </p:nvSpPr>
+        <p:spPr/>
+        <p:txBody>
+          <a:bodyPr/>
+          <a:lstStyle/>
+          <a:p>
+            <a:r>
+              <a:rPr lang="en-US" dirty="0" smtClean="0"/>
+              <a:t>Alain Roy </a:t>
+            </a:r>
+          </a:p>
+          <a:p>
+            <a:r>
+              <a:rPr lang="en-US" dirty="0" smtClean="0"/>
+              <a:t>Terrence Martin</a:t>
+            </a:r>
+          </a:p>
+          <a:p>
+            <a:endParaRPr lang="en-US" dirty="0"/>
+          </a:p>
+        </p:txBody>
+      </p:sp>
+      <p:sp>
+        <p:nvSpPr>
+          <p:cNvPr id="4" name="Date Placeholder 3"/>
+          <p:cNvSpPr>
+            <a:spLocks noGrp="1"/>
+          </p:cNvSpPr>
+          <p:nvPr>
+            <p:ph type="dt" sz="half" idx="14"/>
+          </p:nvPr>
+        </p:nvSpPr>
+        <p:spPr/>
+        <p:txBody>
+          <a:bodyPr/>
+          <a:lstStyle/>
+          <a:p>
+            <a:r>
+              <a:rPr lang="en-US" smtClean="0"/>
+              <a:t>April 23, 2009</a:t>
+            </a:r>
+            <a:endParaRPr lang="en-US" dirty="0" smtClean="0"/>
+          </a:p>
+        </p:txBody>
+      </p:sp>
+      <p:sp>
+        <p:nvSpPr>
+          <p:cNvPr id="6" name="Slide Number Placeholder 5"/>
+          <p:cNvSpPr>
+            <a:spLocks noGrp="1"/>
+          </p:cNvSpPr>
+          <p:nvPr>
+            <p:ph type="sldNum" sz="quarter" idx="15"/>
+          </p:nvPr>
+        </p:nvSpPr>
+        <p:spPr/>
+        <p:txBody>
+          <a:bodyPr/>
+          <a:lstStyle/>
+          <a:p>
+            <a:fld id="{E51AA724-561A-1846-8644-561AA2F6606C}" type="slidenum">
+              <a:rPr lang="en-US" smtClean="0"/>
+              <a:pPr/>
+              <a:t>34</a:t>
             </a:fld>
             <a:endParaRPr lang="en-US"/>
           </a:p>
@@ -11051,31 +11717,22 @@
           <a:p>
             <a:r>
               <a:rPr lang="en-US" dirty="0" smtClean="0"/>
-              <a:t>GOC – Grid Operations Center</a:t>
-            </a:r>
-          </a:p>
-          <a:p>
-            <a:r>
-              <a:rPr lang="en-US" dirty="0" smtClean="0"/>
-              <a:t>VDT – Virtual Data Toolkit</a:t>
-            </a:r>
-          </a:p>
-          <a:p>
-            <a:r>
-              <a:rPr lang="en-US" dirty="0" smtClean="0"/>
-              <a:t>DN – Distinguished name</a:t>
-            </a:r>
-          </a:p>
-          <a:p>
-            <a:r>
-              <a:rPr lang="en-US" dirty="0" smtClean="0"/>
-              <a:t>VOMS – Virtual Organization Management Server</a:t>
-            </a:r>
-          </a:p>
-          <a:p>
-            <a:r>
-              <a:rPr lang="en-US" dirty="0" smtClean="0"/>
-              <a:t>GUMS – Grid User Management Server</a:t>
+              <a:t>GOC – Grid Operations </a:t>
+            </a:r>
+            <a:r>
+              <a:rPr lang="en-US" smtClean="0"/>
+              <a:t>Center</a:t>
+            </a:r>
+            <a:endParaRPr lang="en-US" smtClean="0"/>
+          </a:p>
+          <a:p>
+            <a:r>
+              <a:rPr lang="en-US" smtClean="0"/>
+              <a:t>GUMS </a:t>
+            </a:r>
+            <a:r>
+              <a:rPr lang="en-US" dirty="0" smtClean="0"/>
+              <a:t>– Grid User Management Server</a:t>
             </a:r>
           </a:p>
           <a:p>
@@ -11200,12 +11857,81 @@
         </p:nvSpPr>
         <p:spPr/>
         <p:txBody>
-          <a:bodyPr/>
-          <a:lstStyle/>
-          <a:p>
-            <a:r>
-              <a:rPr lang="en-US" dirty="0" smtClean="0"/>
-              <a:t>Your role as an admin</a:t>
+          <a:bodyPr anchor="ctr"/>
+          <a:lstStyle/>
+          <a:p>
+            <a:r>
+              <a:rPr lang="en-US" dirty="0" smtClean="0"/>
+              <a:t>Site Policies and Requirements</a:t>
+            </a:r>
+          </a:p>
+        </p:txBody>
+      </p:sp>
+      <p:sp>
+        <p:nvSpPr>
+          <p:cNvPr id="3" name="Content Placeholder 2"/>
+          <p:cNvSpPr>
+            <a:spLocks noGrp="1"/>
+          </p:cNvSpPr>
+          <p:nvPr>
+            <p:ph type="body" idx="1"/>
+          </p:nvPr>
+        </p:nvSpPr>
+        <p:spPr/>
+        <p:txBody>
+          <a:bodyPr>
+            <a:normAutofit fontScale="85000" lnSpcReduction="20000"/>
+          </a:bodyPr>
+          <a:lstStyle/>
+          <a:p>
+            <a:r>
+              <a:rPr lang="en-US" dirty="0" smtClean="0"/>
+              <a:t>Introduction to </a:t>
+            </a:r>
+            <a:r>
+              <a:rPr lang="en-US" dirty="0" smtClean="0"/>
+              <a:t>OSG</a:t>
+            </a:r>
+          </a:p>
+          <a:p>
+            <a:r>
+              <a:rPr lang="en-US" dirty="0" smtClean="0">
+                <a:solidFill>
+                  <a:schemeClr val="accent5"/>
+                </a:solidFill>
+              </a:rPr>
+              <a:t>Site Policies </a:t>
+            </a:r>
+            <a:r>
+              <a:rPr lang="en-US" dirty="0" smtClean="0">
+                <a:solidFill>
+                  <a:schemeClr val="accent5"/>
+                </a:solidFill>
+              </a:rPr>
+              <a:t>and Requirements</a:t>
+            </a:r>
+            <a:endParaRPr lang="en-US" dirty="0" smtClean="0">
+              <a:solidFill>
+                <a:schemeClr val="accent5"/>
+              </a:solidFill>
+            </a:endParaRPr>
+          </a:p>
+          <a:p>
+            <a:r>
+              <a:rPr lang="en-US" dirty="0" smtClean="0"/>
+              <a:t>Installing an OSG site</a:t>
+            </a:r>
+          </a:p>
+          <a:p>
+            <a:r>
+              <a:rPr lang="en-US" dirty="0" smtClean="0"/>
+              <a:t>Maintaining a site</a:t>
+            </a:r>
+          </a:p>
+          <a:p>
+            <a:r>
+              <a:rPr lang="en-US" dirty="0" smtClean="0"/>
+              <a:t>Q&amp;A time </a:t>
             </a:r>
             <a:endParaRPr lang="en-US" dirty="0"/>
           </a:p>
@@ -11213,57 +11939,45 @@
       </p:sp>
       <p:sp>
         <p:nvSpPr>
-          <p:cNvPr id="3" name="Content Placeholder 2"/>
-          <p:cNvSpPr>
-            <a:spLocks noGrp="1"/>
-          </p:cNvSpPr>
-          <p:nvPr>
-            <p:ph sz="quarter" idx="1"/>
-          </p:nvPr>
-        </p:nvSpPr>
-        <p:spPr/>
-        <p:txBody>
-          <a:bodyPr/>
-          <a:lstStyle/>
-          <a:p>
-            <a:r>
-              <a:rPr lang="en-US" dirty="0" smtClean="0"/>
-              <a:t>As a site admin, you should:</a:t>
-            </a:r>
-          </a:p>
-          <a:p>
-            <a:pPr lvl="1"/>
-            <a:r>
-              <a:rPr lang="en-US" dirty="0" smtClean="0"/>
-              <a:t>Keep in touch with OSG (downtime, security, etc.)</a:t>
-            </a:r>
-          </a:p>
-          <a:p>
-            <a:pPr lvl="1"/>
-            <a:r>
-              <a:rPr lang="en-US" dirty="0" smtClean="0"/>
-              <a:t>Respond to trouble tickets or inquiries from GOC</a:t>
-            </a:r>
-          </a:p>
-          <a:p>
-            <a:pPr lvl="1"/>
-            <a:r>
-              <a:rPr lang="en-US" dirty="0" smtClean="0"/>
-              <a:t>Plan your site’s layout</a:t>
-            </a:r>
-          </a:p>
-          <a:p>
-            <a:pPr lvl="1"/>
-            <a:r>
-              <a:rPr lang="en-US" dirty="0" smtClean="0"/>
-              <a:t>Update software as needed (within limits)</a:t>
-            </a:r>
-          </a:p>
-          <a:p>
-            <a:pPr lvl="1"/>
-            <a:r>
-              <a:rPr lang="en-US" dirty="0" smtClean="0"/>
-              <a:t>Participate and be a good community member</a:t>
+          <p:cNvPr id="4" name="Date Placeholder 3"/>
+          <p:cNvSpPr>
+            <a:spLocks noGrp="1"/>
+          </p:cNvSpPr>
+          <p:nvPr>
+            <p:ph type="dt" sz="half" idx="10"/>
+          </p:nvPr>
+        </p:nvSpPr>
+        <p:spPr/>
+        <p:txBody>
+          <a:bodyPr/>
+          <a:lstStyle/>
+          <a:p>
+            <a:r>
+              <a:rPr lang="en-US" smtClean="0"/>
+              <a:t>April 23, 2009</a:t>
+            </a:r>
+            <a:endParaRPr dirty="0"/>
+          </a:p>
+        </p:txBody>
+      </p:sp>
+      <p:sp>
+        <p:nvSpPr>
+          <p:cNvPr id="6" name="Footer Placeholder 5"/>
+          <p:cNvSpPr>
+            <a:spLocks noGrp="1"/>
+          </p:cNvSpPr>
+          <p:nvPr>
+            <p:ph type="ftr" sz="quarter" idx="11"/>
+          </p:nvPr>
+        </p:nvSpPr>
+        <p:spPr/>
+        <p:txBody>
+          <a:bodyPr/>
+          <a:lstStyle/>
+          <a:p>
+            <a:r>
+              <a:rPr lang="en-US" smtClean="0"/>
+              <a:t>NCGS 2009 Chapel Hill</a:t>
             </a:r>
             <a:endParaRPr lang="en-US" dirty="0"/>
           </a:p>
@@ -11271,35 +11985,12 @@
       </p:sp>
       <p:sp>
         <p:nvSpPr>
-          <p:cNvPr id="4" name="Date Placeholder 3"/>
-          <p:cNvSpPr>
-            <a:spLocks noGrp="1"/>
-          </p:cNvSpPr>
-          <p:nvPr>
-            <p:ph type="dt" sz="half" idx="14"/>
-          </p:nvPr>
-        </p:nvSpPr>
-        <p:spPr/>
-        <p:txBody>
-          <a:bodyPr/>
-          <a:lstStyle/>
-          <a:p>
-            <a:r>
-              <a:rPr lang="en-US" smtClean="0"/>
-              <a:t>April 23, 2009</a:t>
-            </a:r>
-            <a:endParaRPr lang="en-US" dirty="0" smtClean="0"/>
-          </a:p>
-        </p:txBody>
-      </p:sp>
-      <p:sp>
-        <p:nvSpPr>
-          <p:cNvPr id="6" name="Slide Number Placeholder 5"/>
-          <p:cNvSpPr>
-            <a:spLocks noGrp="1"/>
-          </p:cNvSpPr>
-          <p:nvPr>
-            <p:ph type="sldNum" sz="quarter" idx="15"/>
+          <p:cNvPr id="5" name="Slide Number Placeholder 4"/>
+          <p:cNvSpPr>
+            <a:spLocks noGrp="1"/>
+          </p:cNvSpPr>
+          <p:nvPr>
+            <p:ph type="sldNum" sz="quarter" idx="12"/>
           </p:nvPr>
         </p:nvSpPr>
         <p:spPr/>
@@ -11313,29 +12004,6 @@
               <a:t>5</a:t>
             </a:fld>
             <a:endParaRPr lang="en-US"/>
-          </a:p>
-        </p:txBody>
-      </p:sp>
-      <p:sp>
-        <p:nvSpPr>
-          <p:cNvPr id="5" name="Footer Placeholder 4"/>
-          <p:cNvSpPr>
-            <a:spLocks noGrp="1"/>
-          </p:cNvSpPr>
-          <p:nvPr>
-            <p:ph type="ftr" sz="quarter" idx="16"/>
-          </p:nvPr>
-        </p:nvSpPr>
-        <p:spPr/>
-        <p:txBody>
-          <a:bodyPr/>
-          <a:lstStyle/>
-          <a:p>
-            <a:r>
-              <a:rPr lang="en-US" smtClean="0"/>
-              <a:t>NCGS 2009 Chapel Hill</a:t>
-            </a:r>
-            <a:endParaRPr lang="en-US" dirty="0"/>
           </a:p>
         </p:txBody>
       </p:sp>
@@ -11388,11 +12056,7 @@
           <a:p>
             <a:r>
               <a:rPr lang="en-US" dirty="0" smtClean="0"/>
-              <a:t>Support provided for </a:t>
-            </a:r>
-            <a:r>
-              <a:rPr lang="en-US" dirty="0" err="1" smtClean="0"/>
-              <a:t>admins</a:t>
+              <a:t>Your role as an admin</a:t>
             </a:r>
             <a:endParaRPr lang="en-US" dirty="0"/>
           </a:p>
@@ -11410,57 +12074,60 @@
         </p:nvSpPr>
         <p:spPr/>
         <p:txBody>
-          <a:bodyPr>
-            <a:normAutofit/>
-          </a:bodyPr>
-          <a:lstStyle/>
-          <a:p>
-            <a:r>
-              <a:rPr lang="en-US" dirty="0" smtClean="0"/>
-              <a:t>OSG provides:</a:t>
+          <a:bodyPr/>
+          <a:lstStyle/>
+          <a:p>
+            <a:r>
+              <a:rPr lang="en-US" dirty="0" smtClean="0"/>
+              <a:t>As a site admin, you should:</a:t>
             </a:r>
           </a:p>
           <a:p>
             <a:pPr lvl="1"/>
             <a:r>
               <a:rPr lang="en-US" dirty="0" smtClean="0"/>
-              <a:t>Software and ancillary information (configuration tools, documentation, recommendations)</a:t>
+              <a:t>Keep in touch with OSG (downtime, security, etc.</a:t>
+            </a:r>
+            <a:r>
+              <a:rPr lang="en-US" dirty="0" smtClean="0"/>
+              <a:t>)</a:t>
             </a:r>
           </a:p>
           <a:p>
             <a:pPr lvl="1"/>
             <a:r>
               <a:rPr lang="en-US" dirty="0" smtClean="0"/>
-              <a:t>Assistance in keeping site running smoothly</a:t>
-            </a:r>
+              <a:t>Provide the GOC with a site policy and register your site with the GOC</a:t>
+            </a:r>
+            <a:endParaRPr lang="en-US" dirty="0" smtClean="0"/>
           </a:p>
           <a:p>
             <a:pPr lvl="1"/>
             <a:r>
               <a:rPr lang="en-US" dirty="0" smtClean="0"/>
-              <a:t>Help in troubleshooting and installing software</a:t>
+              <a:t>Respond to trouble tickets or inquiries from GOC</a:t>
             </a:r>
           </a:p>
           <a:p>
             <a:pPr lvl="1"/>
             <a:r>
               <a:rPr lang="en-US" dirty="0" smtClean="0"/>
-              <a:t>Users for your site</a:t>
+              <a:t>Plan your site’s layout</a:t>
             </a:r>
           </a:p>
           <a:p>
             <a:pPr lvl="1"/>
             <a:r>
-              <a:rPr kumimoji="1" lang="en-US" dirty="0" smtClean="0">
-                <a:solidFill>
-                  <a:schemeClr val="tx2"/>
-                </a:solidFill>
-              </a:rPr>
-              <a:t>An exciting, cutting-edge, 21st-century collaborative distributed computing grid cloud buzzword-compliant environment</a:t>
+              <a:rPr lang="en-US" dirty="0" smtClean="0"/>
+              <a:t>Update software as needed (within limits)</a:t>
             </a:r>
           </a:p>
           <a:p>
             <a:pPr lvl="1"/>
+            <a:r>
+              <a:rPr lang="en-US" dirty="0" smtClean="0"/>
+              <a:t>Participate and be a good community member</a:t>
+            </a:r>
             <a:endParaRPr lang="en-US" dirty="0"/>
           </a:p>
         </p:txBody>
@@ -11579,12 +12246,16 @@
         </p:nvSpPr>
         <p:spPr/>
         <p:txBody>
-          <a:bodyPr anchor="ctr"/>
-          <a:lstStyle/>
-          <a:p>
-            <a:r>
-              <a:rPr lang="en-US" dirty="0" smtClean="0"/>
-              <a:t>Installing an OSG Site</a:t>
+          <a:bodyPr/>
+          <a:lstStyle/>
+          <a:p>
+            <a:r>
+              <a:rPr lang="en-US" dirty="0" smtClean="0"/>
+              <a:t>Support provided for </a:t>
+            </a:r>
+            <a:r>
+              <a:rPr lang="en-US" dirty="0" err="1" smtClean="0"/>
+              <a:t>admins</a:t>
             </a:r>
             <a:endParaRPr lang="en-US" dirty="0"/>
           </a:p>
@@ -11597,111 +12268,97 @@
             <a:spLocks noGrp="1"/>
           </p:cNvSpPr>
           <p:nvPr>
-            <p:ph type="body" idx="1"/>
+            <p:ph sz="quarter" idx="1"/>
           </p:nvPr>
         </p:nvSpPr>
         <p:spPr/>
         <p:txBody>
           <a:bodyPr>
-            <a:normAutofit fontScale="85000" lnSpcReduction="20000"/>
+            <a:normAutofit/>
           </a:bodyPr>
           <a:lstStyle/>
           <a:p>
             <a:r>
               <a:rPr lang="en-US" dirty="0" smtClean="0"/>
-              <a:t>Introduction to OSG terms and operations</a:t>
-            </a:r>
-          </a:p>
-          <a:p>
-            <a:r>
-              <a:rPr lang="en-US" dirty="0" smtClean="0">
+              <a:t>OSG provides:</a:t>
+            </a:r>
+          </a:p>
+          <a:p>
+            <a:pPr lvl="1"/>
+            <a:r>
+              <a:rPr lang="en-US" dirty="0" smtClean="0"/>
+              <a:t>Software and ancillary information (configuration tools, documentation, recommendations)</a:t>
+            </a:r>
+          </a:p>
+          <a:p>
+            <a:pPr lvl="1"/>
+            <a:r>
+              <a:rPr lang="en-US" dirty="0" smtClean="0"/>
+              <a:t>Assistance in keeping site running smoothly</a:t>
+            </a:r>
+          </a:p>
+          <a:p>
+            <a:pPr lvl="1"/>
+            <a:r>
+              <a:rPr lang="en-US" dirty="0" smtClean="0"/>
+              <a:t>Help in troubleshooting and installing software</a:t>
+            </a:r>
+          </a:p>
+          <a:p>
+            <a:pPr lvl="1"/>
+            <a:r>
+              <a:rPr lang="en-US" dirty="0" smtClean="0"/>
+              <a:t>Users for your site</a:t>
+            </a:r>
+          </a:p>
+          <a:p>
+            <a:pPr lvl="1"/>
+            <a:r>
+              <a:rPr kumimoji="1" lang="en-US" dirty="0" smtClean="0">
                 <a:solidFill>
-                  <a:srgbClr val="FFF39D"/>
+                  <a:schemeClr val="tx2"/>
                 </a:solidFill>
               </a:rPr>
-              <a:t>The OSG compute element</a:t>
+              <a:t>An exciting, cutting-edge, 21st-century collaborative distributed computing grid cloud buzzword-compliant environment</a:t>
+            </a:r>
+          </a:p>
+          <a:p>
+            <a:pPr lvl="1"/>
+            <a:endParaRPr lang="en-US" dirty="0"/>
+          </a:p>
+        </p:txBody>
+      </p:sp>
+      <p:sp>
+        <p:nvSpPr>
+          <p:cNvPr id="4" name="Date Placeholder 3"/>
+          <p:cNvSpPr>
+            <a:spLocks noGrp="1"/>
+          </p:cNvSpPr>
+          <p:nvPr>
+            <p:ph type="dt" sz="half" idx="14"/>
+          </p:nvPr>
+        </p:nvSpPr>
+        <p:spPr/>
+        <p:txBody>
+          <a:bodyPr/>
+          <a:lstStyle/>
+          <a:p>
+            <a:r>
+              <a:rPr lang="en-US" smtClean="0"/>
+              <a:t>April 23, 2009</a:t>
             </a:r>
             <a:endParaRPr lang="en-US" dirty="0" smtClean="0"/>
           </a:p>
-          <a:p>
-            <a:r>
-              <a:rPr lang="en-US" dirty="0" smtClean="0">
-                <a:solidFill>
-                  <a:schemeClr val="accent5"/>
-                </a:solidFill>
-              </a:rPr>
-              <a:t>Installing an OSG site</a:t>
-            </a:r>
-          </a:p>
-          <a:p>
-            <a:r>
-              <a:rPr lang="en-US" dirty="0" smtClean="0"/>
-              <a:t>Maintaining a site</a:t>
-            </a:r>
-          </a:p>
-          <a:p>
-            <a:r>
-              <a:rPr lang="en-US" dirty="0" smtClean="0"/>
-              <a:t>Q&amp;A time </a:t>
-            </a:r>
-            <a:endParaRPr lang="en-US" dirty="0"/>
-          </a:p>
-        </p:txBody>
-      </p:sp>
-      <p:sp>
-        <p:nvSpPr>
-          <p:cNvPr id="4" name="Date Placeholder 3"/>
-          <p:cNvSpPr>
-            <a:spLocks noGrp="1"/>
-          </p:cNvSpPr>
-          <p:nvPr>
-            <p:ph type="dt" sz="half" idx="10"/>
-          </p:nvPr>
-        </p:nvSpPr>
-        <p:spPr/>
-        <p:txBody>
-          <a:bodyPr/>
-          <a:lstStyle/>
-          <a:p>
-            <a:r>
-              <a:rPr lang="en-US" smtClean="0"/>
-              <a:t>April 23, 2009</a:t>
-            </a:r>
-            <a:endParaRPr dirty="0"/>
-          </a:p>
-        </p:txBody>
-      </p:sp>
-      <p:sp>
-        <p:nvSpPr>
-          <p:cNvPr id="6" name="Footer Placeholder 5"/>
-          <p:cNvSpPr>
-            <a:spLocks noGrp="1"/>
-          </p:cNvSpPr>
-          <p:nvPr>
-            <p:ph type="ftr" sz="quarter" idx="11"/>
-          </p:nvPr>
-        </p:nvSpPr>
-        <p:spPr/>
-        <p:txBody>
-          <a:bodyPr/>
-          <a:lstStyle/>
-          <a:p>
-            <a:r>
-              <a:rPr lang="en-US" smtClean="0"/>
-              <a:t>NCGS 2009 Chapel Hill</a:t>
-            </a:r>
-            <a:endParaRPr lang="en-US" dirty="0"/>
-          </a:p>
-        </p:txBody>
-      </p:sp>
-      <p:sp>
-        <p:nvSpPr>
-          <p:cNvPr id="5" name="Slide Number Placeholder 4"/>
-          <p:cNvSpPr>
-            <a:spLocks noGrp="1"/>
-          </p:cNvSpPr>
-          <p:nvPr>
-            <p:ph type="sldNum" sz="quarter" idx="12"/>
+        </p:txBody>
+      </p:sp>
+      <p:sp>
+        <p:nvSpPr>
+          <p:cNvPr id="6" name="Slide Number Placeholder 5"/>
+          <p:cNvSpPr>
+            <a:spLocks noGrp="1"/>
+          </p:cNvSpPr>
+          <p:nvPr>
+            <p:ph type="sldNum" sz="quarter" idx="15"/>
           </p:nvPr>
         </p:nvSpPr>
         <p:spPr/>
@@ -11715,6 +12372,29 @@
               <a:t>7</a:t>
             </a:fld>
             <a:endParaRPr lang="en-US"/>
+          </a:p>
+        </p:txBody>
+      </p:sp>
+      <p:sp>
+        <p:nvSpPr>
+          <p:cNvPr id="5" name="Footer Placeholder 4"/>
+          <p:cNvSpPr>
+            <a:spLocks noGrp="1"/>
+          </p:cNvSpPr>
+          <p:nvPr>
+            <p:ph type="ftr" sz="quarter" idx="16"/>
+          </p:nvPr>
+        </p:nvSpPr>
+        <p:spPr/>
+        <p:txBody>
+          <a:bodyPr/>
+          <a:lstStyle/>
+          <a:p>
+            <a:r>
+              <a:rPr lang="en-US" smtClean="0"/>
+              <a:t>NCGS 2009 Chapel Hill</a:t>
+            </a:r>
+            <a:endParaRPr lang="en-US" dirty="0"/>
           </a:p>
         </p:txBody>
       </p:sp>
@@ -11752,7 +12432,7 @@
       </p:grpSpPr>
       <p:sp>
         <p:nvSpPr>
-          <p:cNvPr id="2" name="Title 1"/>
+          <p:cNvPr id="7170" name="Title 1"/>
           <p:cNvSpPr>
             <a:spLocks noGrp="1"/>
           </p:cNvSpPr>
@@ -11767,7 +12447,7 @@
           <a:p>
             <a:r>
               <a:rPr lang="en-US" dirty="0" smtClean="0"/>
-              <a:t>Site planning</a:t>
+              <a:t>Incident Response Policy</a:t>
             </a:r>
             <a:endParaRPr lang="en-US" dirty="0"/>
           </a:p>
@@ -11775,114 +12455,84 @@
       </p:sp>
       <p:sp>
         <p:nvSpPr>
-          <p:cNvPr id="3" name="Content Placeholder 2"/>
-          <p:cNvSpPr>
-            <a:spLocks noGrp="1"/>
-          </p:cNvSpPr>
-          <p:nvPr>
-            <p:ph sz="quarter" idx="1"/>
-          </p:nvPr>
-        </p:nvSpPr>
-        <p:spPr/>
-        <p:txBody>
-          <a:bodyPr/>
-          <a:lstStyle/>
-          <a:p>
-            <a:r>
-              <a:rPr lang="en-US" dirty="0" smtClean="0"/>
-              <a:t>Bureaucratic details</a:t>
-            </a:r>
-          </a:p>
-          <a:p>
-            <a:r>
-              <a:rPr lang="en-US" dirty="0" smtClean="0"/>
-              <a:t>Cluster layout</a:t>
-            </a:r>
-          </a:p>
-          <a:p>
-            <a:r>
-              <a:rPr lang="en-US" dirty="0" smtClean="0"/>
-              <a:t>Disk layout / sharing</a:t>
-            </a:r>
-          </a:p>
-          <a:p>
-            <a:r>
-              <a:rPr lang="en-US" dirty="0" smtClean="0"/>
-              <a:t>Authorization </a:t>
-            </a:r>
-            <a:br>
-              <a:rPr lang="en-US" dirty="0" smtClean="0"/>
-            </a:br>
-            <a:endParaRPr lang="en-US" dirty="0"/>
-          </a:p>
-        </p:txBody>
-      </p:sp>
-      <p:sp>
-        <p:nvSpPr>
-          <p:cNvPr id="4" name="Date Placeholder 3"/>
-          <p:cNvSpPr>
-            <a:spLocks noGrp="1"/>
-          </p:cNvSpPr>
-          <p:nvPr>
-            <p:ph type="dt" sz="half" idx="14"/>
-          </p:nvPr>
-        </p:nvSpPr>
-        <p:spPr/>
-        <p:txBody>
-          <a:bodyPr/>
-          <a:lstStyle/>
-          <a:p>
-            <a:r>
-              <a:rPr lang="en-US" smtClean="0"/>
-              <a:t>April 23, 2009</a:t>
-            </a:r>
-            <a:endParaRPr lang="en-US" dirty="0" smtClean="0"/>
-          </a:p>
-        </p:txBody>
-      </p:sp>
-      <p:sp>
-        <p:nvSpPr>
-          <p:cNvPr id="6" name="Slide Number Placeholder 5"/>
-          <p:cNvSpPr>
-            <a:spLocks noGrp="1"/>
-          </p:cNvSpPr>
-          <p:nvPr>
-            <p:ph type="sldNum" sz="quarter" idx="15"/>
-          </p:nvPr>
-        </p:nvSpPr>
-        <p:spPr/>
-        <p:txBody>
-          <a:bodyPr/>
-          <a:lstStyle/>
-          <a:p>
-            <a:fld id="{E51AA724-561A-1846-8644-561AA2F6606C}" type="slidenum">
-              <a:rPr lang="en-US" smtClean="0"/>
-              <a:pPr/>
-              <a:t>8</a:t>
-            </a:fld>
-            <a:endParaRPr lang="en-US"/>
-          </a:p>
-        </p:txBody>
-      </p:sp>
-      <p:sp>
-        <p:nvSpPr>
-          <p:cNvPr id="5" name="Footer Placeholder 4"/>
-          <p:cNvSpPr>
-            <a:spLocks noGrp="1"/>
-          </p:cNvSpPr>
-          <p:nvPr>
-            <p:ph type="ftr" sz="quarter" idx="16"/>
-          </p:nvPr>
-        </p:nvSpPr>
-        <p:spPr/>
-        <p:txBody>
-          <a:bodyPr/>
-          <a:lstStyle/>
-          <a:p>
-            <a:r>
-              <a:rPr lang="en-US" smtClean="0"/>
-              <a:t>NCGS 2009 Chapel Hill</a:t>
-            </a:r>
+          <p:cNvPr id="7171" name="Content Placeholder 2"/>
+          <p:cNvSpPr>
+            <a:spLocks noGrp="1"/>
+          </p:cNvSpPr>
+          <p:nvPr>
+            <p:ph idx="1"/>
+          </p:nvPr>
+        </p:nvSpPr>
+        <p:spPr/>
+        <p:txBody>
+          <a:bodyPr/>
+          <a:lstStyle/>
+          <a:p>
+            <a:r>
+              <a:rPr lang="en-US" smtClean="0"/>
+              <a:t>Incident: any real or suspected event that poses a real or potential threat</a:t>
+            </a:r>
+          </a:p>
+          <a:p>
+            <a:r>
+              <a:rPr lang="en-US" smtClean="0"/>
+              <a:t>You MUST Report and Respond </a:t>
+            </a:r>
+          </a:p>
+          <a:p>
+            <a:pPr lvl="1"/>
+            <a:r>
+              <a:rPr lang="en-US" smtClean="0"/>
+              <a:t>Report: email </a:t>
+            </a:r>
+            <a:r>
+              <a:rPr lang="en-US" smtClean="0">
+                <a:hlinkClick r:id="rId2"/>
+              </a:rPr>
+              <a:t>security@opensciencegrid.org</a:t>
+            </a:r>
+            <a:endParaRPr lang="en-US" smtClean="0"/>
+          </a:p>
+          <a:p>
+            <a:pPr lvl="1"/>
+            <a:r>
+              <a:rPr lang="en-US" smtClean="0">
+                <a:hlinkClick r:id="rId3"/>
+              </a:rPr>
+              <a:t>abuse@opensciencegrid.org</a:t>
+            </a:r>
+            <a:endParaRPr lang="en-US" smtClean="0"/>
+          </a:p>
+          <a:p>
+            <a:pPr lvl="1"/>
+            <a:r>
+              <a:rPr lang="en-US" smtClean="0"/>
+              <a:t>+1 317-278-9699</a:t>
+            </a:r>
+          </a:p>
+          <a:p>
+            <a:pPr lvl="1"/>
+            <a:r>
+              <a:rPr lang="en-US" smtClean="0"/>
+              <a:t>https://twiki.grid.iu.edu/twiki/bin/view/Security/IncidentDiscoveryReporting</a:t>
+            </a:r>
+          </a:p>
+          <a:p>
+            <a:pPr lvl="1"/>
+            <a:r>
+              <a:rPr lang="en-US" smtClean="0"/>
+              <a:t>Respond: follow this policy in collaboration with OSG </a:t>
+            </a:r>
+          </a:p>
+          <a:p>
+            <a:pPr lvl="1"/>
+            <a:endParaRPr lang="en-US" smtClean="0"/>
+          </a:p>
+          <a:p>
+            <a:endParaRPr lang="en-US" smtClean="0"/>
+          </a:p>
+          <a:p>
+            <a:pPr lvl="2"/>
             <a:endParaRPr lang="en-US" dirty="0"/>
           </a:p>
         </p:txBody>
@@ -11892,13 +12542,6 @@
   <p:clrMapOvr>
     <a:masterClrMapping/>
   </p:clrMapOvr>
-  <p:timing>
-    <p:tnLst>
-      <p:par>
-        <p:cTn id="1" dur="indefinite" restart="never" nodeType="tmRoot"/>
-      </p:par>
-    </p:tnLst>
-  </p:timing>
 </p:sld>
 </file>
 
@@ -11921,7 +12564,7 @@
       </p:grpSpPr>
       <p:sp>
         <p:nvSpPr>
-          <p:cNvPr id="2" name="Title 1"/>
+          <p:cNvPr id="4" name="Title 3"/>
           <p:cNvSpPr>
             <a:spLocks noGrp="1"/>
           </p:cNvSpPr>
@@ -11936,7 +12579,11 @@
           <a:p>
             <a:r>
               <a:rPr lang="en-US" dirty="0" smtClean="0"/>
-              <a:t>Bureaucracy</a:t>
+              <a:t>Incident Response </a:t>
+            </a:r>
+            <a:r>
+              <a:rPr lang="en-US" dirty="0" smtClean="0"/>
+              <a:t>Policy (Part 2)</a:t>
             </a:r>
             <a:endParaRPr lang="en-US" dirty="0"/>
           </a:p>
@@ -11944,128 +12591,79 @@
       </p:sp>
       <p:sp>
         <p:nvSpPr>
-          <p:cNvPr id="3" name="Content Placeholder 2"/>
-          <p:cNvSpPr>
-            <a:spLocks noGrp="1"/>
-          </p:cNvSpPr>
-          <p:nvPr>
-            <p:ph sz="quarter" idx="1"/>
-          </p:nvPr>
-        </p:nvSpPr>
-        <p:spPr/>
-        <p:txBody>
-          <a:bodyPr/>
-          <a:lstStyle/>
-          <a:p>
-            <a:r>
-              <a:rPr lang="en-US" dirty="0" smtClean="0"/>
-              <a:t>Certificates (personal/host)</a:t>
-            </a:r>
-          </a:p>
-          <a:p>
-            <a:r>
-              <a:rPr lang="en-US" dirty="0" smtClean="0"/>
-              <a:t>VO registrations</a:t>
-            </a:r>
-          </a:p>
-          <a:p>
-            <a:r>
-              <a:rPr lang="en-US" dirty="0" smtClean="0"/>
-              <a:t>Registration with OSG </a:t>
+          <p:cNvPr id="8194" name="Content Placeholder 2"/>
+          <p:cNvSpPr>
+            <a:spLocks noGrp="1"/>
+          </p:cNvSpPr>
+          <p:nvPr>
+            <p:ph idx="1"/>
+          </p:nvPr>
+        </p:nvSpPr>
+        <p:spPr/>
+        <p:txBody>
+          <a:bodyPr/>
+          <a:lstStyle/>
+          <a:p>
+            <a:r>
+              <a:rPr lang="en-US" smtClean="0"/>
+              <a:t>When contacting OSG, let us know:</a:t>
             </a:r>
           </a:p>
           <a:p>
             <a:pPr lvl="1"/>
             <a:r>
-              <a:rPr lang="en-US" dirty="0" smtClean="0"/>
-              <a:t>Need a site name (e.g. UC_ITB)</a:t>
+              <a:rPr lang="en-US" smtClean="0"/>
+              <a:t>If any certs are compromised, or suspicious</a:t>
             </a:r>
           </a:p>
           <a:p>
             <a:pPr lvl="1"/>
             <a:r>
-              <a:rPr lang="en-US" dirty="0" smtClean="0"/>
-              <a:t>Need contacts (security, admin, etc.)</a:t>
-            </a:r>
-          </a:p>
-          <a:p>
-            <a:r>
-              <a:rPr lang="en-US" dirty="0" smtClean="0"/>
-              <a:t>Site policy on web </a:t>
-            </a:r>
-          </a:p>
-          <a:p>
-            <a:endParaRPr lang="en-US" dirty="0"/>
-          </a:p>
-        </p:txBody>
-      </p:sp>
-      <p:sp>
-        <p:nvSpPr>
-          <p:cNvPr id="4" name="Date Placeholder 3"/>
-          <p:cNvSpPr>
-            <a:spLocks noGrp="1"/>
-          </p:cNvSpPr>
-          <p:nvPr>
-            <p:ph type="dt" sz="half" idx="14"/>
-          </p:nvPr>
-        </p:nvSpPr>
-        <p:spPr/>
-        <p:txBody>
-          <a:bodyPr/>
-          <a:lstStyle/>
-          <a:p>
-            <a:r>
-              <a:rPr lang="en-US" smtClean="0"/>
-              <a:t>April 23, 2009</a:t>
-            </a:r>
-            <a:endParaRPr lang="en-US" dirty="0" smtClean="0"/>
-          </a:p>
-        </p:txBody>
-      </p:sp>
-      <p:sp>
-        <p:nvSpPr>
-          <p:cNvPr id="6" name="Slide Number Placeholder 5"/>
-          <p:cNvSpPr>
-            <a:spLocks noGrp="1"/>
-          </p:cNvSpPr>
-          <p:nvPr>
-            <p:ph type="sldNum" sz="quarter" idx="15"/>
-          </p:nvPr>
-        </p:nvSpPr>
-        <p:spPr/>
-        <p:txBody>
-          <a:bodyPr/>
-          <a:lstStyle/>
-          <a:p>
-            <a:fld id="{E51AA724-561A-1846-8644-561AA2F6606C}" type="slidenum">
-              <a:rPr lang="en-US" smtClean="0"/>
-              <a:pPr/>
-              <a:t>9</a:t>
-            </a:fld>
+              <a:rPr lang="en-US" smtClean="0"/>
+              <a:t>If any VO accounts are affected</a:t>
+            </a:r>
+          </a:p>
+          <a:p>
+            <a:pPr lvl="1"/>
+            <a:r>
+              <a:rPr lang="en-US" smtClean="0"/>
+              <a:t>Have you informed any CA for revocation ?</a:t>
+            </a:r>
+          </a:p>
+          <a:p>
+            <a:pPr lvl="1"/>
+            <a:r>
+              <a:rPr lang="en-US" smtClean="0"/>
+              <a:t>Have you shut down the node ? Will you ?</a:t>
+            </a:r>
+          </a:p>
+          <a:p>
+            <a:pPr lvl="1"/>
+            <a:r>
+              <a:rPr lang="en-US" smtClean="0"/>
+              <a:t>Any suspicious connection out of your node to another grid resource ?</a:t>
+            </a:r>
+          </a:p>
+          <a:p>
+            <a:pPr lvl="1"/>
+            <a:r>
+              <a:rPr lang="en-US" smtClean="0"/>
+              <a:t>Any corrupted data</a:t>
+            </a:r>
+          </a:p>
+          <a:p>
+            <a:pPr lvl="1"/>
+            <a:r>
+              <a:rPr lang="en-US" smtClean="0"/>
+              <a:t>Please KEEP US INFORMED, keep emailing during your forensics, even if you think it is embarrassing – We are ALL in this together</a:t>
+            </a:r>
+          </a:p>
+          <a:p>
+            <a:pPr lvl="1"/>
+            <a:endParaRPr lang="en-US" smtClean="0"/>
+          </a:p>
+          <a:p>
             <a:endParaRPr lang="en-US"/>
-          </a:p>
-        </p:txBody>
-      </p:sp>
-      <p:sp>
-        <p:nvSpPr>
-          <p:cNvPr id="5" name="Footer Placeholder 4"/>
-          <p:cNvSpPr>
-            <a:spLocks noGrp="1"/>
-          </p:cNvSpPr>
-          <p:nvPr>
-            <p:ph type="ftr" sz="quarter" idx="16"/>
-          </p:nvPr>
-        </p:nvSpPr>
-        <p:spPr/>
-        <p:txBody>
-          <a:bodyPr/>
-          <a:lstStyle/>
-          <a:p>
-            <a:r>
-              <a:rPr lang="en-US" smtClean="0"/>
-              <a:t>NCGS 2009 Chapel Hill</a:t>
-            </a:r>
-            <a:endParaRPr lang="en-US" dirty="0"/>
           </a:p>
         </p:txBody>
       </p:sp>
@@ -12074,13 +12672,6 @@
   <p:clrMapOvr>
     <a:masterClrMapping/>
   </p:clrMapOvr>
-  <p:timing>
-    <p:tnLst>
-      <p:par>
-        <p:cTn id="1" dur="indefinite" restart="never" nodeType="tmRoot"/>
-      </p:par>
-    </p:tnLst>
-  </p:timing>
 </p:sld>
 </file>
 
